--- a/演算法手寫Ｂ.pptx
+++ b/演算法手寫Ｂ.pptx
@@ -2,31 +2,31 @@
 <file path=ppt/presentation.xml><?xml version="1.0" encoding="utf-8"?>
 <p:presentation xmlns:a="http://schemas.openxmlformats.org/drawingml/2006/main" xmlns:r="http://schemas.openxmlformats.org/officeDocument/2006/relationships" xmlns:p="http://schemas.openxmlformats.org/presentationml/2006/main">
   <p:sldMasterIdLst>
-    <p:sldMasterId id="2147483648" r:id="rId5"/>
+    <p:sldMasterId id="2147483648" r:id="rId1"/>
   </p:sldMasterIdLst>
   <p:notesMasterIdLst>
-    <p:notesMasterId r:id="rId7"/>
+    <p:notesMasterId r:id="rId21"/>
   </p:notesMasterIdLst>
   <p:sldIdLst>
-    <p:sldId id="256" r:id="rId8"/>
-    <p:sldId id="257" r:id="rId9"/>
-    <p:sldId id="258" r:id="rId10"/>
-    <p:sldId id="259" r:id="rId11"/>
-    <p:sldId id="260" r:id="rId12"/>
-    <p:sldId id="261" r:id="rId13"/>
-    <p:sldId id="262" r:id="rId14"/>
-    <p:sldId id="263" r:id="rId15"/>
-    <p:sldId id="264" r:id="rId16"/>
-    <p:sldId id="265" r:id="rId17"/>
-    <p:sldId id="266" r:id="rId18"/>
-    <p:sldId id="267" r:id="rId19"/>
-    <p:sldId id="268" r:id="rId20"/>
-    <p:sldId id="269" r:id="rId21"/>
-    <p:sldId id="270" r:id="rId22"/>
-    <p:sldId id="271" r:id="rId23"/>
-    <p:sldId id="272" r:id="rId24"/>
-    <p:sldId id="273" r:id="rId25"/>
-    <p:sldId id="274" r:id="rId26"/>
+    <p:sldId id="256" r:id="rId2"/>
+    <p:sldId id="257" r:id="rId3"/>
+    <p:sldId id="258" r:id="rId4"/>
+    <p:sldId id="259" r:id="rId5"/>
+    <p:sldId id="260" r:id="rId6"/>
+    <p:sldId id="261" r:id="rId7"/>
+    <p:sldId id="262" r:id="rId8"/>
+    <p:sldId id="263" r:id="rId9"/>
+    <p:sldId id="264" r:id="rId10"/>
+    <p:sldId id="265" r:id="rId11"/>
+    <p:sldId id="266" r:id="rId12"/>
+    <p:sldId id="267" r:id="rId13"/>
+    <p:sldId id="268" r:id="rId14"/>
+    <p:sldId id="269" r:id="rId15"/>
+    <p:sldId id="270" r:id="rId16"/>
+    <p:sldId id="271" r:id="rId17"/>
+    <p:sldId id="272" r:id="rId18"/>
+    <p:sldId id="273" r:id="rId19"/>
+    <p:sldId id="274" r:id="rId20"/>
   </p:sldIdLst>
   <p:sldSz cx="13004800" cy="9753600"/>
   <p:notesSz cx="6858000" cy="9144000"/>
@@ -46,7 +46,7 @@
       <a:buFontTx/>
       <a:buNone/>
       <a:tabLst/>
-      <a:defRPr b="0" baseline="0" cap="none" i="0" spc="0" strike="noStrike" sz="1800" u="none" kumimoji="0" normalizeH="0">
+      <a:defRPr kumimoji="0" sz="1800" b="0" i="0" u="none" strike="noStrike" cap="none" spc="0" normalizeH="0" baseline="0">
         <a:ln>
           <a:noFill/>
         </a:ln>
@@ -72,7 +72,7 @@
       <a:buFontTx/>
       <a:buNone/>
       <a:tabLst/>
-      <a:defRPr b="0" baseline="0" cap="none" i="0" spc="0" strike="noStrike" sz="4000" u="none" kumimoji="0" normalizeH="0">
+      <a:defRPr kumimoji="0" sz="4000" b="0" i="0" u="none" strike="noStrike" cap="none" spc="0" normalizeH="0" baseline="0">
         <a:ln>
           <a:noFill/>
         </a:ln>
@@ -102,7 +102,7 @@
       <a:buFontTx/>
       <a:buNone/>
       <a:tabLst/>
-      <a:defRPr b="0" baseline="0" cap="none" i="0" spc="0" strike="noStrike" sz="4000" u="none" kumimoji="0" normalizeH="0">
+      <a:defRPr kumimoji="0" sz="4000" b="0" i="0" u="none" strike="noStrike" cap="none" spc="0" normalizeH="0" baseline="0">
         <a:ln>
           <a:noFill/>
         </a:ln>
@@ -132,7 +132,7 @@
       <a:buFontTx/>
       <a:buNone/>
       <a:tabLst/>
-      <a:defRPr b="0" baseline="0" cap="none" i="0" spc="0" strike="noStrike" sz="4000" u="none" kumimoji="0" normalizeH="0">
+      <a:defRPr kumimoji="0" sz="4000" b="0" i="0" u="none" strike="noStrike" cap="none" spc="0" normalizeH="0" baseline="0">
         <a:ln>
           <a:noFill/>
         </a:ln>
@@ -162,7 +162,7 @@
       <a:buFontTx/>
       <a:buNone/>
       <a:tabLst/>
-      <a:defRPr b="0" baseline="0" cap="none" i="0" spc="0" strike="noStrike" sz="4000" u="none" kumimoji="0" normalizeH="0">
+      <a:defRPr kumimoji="0" sz="4000" b="0" i="0" u="none" strike="noStrike" cap="none" spc="0" normalizeH="0" baseline="0">
         <a:ln>
           <a:noFill/>
         </a:ln>
@@ -192,7 +192,7 @@
       <a:buFontTx/>
       <a:buNone/>
       <a:tabLst/>
-      <a:defRPr b="0" baseline="0" cap="none" i="0" spc="0" strike="noStrike" sz="4000" u="none" kumimoji="0" normalizeH="0">
+      <a:defRPr kumimoji="0" sz="4000" b="0" i="0" u="none" strike="noStrike" cap="none" spc="0" normalizeH="0" baseline="0">
         <a:ln>
           <a:noFill/>
         </a:ln>
@@ -222,7 +222,7 @@
       <a:buFontTx/>
       <a:buNone/>
       <a:tabLst/>
-      <a:defRPr b="0" baseline="0" cap="none" i="0" spc="0" strike="noStrike" sz="4000" u="none" kumimoji="0" normalizeH="0">
+      <a:defRPr kumimoji="0" sz="4000" b="0" i="0" u="none" strike="noStrike" cap="none" spc="0" normalizeH="0" baseline="0">
         <a:ln>
           <a:noFill/>
         </a:ln>
@@ -252,7 +252,7 @@
       <a:buFontTx/>
       <a:buNone/>
       <a:tabLst/>
-      <a:defRPr b="0" baseline="0" cap="none" i="0" spc="0" strike="noStrike" sz="4000" u="none" kumimoji="0" normalizeH="0">
+      <a:defRPr kumimoji="0" sz="4000" b="0" i="0" u="none" strike="noStrike" cap="none" spc="0" normalizeH="0" baseline="0">
         <a:ln>
           <a:noFill/>
         </a:ln>
@@ -282,7 +282,7 @@
       <a:buFontTx/>
       <a:buNone/>
       <a:tabLst/>
-      <a:defRPr b="0" baseline="0" cap="none" i="0" spc="0" strike="noStrike" sz="4000" u="none" kumimoji="0" normalizeH="0">
+      <a:defRPr kumimoji="0" sz="4000" b="0" i="0" u="none" strike="noStrike" cap="none" spc="0" normalizeH="0" baseline="0">
         <a:ln>
           <a:noFill/>
         </a:ln>
@@ -312,7 +312,7 @@
       <a:buFontTx/>
       <a:buNone/>
       <a:tabLst/>
-      <a:defRPr b="0" baseline="0" cap="none" i="0" spc="0" strike="noStrike" sz="4000" u="none" kumimoji="0" normalizeH="0">
+      <a:defRPr kumimoji="0" sz="4000" b="0" i="0" u="none" strike="noStrike" cap="none" spc="0" normalizeH="0" baseline="0">
         <a:ln>
           <a:noFill/>
         </a:ln>
@@ -331,13 +331,14 @@
 </p:presentation>
 </file>
 
-<file path=ppt/commentAuthors.xml><?xml version="1.0" encoding="utf-8"?>
-<p:cmAuthorLst xmlns:a="http://schemas.openxmlformats.org/drawingml/2006/main" xmlns:r="http://schemas.openxmlformats.org/officeDocument/2006/relationships" xmlns:p="http://schemas.openxmlformats.org/presentationml/2006/main"/>
-</file>
-
 <file path=ppt/notesMasters/notesMaster1.xml><?xml version="1.0" encoding="utf-8"?>
 <p:notesMaster xmlns:a="http://schemas.openxmlformats.org/drawingml/2006/main" xmlns:r="http://schemas.openxmlformats.org/officeDocument/2006/relationships" xmlns:p="http://schemas.openxmlformats.org/presentationml/2006/main">
   <p:cSld>
+    <p:bg>
+      <p:bgRef idx="1001">
+        <a:schemeClr val="bg1"/>
+      </p:bgRef>
+    </p:bg>
     <p:spTree>
       <p:nvGrpSpPr>
         <p:cNvPr id="1" name=""/>
@@ -355,7 +356,9 @@
       <p:sp>
         <p:nvSpPr>
           <p:cNvPr id="116" name="Shape 116"/>
-          <p:cNvSpPr/>
+          <p:cNvSpPr>
+            <a:spLocks noGrp="1" noRot="1" noChangeAspect="1"/>
+          </p:cNvSpPr>
           <p:nvPr>
             <p:ph type="sldImg"/>
           </p:nvPr>
@@ -373,14 +376,16 @@
           <a:bodyPr/>
           <a:lstStyle/>
           <a:p>
-            <a:pPr/>
+            <a:endParaRPr/>
           </a:p>
         </p:txBody>
       </p:sp>
       <p:sp>
         <p:nvSpPr>
           <p:cNvPr id="117" name="Shape 117"/>
-          <p:cNvSpPr/>
+          <p:cNvSpPr>
+            <a:spLocks noGrp="1"/>
+          </p:cNvSpPr>
           <p:nvPr>
             <p:ph type="body" sz="quarter" idx="1"/>
           </p:nvPr>
@@ -398,7 +403,7 @@
           <a:bodyPr/>
           <a:lstStyle/>
           <a:p>
-            <a:pPr/>
+            <a:endParaRPr/>
           </a:p>
         </p:txBody>
       </p:sp>
@@ -510,7 +515,7 @@
 </file>
 
 <file path=ppt/slideLayouts/slideLayout1.xml><?xml version="1.0" encoding="utf-8"?>
-<p:sldLayout xmlns:a="http://schemas.openxmlformats.org/drawingml/2006/main" xmlns:r="http://schemas.openxmlformats.org/officeDocument/2006/relationships" xmlns:p="http://schemas.openxmlformats.org/presentationml/2006/main" type="title" showMasterSp="1" showMasterPhAnim="1">
+<p:sldLayout xmlns:a="http://schemas.openxmlformats.org/drawingml/2006/main" xmlns:r="http://schemas.openxmlformats.org/officeDocument/2006/relationships" xmlns:p="http://schemas.openxmlformats.org/presentationml/2006/main" type="title">
   <p:cSld name="大標題與副標題">
     <p:spTree>
       <p:nvGrpSpPr>
@@ -529,7 +534,9 @@
       <p:sp>
         <p:nvSpPr>
           <p:cNvPr id="11" name="标题文本"/>
-          <p:cNvSpPr txBox="1"/>
+          <p:cNvSpPr txBox="1">
+            <a:spLocks noGrp="1"/>
+          </p:cNvSpPr>
           <p:nvPr>
             <p:ph type="title"/>
           </p:nvPr>
@@ -551,7 +558,6 @@
             </a:lvl1pPr>
           </a:lstStyle>
           <a:p>
-            <a:pPr/>
             <a:r>
               <a:t>标题文本</a:t>
             </a:r>
@@ -561,7 +567,9 @@
       <p:sp>
         <p:nvSpPr>
           <p:cNvPr id="12" name="正文级别 1…"/>
-          <p:cNvSpPr txBox="1"/>
+          <p:cNvSpPr txBox="1">
+            <a:spLocks noGrp="1"/>
+          </p:cNvSpPr>
           <p:nvPr>
             <p:ph type="body" sz="quarter" idx="1"/>
           </p:nvPr>
@@ -620,7 +628,6 @@
             </a:lvl5pPr>
           </a:lstStyle>
           <a:p>
-            <a:pPr/>
             <a:r>
               <a:t>正文级别 1</a:t>
             </a:r>
@@ -654,7 +661,9 @@
       <p:sp>
         <p:nvSpPr>
           <p:cNvPr id="13" name="幻燈片編號"/>
-          <p:cNvSpPr txBox="1"/>
+          <p:cNvSpPr txBox="1">
+            <a:spLocks noGrp="1"/>
+          </p:cNvSpPr>
           <p:nvPr>
             <p:ph type="sldNum" sz="quarter" idx="2"/>
           </p:nvPr>
@@ -672,8 +681,10 @@
           <a:bodyPr anchor="b"/>
           <a:lstStyle/>
           <a:p>
-            <a:pPr/>
-            <a:fld id="{86CB4B4D-7CA3-9044-876B-883B54F8677D}" type="slidenum"/>
+            <a:fld id="{86CB4B4D-7CA3-9044-876B-883B54F8677D}" type="slidenum">
+              <a:t>‹#›</a:t>
+            </a:fld>
+            <a:endParaRPr/>
           </a:p>
         </p:txBody>
       </p:sp>
@@ -682,12 +693,12 @@
   <p:clrMapOvr>
     <a:masterClrMapping/>
   </p:clrMapOvr>
-  <p:transition xmlns:p14="http://schemas.microsoft.com/office/powerpoint/2010/main" spd="med" advClick="1"/>
+  <p:transition spd="med"/>
 </p:sldLayout>
 </file>
 
 <file path=ppt/slideLayouts/slideLayout10.xml><?xml version="1.0" encoding="utf-8"?>
-<p:sldLayout xmlns:a="http://schemas.openxmlformats.org/drawingml/2006/main" xmlns:r="http://schemas.openxmlformats.org/officeDocument/2006/relationships" xmlns:p="http://schemas.openxmlformats.org/presentationml/2006/main" type="tx" showMasterSp="1" showMasterPhAnim="1">
+<p:sldLayout xmlns:a="http://schemas.openxmlformats.org/drawingml/2006/main" xmlns:r="http://schemas.openxmlformats.org/officeDocument/2006/relationships" xmlns:p="http://schemas.openxmlformats.org/presentationml/2006/main" type="tx">
   <p:cSld name="名言語錄">
     <p:spTree>
       <p:nvGrpSpPr>
@@ -706,7 +717,9 @@
       <p:sp>
         <p:nvSpPr>
           <p:cNvPr id="93" name="「在此輸入名言語錄。」"/>
-          <p:cNvSpPr txBox="1"/>
+          <p:cNvSpPr txBox="1">
+            <a:spLocks noGrp="1"/>
+          </p:cNvSpPr>
           <p:nvPr>
             <p:ph type="body" sz="quarter" idx="13"/>
           </p:nvPr>
@@ -739,7 +752,6 @@
             </a:lvl1pPr>
           </a:lstStyle>
           <a:p>
-            <a:pPr/>
             <a:r>
               <a:t>「在此輸入名言語錄。」</a:t>
             </a:r>
@@ -749,7 +761,9 @@
       <p:sp>
         <p:nvSpPr>
           <p:cNvPr id="94" name="–王大明"/>
-          <p:cNvSpPr txBox="1"/>
+          <p:cNvSpPr txBox="1">
+            <a:spLocks noGrp="1"/>
+          </p:cNvSpPr>
           <p:nvPr>
             <p:ph type="body" sz="quarter" idx="14"/>
           </p:nvPr>
@@ -778,7 +792,6 @@
             </a:lvl1pPr>
           </a:lstStyle>
           <a:p>
-            <a:pPr/>
             <a:r>
               <a:t>–王大明</a:t>
             </a:r>
@@ -788,7 +801,9 @@
       <p:sp>
         <p:nvSpPr>
           <p:cNvPr id="95" name="幻燈片編號"/>
-          <p:cNvSpPr txBox="1"/>
+          <p:cNvSpPr txBox="1">
+            <a:spLocks noGrp="1"/>
+          </p:cNvSpPr>
           <p:nvPr>
             <p:ph type="sldNum" sz="quarter" idx="2"/>
           </p:nvPr>
@@ -802,8 +817,10 @@
           <a:bodyPr/>
           <a:lstStyle/>
           <a:p>
-            <a:pPr/>
-            <a:fld id="{86CB4B4D-7CA3-9044-876B-883B54F8677D}" type="slidenum"/>
+            <a:fld id="{86CB4B4D-7CA3-9044-876B-883B54F8677D}" type="slidenum">
+              <a:t>‹#›</a:t>
+            </a:fld>
+            <a:endParaRPr/>
           </a:p>
         </p:txBody>
       </p:sp>
@@ -812,12 +829,12 @@
   <p:clrMapOvr>
     <a:masterClrMapping/>
   </p:clrMapOvr>
-  <p:transition xmlns:p14="http://schemas.microsoft.com/office/powerpoint/2010/main" spd="med" advClick="1"/>
+  <p:transition spd="med"/>
 </p:sldLayout>
 </file>
 
 <file path=ppt/slideLayouts/slideLayout11.xml><?xml version="1.0" encoding="utf-8"?>
-<p:sldLayout xmlns:a="http://schemas.openxmlformats.org/drawingml/2006/main" xmlns:r="http://schemas.openxmlformats.org/officeDocument/2006/relationships" xmlns:p="http://schemas.openxmlformats.org/presentationml/2006/main" type="tx" showMasterSp="1" showMasterPhAnim="1">
+<p:sldLayout xmlns:a="http://schemas.openxmlformats.org/drawingml/2006/main" xmlns:r="http://schemas.openxmlformats.org/officeDocument/2006/relationships" xmlns:p="http://schemas.openxmlformats.org/presentationml/2006/main" type="tx">
   <p:cSld name="照片">
     <p:spTree>
       <p:nvGrpSpPr>
@@ -836,7 +853,9 @@
       <p:sp>
         <p:nvSpPr>
           <p:cNvPr id="102" name="影像"/>
-          <p:cNvSpPr/>
+          <p:cNvSpPr>
+            <a:spLocks noGrp="1"/>
+          </p:cNvSpPr>
           <p:nvPr>
             <p:ph type="pic" idx="13"/>
           </p:nvPr>
@@ -856,14 +875,16 @@
           </a:bodyPr>
           <a:lstStyle/>
           <a:p>
-            <a:pPr/>
+            <a:endParaRPr/>
           </a:p>
         </p:txBody>
       </p:sp>
       <p:sp>
         <p:nvSpPr>
           <p:cNvPr id="103" name="幻燈片編號"/>
-          <p:cNvSpPr txBox="1"/>
+          <p:cNvSpPr txBox="1">
+            <a:spLocks noGrp="1"/>
+          </p:cNvSpPr>
           <p:nvPr>
             <p:ph type="sldNum" sz="quarter" idx="2"/>
           </p:nvPr>
@@ -877,8 +898,10 @@
           <a:bodyPr/>
           <a:lstStyle/>
           <a:p>
-            <a:pPr/>
-            <a:fld id="{86CB4B4D-7CA3-9044-876B-883B54F8677D}" type="slidenum"/>
+            <a:fld id="{86CB4B4D-7CA3-9044-876B-883B54F8677D}" type="slidenum">
+              <a:t>‹#›</a:t>
+            </a:fld>
+            <a:endParaRPr/>
           </a:p>
         </p:txBody>
       </p:sp>
@@ -887,12 +910,12 @@
   <p:clrMapOvr>
     <a:masterClrMapping/>
   </p:clrMapOvr>
-  <p:transition xmlns:p14="http://schemas.microsoft.com/office/powerpoint/2010/main" spd="med" advClick="1"/>
+  <p:transition spd="med"/>
 </p:sldLayout>
 </file>
 
 <file path=ppt/slideLayouts/slideLayout12.xml><?xml version="1.0" encoding="utf-8"?>
-<p:sldLayout xmlns:a="http://schemas.openxmlformats.org/drawingml/2006/main" xmlns:r="http://schemas.openxmlformats.org/officeDocument/2006/relationships" xmlns:p="http://schemas.openxmlformats.org/presentationml/2006/main" type="tx" showMasterSp="1" showMasterPhAnim="1">
+<p:sldLayout xmlns:a="http://schemas.openxmlformats.org/drawingml/2006/main" xmlns:r="http://schemas.openxmlformats.org/officeDocument/2006/relationships" xmlns:p="http://schemas.openxmlformats.org/presentationml/2006/main" type="tx">
   <p:cSld name="空白">
     <p:spTree>
       <p:nvGrpSpPr>
@@ -911,7 +934,9 @@
       <p:sp>
         <p:nvSpPr>
           <p:cNvPr id="110" name="幻燈片編號"/>
-          <p:cNvSpPr txBox="1"/>
+          <p:cNvSpPr txBox="1">
+            <a:spLocks noGrp="1"/>
+          </p:cNvSpPr>
           <p:nvPr>
             <p:ph type="sldNum" sz="quarter" idx="2"/>
           </p:nvPr>
@@ -925,8 +950,10 @@
           <a:bodyPr/>
           <a:lstStyle/>
           <a:p>
-            <a:pPr/>
-            <a:fld id="{86CB4B4D-7CA3-9044-876B-883B54F8677D}" type="slidenum"/>
+            <a:fld id="{86CB4B4D-7CA3-9044-876B-883B54F8677D}" type="slidenum">
+              <a:t>‹#›</a:t>
+            </a:fld>
+            <a:endParaRPr/>
           </a:p>
         </p:txBody>
       </p:sp>
@@ -935,12 +962,12 @@
   <p:clrMapOvr>
     <a:masterClrMapping/>
   </p:clrMapOvr>
-  <p:transition xmlns:p14="http://schemas.microsoft.com/office/powerpoint/2010/main" spd="med" advClick="1"/>
+  <p:transition spd="med"/>
 </p:sldLayout>
 </file>
 
 <file path=ppt/slideLayouts/slideLayout2.xml><?xml version="1.0" encoding="utf-8"?>
-<p:sldLayout xmlns:a="http://schemas.openxmlformats.org/drawingml/2006/main" xmlns:r="http://schemas.openxmlformats.org/officeDocument/2006/relationships" xmlns:p="http://schemas.openxmlformats.org/presentationml/2006/main" type="tx" showMasterSp="1" showMasterPhAnim="1">
+<p:sldLayout xmlns:a="http://schemas.openxmlformats.org/drawingml/2006/main" xmlns:r="http://schemas.openxmlformats.org/officeDocument/2006/relationships" xmlns:p="http://schemas.openxmlformats.org/presentationml/2006/main" type="tx">
   <p:cSld name="照片 - 水平">
     <p:spTree>
       <p:nvGrpSpPr>
@@ -959,7 +986,9 @@
       <p:sp>
         <p:nvSpPr>
           <p:cNvPr id="20" name="影像"/>
-          <p:cNvSpPr/>
+          <p:cNvSpPr>
+            <a:spLocks noGrp="1"/>
+          </p:cNvSpPr>
           <p:nvPr>
             <p:ph type="pic" idx="13"/>
           </p:nvPr>
@@ -982,14 +1011,16 @@
           </a:bodyPr>
           <a:lstStyle/>
           <a:p>
-            <a:pPr/>
+            <a:endParaRPr/>
           </a:p>
         </p:txBody>
       </p:sp>
       <p:sp>
         <p:nvSpPr>
           <p:cNvPr id="21" name="标题文本"/>
-          <p:cNvSpPr txBox="1"/>
+          <p:cNvSpPr txBox="1">
+            <a:spLocks noGrp="1"/>
+          </p:cNvSpPr>
           <p:nvPr>
             <p:ph type="title"/>
           </p:nvPr>
@@ -1011,7 +1042,6 @@
             </a:lvl1pPr>
           </a:lstStyle>
           <a:p>
-            <a:pPr/>
             <a:r>
               <a:t>标题文本</a:t>
             </a:r>
@@ -1021,7 +1051,9 @@
       <p:sp>
         <p:nvSpPr>
           <p:cNvPr id="22" name="正文级别 1…"/>
-          <p:cNvSpPr txBox="1"/>
+          <p:cNvSpPr txBox="1">
+            <a:spLocks noGrp="1"/>
+          </p:cNvSpPr>
           <p:nvPr>
             <p:ph type="body" sz="quarter" idx="1"/>
           </p:nvPr>
@@ -1080,7 +1112,6 @@
             </a:lvl5pPr>
           </a:lstStyle>
           <a:p>
-            <a:pPr/>
             <a:r>
               <a:t>正文级别 1</a:t>
             </a:r>
@@ -1114,7 +1145,9 @@
       <p:sp>
         <p:nvSpPr>
           <p:cNvPr id="23" name="幻燈片編號"/>
-          <p:cNvSpPr txBox="1"/>
+          <p:cNvSpPr txBox="1">
+            <a:spLocks noGrp="1"/>
+          </p:cNvSpPr>
           <p:nvPr>
             <p:ph type="sldNum" sz="quarter" idx="2"/>
           </p:nvPr>
@@ -1128,8 +1161,10 @@
           <a:bodyPr/>
           <a:lstStyle/>
           <a:p>
-            <a:pPr/>
-            <a:fld id="{86CB4B4D-7CA3-9044-876B-883B54F8677D}" type="slidenum"/>
+            <a:fld id="{86CB4B4D-7CA3-9044-876B-883B54F8677D}" type="slidenum">
+              <a:t>‹#›</a:t>
+            </a:fld>
+            <a:endParaRPr/>
           </a:p>
         </p:txBody>
       </p:sp>
@@ -1138,12 +1173,12 @@
   <p:clrMapOvr>
     <a:masterClrMapping/>
   </p:clrMapOvr>
-  <p:transition xmlns:p14="http://schemas.microsoft.com/office/powerpoint/2010/main" spd="med" advClick="1"/>
+  <p:transition spd="med"/>
 </p:sldLayout>
 </file>
 
 <file path=ppt/slideLayouts/slideLayout3.xml><?xml version="1.0" encoding="utf-8"?>
-<p:sldLayout xmlns:a="http://schemas.openxmlformats.org/drawingml/2006/main" xmlns:r="http://schemas.openxmlformats.org/officeDocument/2006/relationships" xmlns:p="http://schemas.openxmlformats.org/presentationml/2006/main" type="tx" showMasterSp="1" showMasterPhAnim="1">
+<p:sldLayout xmlns:a="http://schemas.openxmlformats.org/drawingml/2006/main" xmlns:r="http://schemas.openxmlformats.org/officeDocument/2006/relationships" xmlns:p="http://schemas.openxmlformats.org/presentationml/2006/main" type="tx">
   <p:cSld name="大標題 - 中央">
     <p:spTree>
       <p:nvGrpSpPr>
@@ -1162,7 +1197,9 @@
       <p:sp>
         <p:nvSpPr>
           <p:cNvPr id="30" name="标题文本"/>
-          <p:cNvSpPr txBox="1"/>
+          <p:cNvSpPr txBox="1">
+            <a:spLocks noGrp="1"/>
+          </p:cNvSpPr>
           <p:nvPr>
             <p:ph type="title"/>
           </p:nvPr>
@@ -1184,7 +1221,6 @@
             </a:lvl1pPr>
           </a:lstStyle>
           <a:p>
-            <a:pPr/>
             <a:r>
               <a:t>标题文本</a:t>
             </a:r>
@@ -1194,7 +1230,9 @@
       <p:sp>
         <p:nvSpPr>
           <p:cNvPr id="31" name="幻燈片編號"/>
-          <p:cNvSpPr txBox="1"/>
+          <p:cNvSpPr txBox="1">
+            <a:spLocks noGrp="1"/>
+          </p:cNvSpPr>
           <p:nvPr>
             <p:ph type="sldNum" sz="quarter" idx="2"/>
           </p:nvPr>
@@ -1208,8 +1246,10 @@
           <a:bodyPr/>
           <a:lstStyle/>
           <a:p>
-            <a:pPr/>
-            <a:fld id="{86CB4B4D-7CA3-9044-876B-883B54F8677D}" type="slidenum"/>
+            <a:fld id="{86CB4B4D-7CA3-9044-876B-883B54F8677D}" type="slidenum">
+              <a:t>‹#›</a:t>
+            </a:fld>
+            <a:endParaRPr/>
           </a:p>
         </p:txBody>
       </p:sp>
@@ -1218,12 +1258,12 @@
   <p:clrMapOvr>
     <a:masterClrMapping/>
   </p:clrMapOvr>
-  <p:transition xmlns:p14="http://schemas.microsoft.com/office/powerpoint/2010/main" spd="med" advClick="1"/>
+  <p:transition spd="med"/>
 </p:sldLayout>
 </file>
 
 <file path=ppt/slideLayouts/slideLayout4.xml><?xml version="1.0" encoding="utf-8"?>
-<p:sldLayout xmlns:a="http://schemas.openxmlformats.org/drawingml/2006/main" xmlns:r="http://schemas.openxmlformats.org/officeDocument/2006/relationships" xmlns:p="http://schemas.openxmlformats.org/presentationml/2006/main" type="tx" showMasterSp="1" showMasterPhAnim="1">
+<p:sldLayout xmlns:a="http://schemas.openxmlformats.org/drawingml/2006/main" xmlns:r="http://schemas.openxmlformats.org/officeDocument/2006/relationships" xmlns:p="http://schemas.openxmlformats.org/presentationml/2006/main" type="tx">
   <p:cSld name="照片 - 直式">
     <p:spTree>
       <p:nvGrpSpPr>
@@ -1242,7 +1282,9 @@
       <p:sp>
         <p:nvSpPr>
           <p:cNvPr id="38" name="butterfly-and-leaf_3000x1734.jpeg"/>
-          <p:cNvSpPr/>
+          <p:cNvSpPr>
+            <a:spLocks noGrp="1"/>
+          </p:cNvSpPr>
           <p:nvPr>
             <p:ph type="pic" sz="half" idx="13"/>
           </p:nvPr>
@@ -1265,14 +1307,16 @@
           </a:bodyPr>
           <a:lstStyle/>
           <a:p>
-            <a:pPr/>
+            <a:endParaRPr/>
           </a:p>
         </p:txBody>
       </p:sp>
       <p:sp>
         <p:nvSpPr>
           <p:cNvPr id="39" name="标题文本"/>
-          <p:cNvSpPr txBox="1"/>
+          <p:cNvSpPr txBox="1">
+            <a:spLocks noGrp="1"/>
+          </p:cNvSpPr>
           <p:nvPr>
             <p:ph type="title"/>
           </p:nvPr>
@@ -1290,7 +1334,6 @@
           <a:bodyPr anchor="b"/>
           <a:lstStyle/>
           <a:p>
-            <a:pPr/>
             <a:r>
               <a:t>标题文本</a:t>
             </a:r>
@@ -1300,7 +1343,9 @@
       <p:sp>
         <p:nvSpPr>
           <p:cNvPr id="40" name="正文级别 1…"/>
-          <p:cNvSpPr txBox="1"/>
+          <p:cNvSpPr txBox="1">
+            <a:spLocks noGrp="1"/>
+          </p:cNvSpPr>
           <p:nvPr>
             <p:ph type="body" sz="quarter" idx="1"/>
           </p:nvPr>
@@ -1359,7 +1404,6 @@
             </a:lvl5pPr>
           </a:lstStyle>
           <a:p>
-            <a:pPr/>
             <a:r>
               <a:t>正文级别 1</a:t>
             </a:r>
@@ -1393,7 +1437,9 @@
       <p:sp>
         <p:nvSpPr>
           <p:cNvPr id="41" name="幻燈片編號"/>
-          <p:cNvSpPr txBox="1"/>
+          <p:cNvSpPr txBox="1">
+            <a:spLocks noGrp="1"/>
+          </p:cNvSpPr>
           <p:nvPr>
             <p:ph type="sldNum" sz="quarter" idx="2"/>
           </p:nvPr>
@@ -1407,8 +1453,10 @@
           <a:bodyPr/>
           <a:lstStyle/>
           <a:p>
-            <a:pPr/>
-            <a:fld id="{86CB4B4D-7CA3-9044-876B-883B54F8677D}" type="slidenum"/>
+            <a:fld id="{86CB4B4D-7CA3-9044-876B-883B54F8677D}" type="slidenum">
+              <a:t>‹#›</a:t>
+            </a:fld>
+            <a:endParaRPr/>
           </a:p>
         </p:txBody>
       </p:sp>
@@ -1417,12 +1465,12 @@
   <p:clrMapOvr>
     <a:masterClrMapping/>
   </p:clrMapOvr>
-  <p:transition xmlns:p14="http://schemas.microsoft.com/office/powerpoint/2010/main" spd="med" advClick="1"/>
+  <p:transition spd="med"/>
 </p:sldLayout>
 </file>
 
 <file path=ppt/slideLayouts/slideLayout5.xml><?xml version="1.0" encoding="utf-8"?>
-<p:sldLayout xmlns:a="http://schemas.openxmlformats.org/drawingml/2006/main" xmlns:r="http://schemas.openxmlformats.org/officeDocument/2006/relationships" xmlns:p="http://schemas.openxmlformats.org/presentationml/2006/main" type="tx" showMasterSp="1" showMasterPhAnim="1">
+<p:sldLayout xmlns:a="http://schemas.openxmlformats.org/drawingml/2006/main" xmlns:r="http://schemas.openxmlformats.org/officeDocument/2006/relationships" xmlns:p="http://schemas.openxmlformats.org/presentationml/2006/main" type="tx">
   <p:cSld name="大標題 - 上方">
     <p:spTree>
       <p:nvGrpSpPr>
@@ -1441,7 +1489,9 @@
       <p:sp>
         <p:nvSpPr>
           <p:cNvPr id="48" name="标题文本"/>
-          <p:cNvSpPr txBox="1"/>
+          <p:cNvSpPr txBox="1">
+            <a:spLocks noGrp="1"/>
+          </p:cNvSpPr>
           <p:nvPr>
             <p:ph type="title"/>
           </p:nvPr>
@@ -1455,7 +1505,6 @@
           <a:bodyPr/>
           <a:lstStyle/>
           <a:p>
-            <a:pPr/>
             <a:r>
               <a:t>标题文本</a:t>
             </a:r>
@@ -1465,7 +1514,9 @@
       <p:sp>
         <p:nvSpPr>
           <p:cNvPr id="49" name="幻燈片編號"/>
-          <p:cNvSpPr txBox="1"/>
+          <p:cNvSpPr txBox="1">
+            <a:spLocks noGrp="1"/>
+          </p:cNvSpPr>
           <p:nvPr>
             <p:ph type="sldNum" sz="quarter" idx="2"/>
           </p:nvPr>
@@ -1479,8 +1530,10 @@
           <a:bodyPr/>
           <a:lstStyle/>
           <a:p>
-            <a:pPr/>
-            <a:fld id="{86CB4B4D-7CA3-9044-876B-883B54F8677D}" type="slidenum"/>
+            <a:fld id="{86CB4B4D-7CA3-9044-876B-883B54F8677D}" type="slidenum">
+              <a:t>‹#›</a:t>
+            </a:fld>
+            <a:endParaRPr/>
           </a:p>
         </p:txBody>
       </p:sp>
@@ -1489,12 +1542,12 @@
   <p:clrMapOvr>
     <a:masterClrMapping/>
   </p:clrMapOvr>
-  <p:transition xmlns:p14="http://schemas.microsoft.com/office/powerpoint/2010/main" spd="med" advClick="1"/>
+  <p:transition spd="med"/>
 </p:sldLayout>
 </file>
 
 <file path=ppt/slideLayouts/slideLayout6.xml><?xml version="1.0" encoding="utf-8"?>
-<p:sldLayout xmlns:a="http://schemas.openxmlformats.org/drawingml/2006/main" xmlns:r="http://schemas.openxmlformats.org/officeDocument/2006/relationships" xmlns:p="http://schemas.openxmlformats.org/presentationml/2006/main" type="tx" showMasterSp="1" showMasterPhAnim="1">
+<p:sldLayout xmlns:a="http://schemas.openxmlformats.org/drawingml/2006/main" xmlns:r="http://schemas.openxmlformats.org/officeDocument/2006/relationships" xmlns:p="http://schemas.openxmlformats.org/presentationml/2006/main" type="tx">
   <p:cSld name="大標題與項目符號">
     <p:spTree>
       <p:nvGrpSpPr>
@@ -1513,7 +1566,9 @@
       <p:sp>
         <p:nvSpPr>
           <p:cNvPr id="56" name="标题文本"/>
-          <p:cNvSpPr txBox="1"/>
+          <p:cNvSpPr txBox="1">
+            <a:spLocks noGrp="1"/>
+          </p:cNvSpPr>
           <p:nvPr>
             <p:ph type="title"/>
           </p:nvPr>
@@ -1527,7 +1582,6 @@
           <a:bodyPr/>
           <a:lstStyle/>
           <a:p>
-            <a:pPr/>
             <a:r>
               <a:t>标题文本</a:t>
             </a:r>
@@ -1537,7 +1591,9 @@
       <p:sp>
         <p:nvSpPr>
           <p:cNvPr id="57" name="正文级别 1…"/>
-          <p:cNvSpPr txBox="1"/>
+          <p:cNvSpPr txBox="1">
+            <a:spLocks noGrp="1"/>
+          </p:cNvSpPr>
           <p:nvPr>
             <p:ph type="body" idx="1"/>
           </p:nvPr>
@@ -1581,7 +1637,6 @@
             </a:lvl5pPr>
           </a:lstStyle>
           <a:p>
-            <a:pPr/>
             <a:r>
               <a:t>正文级别 1</a:t>
             </a:r>
@@ -1615,7 +1670,9 @@
       <p:sp>
         <p:nvSpPr>
           <p:cNvPr id="58" name="幻燈片編號"/>
-          <p:cNvSpPr txBox="1"/>
+          <p:cNvSpPr txBox="1">
+            <a:spLocks noGrp="1"/>
+          </p:cNvSpPr>
           <p:nvPr>
             <p:ph type="sldNum" sz="quarter" idx="2"/>
           </p:nvPr>
@@ -1629,8 +1686,10 @@
           <a:bodyPr/>
           <a:lstStyle/>
           <a:p>
-            <a:pPr/>
-            <a:fld id="{86CB4B4D-7CA3-9044-876B-883B54F8677D}" type="slidenum"/>
+            <a:fld id="{86CB4B4D-7CA3-9044-876B-883B54F8677D}" type="slidenum">
+              <a:t>‹#›</a:t>
+            </a:fld>
+            <a:endParaRPr/>
           </a:p>
         </p:txBody>
       </p:sp>
@@ -1639,12 +1698,12 @@
   <p:clrMapOvr>
     <a:masterClrMapping/>
   </p:clrMapOvr>
-  <p:transition xmlns:p14="http://schemas.microsoft.com/office/powerpoint/2010/main" spd="med" advClick="1"/>
+  <p:transition spd="med"/>
 </p:sldLayout>
 </file>
 
 <file path=ppt/slideLayouts/slideLayout7.xml><?xml version="1.0" encoding="utf-8"?>
-<p:sldLayout xmlns:a="http://schemas.openxmlformats.org/drawingml/2006/main" xmlns:r="http://schemas.openxmlformats.org/officeDocument/2006/relationships" xmlns:p="http://schemas.openxmlformats.org/presentationml/2006/main" type="tx" showMasterSp="1" showMasterPhAnim="1">
+<p:sldLayout xmlns:a="http://schemas.openxmlformats.org/drawingml/2006/main" xmlns:r="http://schemas.openxmlformats.org/officeDocument/2006/relationships" xmlns:p="http://schemas.openxmlformats.org/presentationml/2006/main" type="tx">
   <p:cSld name="大標題、項目符號與照片">
     <p:spTree>
       <p:nvGrpSpPr>
@@ -1663,7 +1722,9 @@
       <p:sp>
         <p:nvSpPr>
           <p:cNvPr id="65" name="butterfly-and-leaf_3000x1734.jpeg"/>
-          <p:cNvSpPr/>
+          <p:cNvSpPr>
+            <a:spLocks noGrp="1"/>
+          </p:cNvSpPr>
           <p:nvPr>
             <p:ph type="pic" sz="half" idx="13"/>
           </p:nvPr>
@@ -1686,14 +1747,16 @@
           </a:bodyPr>
           <a:lstStyle/>
           <a:p>
-            <a:pPr/>
+            <a:endParaRPr/>
           </a:p>
         </p:txBody>
       </p:sp>
       <p:sp>
         <p:nvSpPr>
           <p:cNvPr id="66" name="标题文本"/>
-          <p:cNvSpPr txBox="1"/>
+          <p:cNvSpPr txBox="1">
+            <a:spLocks noGrp="1"/>
+          </p:cNvSpPr>
           <p:nvPr>
             <p:ph type="title"/>
           </p:nvPr>
@@ -1707,7 +1770,6 @@
           <a:bodyPr/>
           <a:lstStyle/>
           <a:p>
-            <a:pPr/>
             <a:r>
               <a:t>标题文本</a:t>
             </a:r>
@@ -1717,7 +1779,9 @@
       <p:sp>
         <p:nvSpPr>
           <p:cNvPr id="67" name="正文级别 1…"/>
-          <p:cNvSpPr txBox="1"/>
+          <p:cNvSpPr txBox="1">
+            <a:spLocks noGrp="1"/>
+          </p:cNvSpPr>
           <p:nvPr>
             <p:ph type="body" sz="half" idx="1"/>
           </p:nvPr>
@@ -1786,7 +1850,6 @@
             </a:lvl5pPr>
           </a:lstStyle>
           <a:p>
-            <a:pPr/>
             <a:r>
               <a:t>正文级别 1</a:t>
             </a:r>
@@ -1820,7 +1883,9 @@
       <p:sp>
         <p:nvSpPr>
           <p:cNvPr id="68" name="幻燈片編號"/>
-          <p:cNvSpPr txBox="1"/>
+          <p:cNvSpPr txBox="1">
+            <a:spLocks noGrp="1"/>
+          </p:cNvSpPr>
           <p:nvPr>
             <p:ph type="sldNum" sz="quarter" idx="2"/>
           </p:nvPr>
@@ -1834,8 +1899,10 @@
           <a:bodyPr/>
           <a:lstStyle/>
           <a:p>
-            <a:pPr/>
-            <a:fld id="{86CB4B4D-7CA3-9044-876B-883B54F8677D}" type="slidenum"/>
+            <a:fld id="{86CB4B4D-7CA3-9044-876B-883B54F8677D}" type="slidenum">
+              <a:t>‹#›</a:t>
+            </a:fld>
+            <a:endParaRPr/>
           </a:p>
         </p:txBody>
       </p:sp>
@@ -1844,12 +1911,12 @@
   <p:clrMapOvr>
     <a:masterClrMapping/>
   </p:clrMapOvr>
-  <p:transition xmlns:p14="http://schemas.microsoft.com/office/powerpoint/2010/main" spd="med" advClick="1"/>
+  <p:transition spd="med"/>
 </p:sldLayout>
 </file>
 
 <file path=ppt/slideLayouts/slideLayout8.xml><?xml version="1.0" encoding="utf-8"?>
-<p:sldLayout xmlns:a="http://schemas.openxmlformats.org/drawingml/2006/main" xmlns:r="http://schemas.openxmlformats.org/officeDocument/2006/relationships" xmlns:p="http://schemas.openxmlformats.org/presentationml/2006/main" type="tx" showMasterSp="1" showMasterPhAnim="1">
+<p:sldLayout xmlns:a="http://schemas.openxmlformats.org/drawingml/2006/main" xmlns:r="http://schemas.openxmlformats.org/officeDocument/2006/relationships" xmlns:p="http://schemas.openxmlformats.org/presentationml/2006/main" type="tx">
   <p:cSld name="項目符號">
     <p:spTree>
       <p:nvGrpSpPr>
@@ -1868,7 +1935,9 @@
       <p:sp>
         <p:nvSpPr>
           <p:cNvPr id="75" name="正文级别 1…"/>
-          <p:cNvSpPr txBox="1"/>
+          <p:cNvSpPr txBox="1">
+            <a:spLocks noGrp="1"/>
+          </p:cNvSpPr>
           <p:nvPr>
             <p:ph type="body" idx="1"/>
           </p:nvPr>
@@ -1908,7 +1977,6 @@
             </a:lvl5pPr>
           </a:lstStyle>
           <a:p>
-            <a:pPr/>
             <a:r>
               <a:t>正文级别 1</a:t>
             </a:r>
@@ -1942,7 +2010,9 @@
       <p:sp>
         <p:nvSpPr>
           <p:cNvPr id="76" name="幻燈片編號"/>
-          <p:cNvSpPr txBox="1"/>
+          <p:cNvSpPr txBox="1">
+            <a:spLocks noGrp="1"/>
+          </p:cNvSpPr>
           <p:nvPr>
             <p:ph type="sldNum" sz="quarter" idx="2"/>
           </p:nvPr>
@@ -1956,8 +2026,10 @@
           <a:bodyPr/>
           <a:lstStyle/>
           <a:p>
-            <a:pPr/>
-            <a:fld id="{86CB4B4D-7CA3-9044-876B-883B54F8677D}" type="slidenum"/>
+            <a:fld id="{86CB4B4D-7CA3-9044-876B-883B54F8677D}" type="slidenum">
+              <a:t>‹#›</a:t>
+            </a:fld>
+            <a:endParaRPr/>
           </a:p>
         </p:txBody>
       </p:sp>
@@ -1966,12 +2038,12 @@
   <p:clrMapOvr>
     <a:masterClrMapping/>
   </p:clrMapOvr>
-  <p:transition xmlns:p14="http://schemas.microsoft.com/office/powerpoint/2010/main" spd="med" advClick="1"/>
+  <p:transition spd="med"/>
 </p:sldLayout>
 </file>
 
 <file path=ppt/slideLayouts/slideLayout9.xml><?xml version="1.0" encoding="utf-8"?>
-<p:sldLayout xmlns:a="http://schemas.openxmlformats.org/drawingml/2006/main" xmlns:r="http://schemas.openxmlformats.org/officeDocument/2006/relationships" xmlns:p="http://schemas.openxmlformats.org/presentationml/2006/main" type="tx" showMasterSp="1" showMasterPhAnim="1">
+<p:sldLayout xmlns:a="http://schemas.openxmlformats.org/drawingml/2006/main" xmlns:r="http://schemas.openxmlformats.org/officeDocument/2006/relationships" xmlns:p="http://schemas.openxmlformats.org/presentationml/2006/main" type="tx">
   <p:cSld name="照片 - 一頁三張">
     <p:spTree>
       <p:nvGrpSpPr>
@@ -1990,7 +2062,9 @@
       <p:sp>
         <p:nvSpPr>
           <p:cNvPr id="83" name="影像"/>
-          <p:cNvSpPr/>
+          <p:cNvSpPr>
+            <a:spLocks noGrp="1"/>
+          </p:cNvSpPr>
           <p:nvPr>
             <p:ph type="pic" sz="quarter" idx="13"/>
           </p:nvPr>
@@ -2013,14 +2087,16 @@
           </a:bodyPr>
           <a:lstStyle/>
           <a:p>
-            <a:pPr/>
+            <a:endParaRPr/>
           </a:p>
         </p:txBody>
       </p:sp>
       <p:sp>
         <p:nvSpPr>
           <p:cNvPr id="84" name="影像"/>
-          <p:cNvSpPr/>
+          <p:cNvSpPr>
+            <a:spLocks noGrp="1"/>
+          </p:cNvSpPr>
           <p:nvPr>
             <p:ph type="pic" sz="quarter" idx="14"/>
           </p:nvPr>
@@ -2043,14 +2119,16 @@
           </a:bodyPr>
           <a:lstStyle/>
           <a:p>
-            <a:pPr/>
+            <a:endParaRPr/>
           </a:p>
         </p:txBody>
       </p:sp>
       <p:sp>
         <p:nvSpPr>
           <p:cNvPr id="85" name="影像"/>
-          <p:cNvSpPr/>
+          <p:cNvSpPr>
+            <a:spLocks noGrp="1"/>
+          </p:cNvSpPr>
           <p:nvPr>
             <p:ph type="pic" idx="15"/>
           </p:nvPr>
@@ -2073,14 +2151,16 @@
           </a:bodyPr>
           <a:lstStyle/>
           <a:p>
-            <a:pPr/>
+            <a:endParaRPr/>
           </a:p>
         </p:txBody>
       </p:sp>
       <p:sp>
         <p:nvSpPr>
           <p:cNvPr id="86" name="幻燈片編號"/>
-          <p:cNvSpPr txBox="1"/>
+          <p:cNvSpPr txBox="1">
+            <a:spLocks noGrp="1"/>
+          </p:cNvSpPr>
           <p:nvPr>
             <p:ph type="sldNum" sz="quarter" idx="2"/>
           </p:nvPr>
@@ -2094,8 +2174,10 @@
           <a:bodyPr/>
           <a:lstStyle/>
           <a:p>
-            <a:pPr/>
-            <a:fld id="{86CB4B4D-7CA3-9044-876B-883B54F8677D}" type="slidenum"/>
+            <a:fld id="{86CB4B4D-7CA3-9044-876B-883B54F8677D}" type="slidenum">
+              <a:t>‹#›</a:t>
+            </a:fld>
+            <a:endParaRPr/>
           </a:p>
         </p:txBody>
       </p:sp>
@@ -2104,7 +2186,7 @@
   <p:clrMapOvr>
     <a:masterClrMapping/>
   </p:clrMapOvr>
-  <p:transition xmlns:p14="http://schemas.microsoft.com/office/powerpoint/2010/main" spd="med" advClick="1"/>
+  <p:transition spd="med"/>
 </p:sldLayout>
 </file>
 
@@ -2114,12 +2196,13 @@
     <p:bg>
       <p:bgPr>
         <a:blipFill rotWithShape="1">
-          <a:blip r:embed="rId2"/>
-          <a:srcRect l="0" t="0" r="0" b="0"/>
+          <a:blip r:embed="rId14"/>
+          <a:srcRect/>
           <a:stretch>
             <a:fillRect/>
           </a:stretch>
         </a:blipFill>
+        <a:effectLst/>
       </p:bgPr>
     </p:bg>
     <p:spTree>
@@ -2139,7 +2222,9 @@
       <p:sp>
         <p:nvSpPr>
           <p:cNvPr id="2" name="正文级别 1…"/>
-          <p:cNvSpPr txBox="1"/>
+          <p:cNvSpPr txBox="1">
+            <a:spLocks noGrp="1"/>
+          </p:cNvSpPr>
           <p:nvPr>
             <p:ph type="body" idx="1"/>
           </p:nvPr>
@@ -2157,43 +2242,42 @@
           </a:ln>
           <a:extLst>
             <a:ext uri="{C572A759-6A51-4108-AA02-DFA0A04FC94B}">
-              <ma14:wrappingTextBoxFlag xmlns:ma14="http://schemas.microsoft.com/office/mac/drawingml/2011/main" val="1"/>
+              <ma14:wrappingTextBoxFlag xmlns:ma14="http://schemas.microsoft.com/office/mac/drawingml/2011/main" xmlns="" val="1"/>
             </a:ext>
           </a:extLst>
         </p:spPr>
         <p:txBody>
           <a:bodyPr lIns="50800" tIns="50800" rIns="50800" bIns="50800" anchor="ctr">
-            <a:normAutofit fontScale="100000" lnSpcReduction="0"/>
+            <a:normAutofit/>
           </a:bodyPr>
           <a:lstStyle>
             <a:lvl1pPr>
               <a:buBlip>
-                <a:blip r:embed="rId3"/>
+                <a:blip r:embed="rId15"/>
               </a:buBlip>
             </a:lvl1pPr>
             <a:lvl2pPr>
               <a:buBlip>
-                <a:blip r:embed="rId3"/>
+                <a:blip r:embed="rId15"/>
               </a:buBlip>
             </a:lvl2pPr>
             <a:lvl3pPr>
               <a:buBlip>
-                <a:blip r:embed="rId3"/>
+                <a:blip r:embed="rId15"/>
               </a:buBlip>
             </a:lvl3pPr>
             <a:lvl4pPr>
               <a:buBlip>
-                <a:blip r:embed="rId3"/>
+                <a:blip r:embed="rId15"/>
               </a:buBlip>
             </a:lvl4pPr>
             <a:lvl5pPr>
               <a:buBlip>
-                <a:blip r:embed="rId3"/>
+                <a:blip r:embed="rId15"/>
               </a:buBlip>
             </a:lvl5pPr>
           </a:lstStyle>
           <a:p>
-            <a:pPr/>
             <a:r>
               <a:t>正文级别 1</a:t>
             </a:r>
@@ -2227,7 +2311,9 @@
       <p:sp>
         <p:nvSpPr>
           <p:cNvPr id="3" name="标题文本"/>
-          <p:cNvSpPr txBox="1"/>
+          <p:cNvSpPr txBox="1">
+            <a:spLocks noGrp="1"/>
+          </p:cNvSpPr>
           <p:nvPr>
             <p:ph type="title"/>
           </p:nvPr>
@@ -2245,17 +2331,16 @@
           </a:ln>
           <a:extLst>
             <a:ext uri="{C572A759-6A51-4108-AA02-DFA0A04FC94B}">
-              <ma14:wrappingTextBoxFlag xmlns:ma14="http://schemas.microsoft.com/office/mac/drawingml/2011/main" val="1"/>
+              <ma14:wrappingTextBoxFlag xmlns:ma14="http://schemas.microsoft.com/office/mac/drawingml/2011/main" xmlns="" val="1"/>
             </a:ext>
           </a:extLst>
         </p:spPr>
         <p:txBody>
           <a:bodyPr lIns="50800" tIns="50800" rIns="50800" bIns="50800" anchor="ctr">
-            <a:normAutofit fontScale="100000" lnSpcReduction="0"/>
+            <a:normAutofit/>
           </a:bodyPr>
           <a:lstStyle/>
           <a:p>
-            <a:pPr/>
             <a:r>
               <a:t>标题文本</a:t>
             </a:r>
@@ -2265,7 +2350,9 @@
       <p:sp>
         <p:nvSpPr>
           <p:cNvPr id="4" name="幻燈片編號"/>
-          <p:cNvSpPr txBox="1"/>
+          <p:cNvSpPr txBox="1">
+            <a:spLocks noGrp="1"/>
+          </p:cNvSpPr>
           <p:nvPr>
             <p:ph type="sldNum" sz="quarter" idx="2"/>
           </p:nvPr>
@@ -2296,8 +2383,10 @@
             </a:lvl1pPr>
           </a:lstStyle>
           <a:p>
-            <a:pPr/>
-            <a:fld id="{86CB4B4D-7CA3-9044-876B-883B54F8677D}" type="slidenum"/>
+            <a:fld id="{86CB4B4D-7CA3-9044-876B-883B54F8677D}" type="slidenum">
+              <a:t>‹#›</a:t>
+            </a:fld>
+            <a:endParaRPr/>
           </a:p>
         </p:txBody>
       </p:sp>
@@ -2305,20 +2394,20 @@
   </p:cSld>
   <p:clrMap bg1="dk1" tx1="lt1" bg2="dk2" tx2="lt2" accent1="accent1" accent2="accent2" accent3="accent3" accent4="accent4" accent5="accent5" accent6="accent6" hlink="hlink" folHlink="folHlink"/>
   <p:sldLayoutIdLst>
-    <p:sldLayoutId id="2147483649" r:id="rId4"/>
-    <p:sldLayoutId id="2147483650" r:id="rId5"/>
-    <p:sldLayoutId id="2147483651" r:id="rId6"/>
-    <p:sldLayoutId id="2147483652" r:id="rId7"/>
-    <p:sldLayoutId id="2147483653" r:id="rId8"/>
-    <p:sldLayoutId id="2147483654" r:id="rId9"/>
-    <p:sldLayoutId id="2147483655" r:id="rId10"/>
-    <p:sldLayoutId id="2147483656" r:id="rId11"/>
-    <p:sldLayoutId id="2147483657" r:id="rId12"/>
-    <p:sldLayoutId id="2147483658" r:id="rId13"/>
-    <p:sldLayoutId id="2147483659" r:id="rId14"/>
-    <p:sldLayoutId id="2147483660" r:id="rId15"/>
+    <p:sldLayoutId id="2147483649" r:id="rId1"/>
+    <p:sldLayoutId id="2147483650" r:id="rId2"/>
+    <p:sldLayoutId id="2147483651" r:id="rId3"/>
+    <p:sldLayoutId id="2147483652" r:id="rId4"/>
+    <p:sldLayoutId id="2147483653" r:id="rId5"/>
+    <p:sldLayoutId id="2147483654" r:id="rId6"/>
+    <p:sldLayoutId id="2147483655" r:id="rId7"/>
+    <p:sldLayoutId id="2147483656" r:id="rId8"/>
+    <p:sldLayoutId id="2147483657" r:id="rId9"/>
+    <p:sldLayoutId id="2147483658" r:id="rId10"/>
+    <p:sldLayoutId id="2147483659" r:id="rId11"/>
+    <p:sldLayoutId id="2147483660" r:id="rId12"/>
   </p:sldLayoutIdLst>
-  <p:transition xmlns:p14="http://schemas.microsoft.com/office/powerpoint/2010/main" spd="med" advClick="1"/>
+  <p:transition spd="med"/>
   <p:txStyles>
     <p:titleStyle>
       <a:lvl1pPr marL="0" marR="0" indent="0" algn="ctr" defTabSz="584200" rtl="0" latinLnBrk="0">
@@ -2336,7 +2425,7 @@
         <a:buFontTx/>
         <a:buNone/>
         <a:tabLst/>
-        <a:defRPr b="0" baseline="0" cap="none" i="0" spc="0" strike="noStrike" sz="8000" u="none">
+        <a:defRPr sz="8000" b="0" i="0" u="none" strike="noStrike" cap="none" spc="0" baseline="0">
           <a:ln>
             <a:noFill/>
           </a:ln>
@@ -2365,7 +2454,7 @@
         <a:buFontTx/>
         <a:buNone/>
         <a:tabLst/>
-        <a:defRPr b="0" baseline="0" cap="none" i="0" spc="0" strike="noStrike" sz="8000" u="none">
+        <a:defRPr sz="8000" b="0" i="0" u="none" strike="noStrike" cap="none" spc="0" baseline="0">
           <a:ln>
             <a:noFill/>
           </a:ln>
@@ -2394,7 +2483,7 @@
         <a:buFontTx/>
         <a:buNone/>
         <a:tabLst/>
-        <a:defRPr b="0" baseline="0" cap="none" i="0" spc="0" strike="noStrike" sz="8000" u="none">
+        <a:defRPr sz="8000" b="0" i="0" u="none" strike="noStrike" cap="none" spc="0" baseline="0">
           <a:ln>
             <a:noFill/>
           </a:ln>
@@ -2423,7 +2512,7 @@
         <a:buFontTx/>
         <a:buNone/>
         <a:tabLst/>
-        <a:defRPr b="0" baseline="0" cap="none" i="0" spc="0" strike="noStrike" sz="8000" u="none">
+        <a:defRPr sz="8000" b="0" i="0" u="none" strike="noStrike" cap="none" spc="0" baseline="0">
           <a:ln>
             <a:noFill/>
           </a:ln>
@@ -2452,7 +2541,7 @@
         <a:buFontTx/>
         <a:buNone/>
         <a:tabLst/>
-        <a:defRPr b="0" baseline="0" cap="none" i="0" spc="0" strike="noStrike" sz="8000" u="none">
+        <a:defRPr sz="8000" b="0" i="0" u="none" strike="noStrike" cap="none" spc="0" baseline="0">
           <a:ln>
             <a:noFill/>
           </a:ln>
@@ -2481,7 +2570,7 @@
         <a:buFontTx/>
         <a:buNone/>
         <a:tabLst/>
-        <a:defRPr b="0" baseline="0" cap="none" i="0" spc="0" strike="noStrike" sz="8000" u="none">
+        <a:defRPr sz="8000" b="0" i="0" u="none" strike="noStrike" cap="none" spc="0" baseline="0">
           <a:ln>
             <a:noFill/>
           </a:ln>
@@ -2510,7 +2599,7 @@
         <a:buFontTx/>
         <a:buNone/>
         <a:tabLst/>
-        <a:defRPr b="0" baseline="0" cap="none" i="0" spc="0" strike="noStrike" sz="8000" u="none">
+        <a:defRPr sz="8000" b="0" i="0" u="none" strike="noStrike" cap="none" spc="0" baseline="0">
           <a:ln>
             <a:noFill/>
           </a:ln>
@@ -2539,7 +2628,7 @@
         <a:buFontTx/>
         <a:buNone/>
         <a:tabLst/>
-        <a:defRPr b="0" baseline="0" cap="none" i="0" spc="0" strike="noStrike" sz="8000" u="none">
+        <a:defRPr sz="8000" b="0" i="0" u="none" strike="noStrike" cap="none" spc="0" baseline="0">
           <a:ln>
             <a:noFill/>
           </a:ln>
@@ -2568,7 +2657,7 @@
         <a:buFontTx/>
         <a:buNone/>
         <a:tabLst/>
-        <a:defRPr b="0" baseline="0" cap="none" i="0" spc="0" strike="noStrike" sz="8000" u="none">
+        <a:defRPr sz="8000" b="0" i="0" u="none" strike="noStrike" cap="none" spc="0" baseline="0">
           <a:ln>
             <a:noFill/>
           </a:ln>
@@ -2598,10 +2687,10 @@
         <a:buSzPct val="47000"/>
         <a:buFontTx/>
         <a:buBlip>
-          <a:blip r:embed="rId3"/>
+          <a:blip r:embed="rId15"/>
         </a:buBlip>
         <a:tabLst/>
-        <a:defRPr b="0" baseline="0" cap="none" i="0" spc="0" strike="noStrike" sz="4600" u="none">
+        <a:defRPr sz="4600" b="0" i="0" u="none" strike="noStrike" cap="none" spc="0" baseline="0">
           <a:ln>
             <a:noFill/>
           </a:ln>
@@ -2629,10 +2718,10 @@
         <a:buSzPct val="47000"/>
         <a:buFontTx/>
         <a:buBlip>
-          <a:blip r:embed="rId3"/>
+          <a:blip r:embed="rId15"/>
         </a:buBlip>
         <a:tabLst/>
-        <a:defRPr b="0" baseline="0" cap="none" i="0" spc="0" strike="noStrike" sz="4600" u="none">
+        <a:defRPr sz="4600" b="0" i="0" u="none" strike="noStrike" cap="none" spc="0" baseline="0">
           <a:ln>
             <a:noFill/>
           </a:ln>
@@ -2660,10 +2749,10 @@
         <a:buSzPct val="47000"/>
         <a:buFontTx/>
         <a:buBlip>
-          <a:blip r:embed="rId3"/>
+          <a:blip r:embed="rId15"/>
         </a:buBlip>
         <a:tabLst/>
-        <a:defRPr b="0" baseline="0" cap="none" i="0" spc="0" strike="noStrike" sz="4600" u="none">
+        <a:defRPr sz="4600" b="0" i="0" u="none" strike="noStrike" cap="none" spc="0" baseline="0">
           <a:ln>
             <a:noFill/>
           </a:ln>
@@ -2691,10 +2780,10 @@
         <a:buSzPct val="47000"/>
         <a:buFontTx/>
         <a:buBlip>
-          <a:blip r:embed="rId3"/>
+          <a:blip r:embed="rId15"/>
         </a:buBlip>
         <a:tabLst/>
-        <a:defRPr b="0" baseline="0" cap="none" i="0" spc="0" strike="noStrike" sz="4600" u="none">
+        <a:defRPr sz="4600" b="0" i="0" u="none" strike="noStrike" cap="none" spc="0" baseline="0">
           <a:ln>
             <a:noFill/>
           </a:ln>
@@ -2722,10 +2811,10 @@
         <a:buSzPct val="47000"/>
         <a:buFontTx/>
         <a:buBlip>
-          <a:blip r:embed="rId3"/>
+          <a:blip r:embed="rId15"/>
         </a:buBlip>
         <a:tabLst/>
-        <a:defRPr b="0" baseline="0" cap="none" i="0" spc="0" strike="noStrike" sz="4600" u="none">
+        <a:defRPr sz="4600" b="0" i="0" u="none" strike="noStrike" cap="none" spc="0" baseline="0">
           <a:ln>
             <a:noFill/>
           </a:ln>
@@ -2753,10 +2842,10 @@
         <a:buSzPct val="47000"/>
         <a:buFontTx/>
         <a:buBlip>
-          <a:blip r:embed="rId3"/>
+          <a:blip r:embed="rId15"/>
         </a:buBlip>
         <a:tabLst/>
-        <a:defRPr b="0" baseline="0" cap="none" i="0" spc="0" strike="noStrike" sz="4600" u="none">
+        <a:defRPr sz="4600" b="0" i="0" u="none" strike="noStrike" cap="none" spc="0" baseline="0">
           <a:ln>
             <a:noFill/>
           </a:ln>
@@ -2784,10 +2873,10 @@
         <a:buSzPct val="47000"/>
         <a:buFontTx/>
         <a:buBlip>
-          <a:blip r:embed="rId3"/>
+          <a:blip r:embed="rId15"/>
         </a:buBlip>
         <a:tabLst/>
-        <a:defRPr b="0" baseline="0" cap="none" i="0" spc="0" strike="noStrike" sz="4600" u="none">
+        <a:defRPr sz="4600" b="0" i="0" u="none" strike="noStrike" cap="none" spc="0" baseline="0">
           <a:ln>
             <a:noFill/>
           </a:ln>
@@ -2815,10 +2904,10 @@
         <a:buSzPct val="47000"/>
         <a:buFontTx/>
         <a:buBlip>
-          <a:blip r:embed="rId3"/>
+          <a:blip r:embed="rId15"/>
         </a:buBlip>
         <a:tabLst/>
-        <a:defRPr b="0" baseline="0" cap="none" i="0" spc="0" strike="noStrike" sz="4600" u="none">
+        <a:defRPr sz="4600" b="0" i="0" u="none" strike="noStrike" cap="none" spc="0" baseline="0">
           <a:ln>
             <a:noFill/>
           </a:ln>
@@ -2846,10 +2935,10 @@
         <a:buSzPct val="47000"/>
         <a:buFontTx/>
         <a:buBlip>
-          <a:blip r:embed="rId3"/>
+          <a:blip r:embed="rId15"/>
         </a:buBlip>
         <a:tabLst/>
-        <a:defRPr b="0" baseline="0" cap="none" i="0" spc="0" strike="noStrike" sz="4600" u="none">
+        <a:defRPr sz="4600" b="0" i="0" u="none" strike="noStrike" cap="none" spc="0" baseline="0">
           <a:ln>
             <a:noFill/>
           </a:ln>
@@ -2880,7 +2969,7 @@
         <a:buFontTx/>
         <a:buNone/>
         <a:tabLst/>
-        <a:defRPr b="0" baseline="0" cap="none" i="0" spc="0" strike="noStrike" sz="1800" u="none">
+        <a:defRPr sz="1800" b="0" i="0" u="none" strike="noStrike" cap="none" spc="0" baseline="0">
           <a:ln>
             <a:noFill/>
           </a:ln>
@@ -2909,7 +2998,7 @@
         <a:buFontTx/>
         <a:buNone/>
         <a:tabLst/>
-        <a:defRPr b="0" baseline="0" cap="none" i="0" spc="0" strike="noStrike" sz="1800" u="none">
+        <a:defRPr sz="1800" b="0" i="0" u="none" strike="noStrike" cap="none" spc="0" baseline="0">
           <a:ln>
             <a:noFill/>
           </a:ln>
@@ -2938,7 +3027,7 @@
         <a:buFontTx/>
         <a:buNone/>
         <a:tabLst/>
-        <a:defRPr b="0" baseline="0" cap="none" i="0" spc="0" strike="noStrike" sz="1800" u="none">
+        <a:defRPr sz="1800" b="0" i="0" u="none" strike="noStrike" cap="none" spc="0" baseline="0">
           <a:ln>
             <a:noFill/>
           </a:ln>
@@ -2967,7 +3056,7 @@
         <a:buFontTx/>
         <a:buNone/>
         <a:tabLst/>
-        <a:defRPr b="0" baseline="0" cap="none" i="0" spc="0" strike="noStrike" sz="1800" u="none">
+        <a:defRPr sz="1800" b="0" i="0" u="none" strike="noStrike" cap="none" spc="0" baseline="0">
           <a:ln>
             <a:noFill/>
           </a:ln>
@@ -2996,7 +3085,7 @@
         <a:buFontTx/>
         <a:buNone/>
         <a:tabLst/>
-        <a:defRPr b="0" baseline="0" cap="none" i="0" spc="0" strike="noStrike" sz="1800" u="none">
+        <a:defRPr sz="1800" b="0" i="0" u="none" strike="noStrike" cap="none" spc="0" baseline="0">
           <a:ln>
             <a:noFill/>
           </a:ln>
@@ -3025,7 +3114,7 @@
         <a:buFontTx/>
         <a:buNone/>
         <a:tabLst/>
-        <a:defRPr b="0" baseline="0" cap="none" i="0" spc="0" strike="noStrike" sz="1800" u="none">
+        <a:defRPr sz="1800" b="0" i="0" u="none" strike="noStrike" cap="none" spc="0" baseline="0">
           <a:ln>
             <a:noFill/>
           </a:ln>
@@ -3054,7 +3143,7 @@
         <a:buFontTx/>
         <a:buNone/>
         <a:tabLst/>
-        <a:defRPr b="0" baseline="0" cap="none" i="0" spc="0" strike="noStrike" sz="1800" u="none">
+        <a:defRPr sz="1800" b="0" i="0" u="none" strike="noStrike" cap="none" spc="0" baseline="0">
           <a:ln>
             <a:noFill/>
           </a:ln>
@@ -3083,7 +3172,7 @@
         <a:buFontTx/>
         <a:buNone/>
         <a:tabLst/>
-        <a:defRPr b="0" baseline="0" cap="none" i="0" spc="0" strike="noStrike" sz="1800" u="none">
+        <a:defRPr sz="1800" b="0" i="0" u="none" strike="noStrike" cap="none" spc="0" baseline="0">
           <a:ln>
             <a:noFill/>
           </a:ln>
@@ -3112,7 +3201,7 @@
         <a:buFontTx/>
         <a:buNone/>
         <a:tabLst/>
-        <a:defRPr b="0" baseline="0" cap="none" i="0" spc="0" strike="noStrike" sz="1800" u="none">
+        <a:defRPr sz="1800" b="0" i="0" u="none" strike="noStrike" cap="none" spc="0" baseline="0">
           <a:ln>
             <a:noFill/>
           </a:ln>
@@ -3132,7 +3221,7 @@
 </file>
 
 <file path=ppt/slides/slide1.xml><?xml version="1.0" encoding="utf-8"?>
-<p:sld xmlns:a="http://schemas.openxmlformats.org/drawingml/2006/main" xmlns:r="http://schemas.openxmlformats.org/officeDocument/2006/relationships" xmlns:p="http://schemas.openxmlformats.org/presentationml/2006/main" showMasterSp="1" showMasterPhAnim="1">
+<p:sld xmlns:a="http://schemas.openxmlformats.org/drawingml/2006/main" xmlns:r="http://schemas.openxmlformats.org/officeDocument/2006/relationships" xmlns:p="http://schemas.openxmlformats.org/presentationml/2006/main">
   <p:cSld>
     <p:spTree>
       <p:nvGrpSpPr>
@@ -3166,7 +3255,7 @@
         </p:blipFill>
         <p:spPr>
           <a:xfrm>
-            <a:off x="2774950" y="3089142"/>
+            <a:off x="1334425" y="3041845"/>
             <a:ext cx="7454900" cy="5816601"/>
           </a:xfrm>
           <a:prstGeom prst="rect">
@@ -3185,8 +3274,8 @@
         </p:nvSpPr>
         <p:spPr>
           <a:xfrm>
-            <a:off x="1334425" y="999066"/>
-            <a:ext cx="10335949" cy="1320801"/>
+            <a:off x="1334425" y="823340"/>
+            <a:ext cx="10335949" cy="1672253"/>
           </a:xfrm>
           <a:prstGeom prst="rect">
             <a:avLst/>
@@ -3196,7 +3285,7 @@
           </a:ln>
           <a:extLst>
             <a:ext uri="{C572A759-6A51-4108-AA02-DFA0A04FC94B}">
-              <ma14:wrappingTextBoxFlag xmlns:ma14="http://schemas.microsoft.com/office/mac/drawingml/2011/main" val="1"/>
+              <ma14:wrappingTextBoxFlag xmlns:ma14="http://schemas.microsoft.com/office/mac/drawingml/2011/main" xmlns="" val="1"/>
             </a:ext>
           </a:extLst>
         </p:spPr>
@@ -3218,10 +3307,200 @@
             </a:lvl1pPr>
           </a:lstStyle>
           <a:p>
-            <a:pPr/>
-            <a:r>
-              <a:t>(B) 分別利用Kruskal's演算法與Prim's演算法求出以下圖(graph)的最小生成樹 (minimum spanning tree, MST)</a:t>
-            </a:r>
+            <a:r>
+              <a:rPr dirty="0">
+                <a:latin typeface="微軟正黑體" panose="020B0604030504040204" pitchFamily="34" charset="-120"/>
+                <a:ea typeface="微軟正黑體" panose="020B0604030504040204" pitchFamily="34" charset="-120"/>
+              </a:rPr>
+              <a:t>(B) </a:t>
+            </a:r>
+            <a:r>
+              <a:rPr dirty="0" err="1">
+                <a:latin typeface="微軟正黑體" panose="020B0604030504040204" pitchFamily="34" charset="-120"/>
+                <a:ea typeface="微軟正黑體" panose="020B0604030504040204" pitchFamily="34" charset="-120"/>
+              </a:rPr>
+              <a:t>分別利用Kruskal's演算法與Prim's演算法求出以下圖</a:t>
+            </a:r>
+            <a:r>
+              <a:rPr dirty="0">
+                <a:latin typeface="微軟正黑體" panose="020B0604030504040204" pitchFamily="34" charset="-120"/>
+                <a:ea typeface="微軟正黑體" panose="020B0604030504040204" pitchFamily="34" charset="-120"/>
+              </a:rPr>
+              <a:t>(graph)</a:t>
+            </a:r>
+            <a:r>
+              <a:rPr dirty="0" err="1">
+                <a:latin typeface="微軟正黑體" panose="020B0604030504040204" pitchFamily="34" charset="-120"/>
+                <a:ea typeface="微軟正黑體" panose="020B0604030504040204" pitchFamily="34" charset="-120"/>
+              </a:rPr>
+              <a:t>的最小生成樹</a:t>
+            </a:r>
+            <a:r>
+              <a:rPr dirty="0">
+                <a:latin typeface="微軟正黑體" panose="020B0604030504040204" pitchFamily="34" charset="-120"/>
+                <a:ea typeface="微軟正黑體" panose="020B0604030504040204" pitchFamily="34" charset="-120"/>
+              </a:rPr>
+              <a:t> (minimum spanning tree, MST)</a:t>
+            </a:r>
+          </a:p>
+        </p:txBody>
+      </p:sp>
+      <p:sp>
+        <p:nvSpPr>
+          <p:cNvPr id="2" name="文字方塊 1"/>
+          <p:cNvSpPr txBox="1"/>
+          <p:nvPr/>
+        </p:nvSpPr>
+        <p:spPr>
+          <a:xfrm>
+            <a:off x="8789325" y="7694400"/>
+            <a:ext cx="4146331" cy="964367"/>
+          </a:xfrm>
+          <a:prstGeom prst="rect">
+            <a:avLst/>
+          </a:prstGeom>
+          <a:noFill/>
+          <a:ln w="12700" cap="flat">
+            <a:noFill/>
+            <a:miter lim="400000"/>
+          </a:ln>
+          <a:effectLst/>
+          <a:sp3d/>
+        </p:spPr>
+        <p:style>
+          <a:lnRef idx="0">
+            <a:scrgbClr r="0" g="0" b="0"/>
+          </a:lnRef>
+          <a:fillRef idx="0">
+            <a:scrgbClr r="0" g="0" b="0"/>
+          </a:fillRef>
+          <a:effectRef idx="0">
+            <a:scrgbClr r="0" g="0" b="0"/>
+          </a:effectRef>
+          <a:fontRef idx="none"/>
+        </p:style>
+        <p:txBody>
+          <a:bodyPr rot="0" spcFirstLastPara="1" vertOverflow="overflow" horzOverflow="overflow" vert="horz" wrap="square" lIns="50800" tIns="50800" rIns="50800" bIns="50800" numCol="1" spcCol="38100" rtlCol="0" anchor="ctr">
+            <a:spAutoFit/>
+          </a:bodyPr>
+          <a:lstStyle/>
+          <a:p>
+            <a:pPr marL="0" marR="0" indent="0" algn="ctr" defTabSz="584200" rtl="0" fontAlgn="auto" latinLnBrk="0" hangingPunct="0">
+              <a:lnSpc>
+                <a:spcPct val="100000"/>
+              </a:lnSpc>
+              <a:spcBef>
+                <a:spcPts val="0"/>
+              </a:spcBef>
+              <a:spcAft>
+                <a:spcPts val="0"/>
+              </a:spcAft>
+              <a:buClrTx/>
+              <a:buSzTx/>
+              <a:buFontTx/>
+              <a:buNone/>
+              <a:tabLst/>
+            </a:pPr>
+            <a:r>
+              <a:rPr kumimoji="0" lang="zh-TW" altLang="en-US" sz="2800" b="0" i="0" u="none" strike="noStrike" cap="none" spc="0" normalizeH="0" baseline="0" dirty="0" smtClean="0">
+                <a:ln>
+                  <a:noFill/>
+                </a:ln>
+                <a:solidFill>
+                  <a:schemeClr val="tx2">
+                    <a:lumMod val="50000"/>
+                  </a:schemeClr>
+                </a:solidFill>
+                <a:effectLst/>
+                <a:uFillTx/>
+                <a:sym typeface="Marker Felt"/>
+              </a:rPr>
+              <a:t>經濟二</a:t>
+            </a:r>
+            <a:r>
+              <a:rPr lang="en-US" altLang="zh-TW" sz="2800" dirty="0">
+                <a:solidFill>
+                  <a:schemeClr val="tx2">
+                    <a:lumMod val="50000"/>
+                  </a:schemeClr>
+                </a:solidFill>
+              </a:rPr>
+              <a:t> </a:t>
+            </a:r>
+            <a:r>
+              <a:rPr lang="en-US" altLang="zh-TW" sz="2800" dirty="0" smtClean="0">
+                <a:solidFill>
+                  <a:schemeClr val="tx2">
+                    <a:lumMod val="50000"/>
+                  </a:schemeClr>
+                </a:solidFill>
+              </a:rPr>
+              <a:t>    </a:t>
+            </a:r>
+            <a:r>
+              <a:rPr lang="zh-TW" altLang="en-US" sz="2800" dirty="0" smtClean="0">
+                <a:solidFill>
+                  <a:schemeClr val="tx2">
+                    <a:lumMod val="50000"/>
+                  </a:schemeClr>
+                </a:solidFill>
+              </a:rPr>
+              <a:t>蔡佳宏</a:t>
+            </a:r>
+            <a:endParaRPr lang="en-US" altLang="zh-TW" sz="2800" dirty="0" smtClean="0">
+              <a:solidFill>
+                <a:schemeClr val="tx2">
+                  <a:lumMod val="50000"/>
+                </a:schemeClr>
+              </a:solidFill>
+            </a:endParaRPr>
+          </a:p>
+          <a:p>
+            <a:pPr marL="0" marR="0" indent="0" algn="ctr" defTabSz="584200" rtl="0" fontAlgn="auto" latinLnBrk="0" hangingPunct="0">
+              <a:lnSpc>
+                <a:spcPct val="100000"/>
+              </a:lnSpc>
+              <a:spcBef>
+                <a:spcPts val="0"/>
+              </a:spcBef>
+              <a:spcAft>
+                <a:spcPts val="0"/>
+              </a:spcAft>
+              <a:buClrTx/>
+              <a:buSzTx/>
+              <a:buFontTx/>
+              <a:buNone/>
+              <a:tabLst/>
+            </a:pPr>
+            <a:r>
+              <a:rPr kumimoji="0" lang="en-US" altLang="zh-MO" sz="2800" b="0" i="0" u="none" strike="noStrike" cap="none" spc="0" normalizeH="0" baseline="0" dirty="0" smtClean="0">
+                <a:ln>
+                  <a:noFill/>
+                </a:ln>
+                <a:solidFill>
+                  <a:schemeClr val="tx2">
+                    <a:lumMod val="50000"/>
+                  </a:schemeClr>
+                </a:solidFill>
+                <a:effectLst/>
+                <a:uFillTx/>
+                <a:sym typeface="Marker Felt"/>
+              </a:rPr>
+              <a:t>105409528</a:t>
+            </a:r>
+            <a:endParaRPr kumimoji="0" lang="zh-MO" altLang="en-US" sz="2800" b="0" i="0" u="none" strike="noStrike" cap="none" spc="0" normalizeH="0" baseline="0" dirty="0">
+              <a:ln>
+                <a:noFill/>
+              </a:ln>
+              <a:solidFill>
+                <a:schemeClr val="tx2">
+                  <a:lumMod val="50000"/>
+                </a:schemeClr>
+              </a:solidFill>
+              <a:effectLst/>
+              <a:uFillTx/>
+              <a:sym typeface="Marker Felt"/>
+            </a:endParaRPr>
           </a:p>
         </p:txBody>
       </p:sp>
@@ -3230,12 +3509,19 @@
   <p:clrMapOvr>
     <a:masterClrMapping/>
   </p:clrMapOvr>
-  <p:transition xmlns:p14="http://schemas.microsoft.com/office/powerpoint/2010/main" spd="med" advClick="1"/>
+  <p:transition spd="med"/>
+  <p:timing>
+    <p:tnLst>
+      <p:par>
+        <p:cTn id="1" dur="indefinite" restart="never" nodeType="tmRoot"/>
+      </p:par>
+    </p:tnLst>
+  </p:timing>
 </p:sld>
 </file>
 
 <file path=ppt/slides/slide10.xml><?xml version="1.0" encoding="utf-8"?>
-<p:sld xmlns:a="http://schemas.openxmlformats.org/drawingml/2006/main" xmlns:r="http://schemas.openxmlformats.org/officeDocument/2006/relationships" xmlns:p="http://schemas.openxmlformats.org/presentationml/2006/main" showMasterSp="1" showMasterPhAnim="1">
+<p:sld xmlns:a="http://schemas.openxmlformats.org/drawingml/2006/main" xmlns:r="http://schemas.openxmlformats.org/officeDocument/2006/relationships" xmlns:p="http://schemas.openxmlformats.org/presentationml/2006/main">
   <p:cSld>
     <p:spTree>
       <p:nvGrpSpPr>
@@ -3314,6 +3600,7 @@
                 </a:solidFill>
               </a:defRPr>
             </a:pPr>
+            <a:endParaRPr/>
           </a:p>
         </p:txBody>
       </p:sp>
@@ -3345,6 +3632,7 @@
             <a:pPr>
               <a:defRPr sz="3600"/>
             </a:pPr>
+            <a:endParaRPr/>
           </a:p>
         </p:txBody>
       </p:sp>
@@ -3382,6 +3670,7 @@
                 </a:solidFill>
               </a:defRPr>
             </a:pPr>
+            <a:endParaRPr/>
           </a:p>
         </p:txBody>
       </p:sp>
@@ -3419,6 +3708,7 @@
                 </a:solidFill>
               </a:defRPr>
             </a:pPr>
+            <a:endParaRPr/>
           </a:p>
         </p:txBody>
       </p:sp>
@@ -3450,6 +3740,7 @@
             <a:pPr>
               <a:defRPr sz="3600"/>
             </a:pPr>
+            <a:endParaRPr/>
           </a:p>
         </p:txBody>
       </p:sp>
@@ -3487,6 +3778,7 @@
                 </a:solidFill>
               </a:defRPr>
             </a:pPr>
+            <a:endParaRPr/>
           </a:p>
         </p:txBody>
       </p:sp>
@@ -3518,6 +3810,7 @@
             <a:pPr>
               <a:defRPr sz="3600"/>
             </a:pPr>
+            <a:endParaRPr/>
           </a:p>
         </p:txBody>
       </p:sp>
@@ -3549,6 +3842,7 @@
             <a:pPr>
               <a:defRPr sz="3600"/>
             </a:pPr>
+            <a:endParaRPr/>
           </a:p>
         </p:txBody>
       </p:sp>
@@ -3583,7 +3877,7 @@
             </a:cxnLst>
             <a:rect l="0" t="0" r="r" b="b"/>
             <a:pathLst>
-              <a:path w="21484" h="21548" fill="norm" stroke="1" extrusionOk="0">
+              <a:path w="21484" h="21548" extrusionOk="0">
                 <a:moveTo>
                   <a:pt x="18655" y="0"/>
                 </a:moveTo>
@@ -3844,6 +4138,7 @@
                 </a:solidFill>
               </a:defRPr>
             </a:pPr>
+            <a:endParaRPr/>
           </a:p>
         </p:txBody>
       </p:sp>
@@ -3875,6 +4170,7 @@
             <a:pPr>
               <a:defRPr sz="3600"/>
             </a:pPr>
+            <a:endParaRPr/>
           </a:p>
         </p:txBody>
       </p:sp>
@@ -3909,7 +4205,7 @@
             </a:cxnLst>
             <a:rect l="0" t="0" r="r" b="b"/>
             <a:pathLst>
-              <a:path w="21484" h="21548" fill="norm" stroke="1" extrusionOk="0">
+              <a:path w="21484" h="21548" extrusionOk="0">
                 <a:moveTo>
                   <a:pt x="18655" y="0"/>
                 </a:moveTo>
@@ -4170,34 +4466,10 @@
                 </a:solidFill>
               </a:defRPr>
             </a:pPr>
-          </a:p>
-        </p:txBody>
-      </p:sp>
-      <p:cxnSp>
-        <p:nvCxnSpPr>
-          <p:cNvPr id="201" name="連接線"/>
-          <p:cNvCxnSpPr>
-            <a:stCxn id="192" idx="0"/>
-            <a:endCxn id="202" idx="0"/>
-          </p:cNvCxnSpPr>
-          <p:nvPr/>
-        </p:nvCxnSpPr>
-        <p:spPr>
-          <a:xfrm flipV="1">
-            <a:off x="5808133" y="3378200"/>
-            <a:ext cx="4783667" cy="4546601"/>
-          </a:xfrm>
-          <a:prstGeom prst="straightConnector1">
-            <a:avLst/>
-          </a:prstGeom>
-          <a:ln w="215900">
-            <a:solidFill>
-              <a:schemeClr val="accent1"/>
-            </a:solidFill>
-            <a:miter lim="400000"/>
-          </a:ln>
-        </p:spPr>
-      </p:cxnSp>
+            <a:endParaRPr/>
+          </a:p>
+        </p:txBody>
+      </p:sp>
       <p:sp>
         <p:nvSpPr>
           <p:cNvPr id="202" name="圓形"/>
@@ -4232,6 +4504,7 @@
                 </a:solidFill>
               </a:defRPr>
             </a:pPr>
+            <a:endParaRPr/>
           </a:p>
         </p:txBody>
       </p:sp>
@@ -4263,6 +4536,7 @@
             <a:pPr>
               <a:defRPr sz="3600"/>
             </a:pPr>
+            <a:endParaRPr/>
           </a:p>
         </p:txBody>
       </p:sp>
@@ -4303,20 +4577,66 @@
                 </a:solidFill>
               </a:defRPr>
             </a:pPr>
-          </a:p>
-        </p:txBody>
-      </p:sp>
+            <a:endParaRPr/>
+          </a:p>
+        </p:txBody>
+      </p:sp>
+      <p:cxnSp>
+        <p:nvCxnSpPr>
+          <p:cNvPr id="18" name="弧形接點 17"/>
+          <p:cNvCxnSpPr/>
+          <p:nvPr/>
+        </p:nvCxnSpPr>
+        <p:spPr>
+          <a:xfrm rot="5400000">
+            <a:off x="6504881" y="3803584"/>
+            <a:ext cx="3911601" cy="4148666"/>
+          </a:xfrm>
+          <a:prstGeom prst="curvedConnector2">
+            <a:avLst/>
+          </a:prstGeom>
+          <a:noFill/>
+          <a:ln w="203200" cap="flat">
+            <a:solidFill>
+              <a:srgbClr val="2090DA"/>
+            </a:solidFill>
+            <a:prstDash val="solid"/>
+            <a:miter lim="400000"/>
+          </a:ln>
+          <a:effectLst/>
+          <a:sp3d/>
+        </p:spPr>
+        <p:style>
+          <a:lnRef idx="0">
+            <a:scrgbClr r="0" g="0" b="0"/>
+          </a:lnRef>
+          <a:fillRef idx="0">
+            <a:scrgbClr r="0" g="0" b="0"/>
+          </a:fillRef>
+          <a:effectRef idx="0">
+            <a:scrgbClr r="0" g="0" b="0"/>
+          </a:effectRef>
+          <a:fontRef idx="none"/>
+        </p:style>
+      </p:cxnSp>
     </p:spTree>
   </p:cSld>
   <p:clrMapOvr>
     <a:masterClrMapping/>
   </p:clrMapOvr>
-  <p:transition xmlns:p14="http://schemas.microsoft.com/office/powerpoint/2010/main" spd="med" advClick="1"/>
+  <p:transition spd="med"/>
+  <p:timing>
+    <p:tnLst>
+      <p:par>
+        <p:cTn id="1" dur="indefinite" restart="never" nodeType="tmRoot"/>
+      </p:par>
+    </p:tnLst>
+  </p:timing>
 </p:sld>
 </file>
 
 <file path=ppt/slides/slide11.xml><?xml version="1.0" encoding="utf-8"?>
-<p:sld xmlns:a="http://schemas.openxmlformats.org/drawingml/2006/main" xmlns:r="http://schemas.openxmlformats.org/officeDocument/2006/relationships" xmlns:p="http://schemas.openxmlformats.org/presentationml/2006/main" showMasterSp="1" showMasterPhAnim="1">
+<p:sld xmlns:a="http://schemas.openxmlformats.org/drawingml/2006/main" xmlns:r="http://schemas.openxmlformats.org/officeDocument/2006/relationships" xmlns:p="http://schemas.openxmlformats.org/presentationml/2006/main">
   <p:cSld>
     <p:spTree>
       <p:nvGrpSpPr>
@@ -4395,6 +4715,7 @@
                 </a:solidFill>
               </a:defRPr>
             </a:pPr>
+            <a:endParaRPr/>
           </a:p>
         </p:txBody>
       </p:sp>
@@ -4426,6 +4747,7 @@
             <a:pPr>
               <a:defRPr sz="3600"/>
             </a:pPr>
+            <a:endParaRPr/>
           </a:p>
         </p:txBody>
       </p:sp>
@@ -4463,6 +4785,7 @@
                 </a:solidFill>
               </a:defRPr>
             </a:pPr>
+            <a:endParaRPr/>
           </a:p>
         </p:txBody>
       </p:sp>
@@ -4500,6 +4823,7 @@
                 </a:solidFill>
               </a:defRPr>
             </a:pPr>
+            <a:endParaRPr/>
           </a:p>
         </p:txBody>
       </p:sp>
@@ -4531,6 +4855,7 @@
             <a:pPr>
               <a:defRPr sz="3600"/>
             </a:pPr>
+            <a:endParaRPr/>
           </a:p>
         </p:txBody>
       </p:sp>
@@ -4568,6 +4893,7 @@
                 </a:solidFill>
               </a:defRPr>
             </a:pPr>
+            <a:endParaRPr/>
           </a:p>
         </p:txBody>
       </p:sp>
@@ -4599,34 +4925,10 @@
             <a:pPr>
               <a:defRPr sz="3600"/>
             </a:pPr>
-          </a:p>
-        </p:txBody>
-      </p:sp>
-      <p:cxnSp>
-        <p:nvCxnSpPr>
-          <p:cNvPr id="214" name="連接線"/>
-          <p:cNvCxnSpPr>
-            <a:stCxn id="209" idx="0"/>
-            <a:endCxn id="215" idx="0"/>
-          </p:cNvCxnSpPr>
-          <p:nvPr/>
-        </p:nvCxnSpPr>
-        <p:spPr>
-          <a:xfrm flipV="1">
-            <a:off x="5808133" y="3378200"/>
-            <a:ext cx="4783667" cy="4546601"/>
-          </a:xfrm>
-          <a:prstGeom prst="straightConnector1">
-            <a:avLst/>
-          </a:prstGeom>
-          <a:ln w="215900">
-            <a:solidFill>
-              <a:schemeClr val="accent1"/>
-            </a:solidFill>
-            <a:miter lim="400000"/>
-          </a:ln>
-        </p:spPr>
-      </p:cxnSp>
+            <a:endParaRPr/>
+          </a:p>
+        </p:txBody>
+      </p:sp>
       <p:sp>
         <p:nvSpPr>
           <p:cNvPr id="215" name="圓形"/>
@@ -4661,6 +4963,7 @@
                 </a:solidFill>
               </a:defRPr>
             </a:pPr>
+            <a:endParaRPr/>
           </a:p>
         </p:txBody>
       </p:sp>
@@ -4692,6 +4995,7 @@
             <a:pPr>
               <a:defRPr sz="3600"/>
             </a:pPr>
+            <a:endParaRPr/>
           </a:p>
         </p:txBody>
       </p:sp>
@@ -4729,20 +5033,66 @@
                 </a:solidFill>
               </a:defRPr>
             </a:pPr>
-          </a:p>
-        </p:txBody>
-      </p:sp>
+            <a:endParaRPr/>
+          </a:p>
+        </p:txBody>
+      </p:sp>
+      <p:cxnSp>
+        <p:nvCxnSpPr>
+          <p:cNvPr id="14" name="弧形接點 13"/>
+          <p:cNvCxnSpPr/>
+          <p:nvPr/>
+        </p:nvCxnSpPr>
+        <p:spPr>
+          <a:xfrm rot="5400000">
+            <a:off x="6504881" y="3803584"/>
+            <a:ext cx="3911601" cy="4148666"/>
+          </a:xfrm>
+          <a:prstGeom prst="curvedConnector2">
+            <a:avLst/>
+          </a:prstGeom>
+          <a:noFill/>
+          <a:ln w="203200" cap="flat">
+            <a:solidFill>
+              <a:srgbClr val="2090DA"/>
+            </a:solidFill>
+            <a:prstDash val="solid"/>
+            <a:miter lim="400000"/>
+          </a:ln>
+          <a:effectLst/>
+          <a:sp3d/>
+        </p:spPr>
+        <p:style>
+          <a:lnRef idx="0">
+            <a:scrgbClr r="0" g="0" b="0"/>
+          </a:lnRef>
+          <a:fillRef idx="0">
+            <a:scrgbClr r="0" g="0" b="0"/>
+          </a:fillRef>
+          <a:effectRef idx="0">
+            <a:scrgbClr r="0" g="0" b="0"/>
+          </a:effectRef>
+          <a:fontRef idx="none"/>
+        </p:style>
+      </p:cxnSp>
     </p:spTree>
   </p:cSld>
   <p:clrMapOvr>
     <a:masterClrMapping/>
   </p:clrMapOvr>
-  <p:transition xmlns:p14="http://schemas.microsoft.com/office/powerpoint/2010/main" spd="med" advClick="1"/>
+  <p:transition spd="med"/>
+  <p:timing>
+    <p:tnLst>
+      <p:par>
+        <p:cTn id="1" dur="indefinite" restart="never" nodeType="tmRoot"/>
+      </p:par>
+    </p:tnLst>
+  </p:timing>
 </p:sld>
 </file>
 
 <file path=ppt/slides/slide12.xml><?xml version="1.0" encoding="utf-8"?>
-<p:sld xmlns:a="http://schemas.openxmlformats.org/drawingml/2006/main" xmlns:r="http://schemas.openxmlformats.org/officeDocument/2006/relationships" xmlns:p="http://schemas.openxmlformats.org/presentationml/2006/main" showMasterSp="1" showMasterPhAnim="1">
+<p:sld xmlns:a="http://schemas.openxmlformats.org/drawingml/2006/main" xmlns:r="http://schemas.openxmlformats.org/officeDocument/2006/relationships" xmlns:p="http://schemas.openxmlformats.org/presentationml/2006/main">
   <p:cSld>
     <p:spTree>
       <p:nvGrpSpPr>
@@ -4762,7 +5112,7 @@
         <p:nvPicPr>
           <p:cNvPr id="219" name="woman-using-her-smartphone-while-working-remotely-on-laptop-picjumbo-com.jpg" descr="woman-using-her-smartphone-while-working-remotely-on-laptop-picjumbo-com.jpg"/>
           <p:cNvPicPr>
-            <a:picLocks noChangeAspect="0"/>
+            <a:picLocks noGrp="1"/>
           </p:cNvPicPr>
           <p:nvPr>
             <p:ph type="pic" idx="13"/>
@@ -4794,8 +5144,8 @@
         </p:nvSpPr>
         <p:spPr>
           <a:xfrm>
-            <a:off x="8407996" y="1397000"/>
-            <a:ext cx="2716608" cy="762001"/>
+            <a:off x="8325201" y="1442011"/>
+            <a:ext cx="2882199" cy="671979"/>
           </a:xfrm>
           <a:prstGeom prst="rect">
             <a:avLst/>
@@ -4805,7 +5155,7 @@
           </a:ln>
           <a:extLst>
             <a:ext uri="{C572A759-6A51-4108-AA02-DFA0A04FC94B}">
-              <ma14:wrappingTextBoxFlag xmlns:ma14="http://schemas.microsoft.com/office/mac/drawingml/2011/main" val="1"/>
+              <ma14:wrappingTextBoxFlag xmlns:ma14="http://schemas.microsoft.com/office/mac/drawingml/2011/main" xmlns="" val="1"/>
             </a:ext>
           </a:extLst>
         </p:spPr>
@@ -4827,8 +5177,11 @@
             </a:lvl1pPr>
           </a:lstStyle>
           <a:p>
-            <a:pPr/>
-            <a:r>
+            <a:r>
+              <a:rPr>
+                <a:latin typeface="微軟正黑體" panose="020B0604030504040204" pitchFamily="34" charset="-120"/>
+                <a:ea typeface="微軟正黑體" panose="020B0604030504040204" pitchFamily="34" charset="-120"/>
+              </a:rPr>
               <a:t>Prim's演算法</a:t>
             </a:r>
           </a:p>
@@ -4842,8 +5195,8 @@
         </p:nvSpPr>
         <p:spPr>
           <a:xfrm>
-            <a:off x="7124137" y="3031066"/>
-            <a:ext cx="5284326" cy="5334001"/>
+            <a:off x="7124137" y="3338446"/>
+            <a:ext cx="5284326" cy="4719241"/>
           </a:xfrm>
           <a:prstGeom prst="rect">
             <a:avLst/>
@@ -4853,7 +5206,7 @@
           </a:ln>
           <a:extLst>
             <a:ext uri="{C572A759-6A51-4108-AA02-DFA0A04FC94B}">
-              <ma14:wrappingTextBoxFlag xmlns:ma14="http://schemas.microsoft.com/office/mac/drawingml/2011/main" val="1"/>
+              <ma14:wrappingTextBoxFlag xmlns:ma14="http://schemas.microsoft.com/office/mac/drawingml/2011/main" xmlns="" val="1"/>
             </a:ext>
           </a:extLst>
         </p:spPr>
@@ -4864,22 +5217,48 @@
           <a:lstStyle/>
           <a:p>
             <a:pPr algn="l">
-              <a:defRPr b="1" sz="3000"/>
+              <a:defRPr sz="3000" b="1"/>
             </a:pPr>
             <a:r>
-              <a:t>把分為給予的點分成Ａ、Ｂ集合。Ａ為已經選擇的點，Ｂ為尚未選取的點。</a:t>
+              <a:rPr dirty="0" err="1" smtClean="0">
+                <a:latin typeface="微軟正黑體" panose="020B0604030504040204" pitchFamily="34" charset="-120"/>
+                <a:ea typeface="微軟正黑體" panose="020B0604030504040204" pitchFamily="34" charset="-120"/>
+              </a:rPr>
+              <a:t>把給予的點分成Ａ</a:t>
+            </a:r>
+            <a:r>
+              <a:rPr dirty="0" err="1">
+                <a:latin typeface="微軟正黑體" panose="020B0604030504040204" pitchFamily="34" charset="-120"/>
+                <a:ea typeface="微軟正黑體" panose="020B0604030504040204" pitchFamily="34" charset="-120"/>
+              </a:rPr>
+              <a:t>、Ｂ集合。Ａ為已經選擇的點，Ｂ為尚未選取的點</a:t>
+            </a:r>
+            <a:r>
+              <a:rPr dirty="0">
+                <a:latin typeface="微軟正黑體" panose="020B0604030504040204" pitchFamily="34" charset="-120"/>
+                <a:ea typeface="微軟正黑體" panose="020B0604030504040204" pitchFamily="34" charset="-120"/>
+              </a:rPr>
+              <a:t>。</a:t>
             </a:r>
           </a:p>
           <a:p>
             <a:pPr algn="l">
-              <a:defRPr b="1" sz="3000"/>
+              <a:defRPr sz="3000" b="1"/>
             </a:pPr>
+            <a:endParaRPr dirty="0">
+              <a:latin typeface="微軟正黑體" panose="020B0604030504040204" pitchFamily="34" charset="-120"/>
+              <a:ea typeface="微軟正黑體" panose="020B0604030504040204" pitchFamily="34" charset="-120"/>
+            </a:endParaRPr>
           </a:p>
           <a:p>
             <a:pPr algn="l">
-              <a:defRPr b="1" sz="3000"/>
+              <a:defRPr sz="3000" b="1"/>
             </a:pPr>
             <a:r>
+              <a:rPr dirty="0">
+                <a:latin typeface="微軟正黑體" panose="020B0604030504040204" pitchFamily="34" charset="-120"/>
+                <a:ea typeface="微軟正黑體" panose="020B0604030504040204" pitchFamily="34" charset="-120"/>
+              </a:rPr>
               <a:t>任意找出一點，把該點加進Ａ集合。以該點為基準，求出相鄰點中最短距離的點，再把那點納進Ａ，從Ｂ集合中把該點刪掉，不斷遞迴直到Ｂ為空集合。</a:t>
             </a:r>
           </a:p>
@@ -4890,12 +5269,19 @@
   <p:clrMapOvr>
     <a:masterClrMapping/>
   </p:clrMapOvr>
-  <p:transition xmlns:p14="http://schemas.microsoft.com/office/powerpoint/2010/main" spd="med" advClick="1"/>
+  <p:transition spd="med"/>
+  <p:timing>
+    <p:tnLst>
+      <p:par>
+        <p:cTn id="1" dur="indefinite" restart="never" nodeType="tmRoot"/>
+      </p:par>
+    </p:tnLst>
+  </p:timing>
 </p:sld>
 </file>
 
 <file path=ppt/slides/slide13.xml><?xml version="1.0" encoding="utf-8"?>
-<p:sld xmlns:a="http://schemas.openxmlformats.org/drawingml/2006/main" xmlns:r="http://schemas.openxmlformats.org/officeDocument/2006/relationships" xmlns:p="http://schemas.openxmlformats.org/presentationml/2006/main" showMasterSp="1" showMasterPhAnim="1">
+<p:sld xmlns:a="http://schemas.openxmlformats.org/drawingml/2006/main" xmlns:r="http://schemas.openxmlformats.org/officeDocument/2006/relationships" xmlns:p="http://schemas.openxmlformats.org/presentationml/2006/main">
   <p:cSld>
     <p:spTree>
       <p:nvGrpSpPr>
@@ -4914,7 +5300,9 @@
       <p:sp>
         <p:nvSpPr>
           <p:cNvPr id="223" name="Input: G=(V, E)為無向加權圖，其中|V|=n…"/>
-          <p:cNvSpPr txBox="1"/>
+          <p:cNvSpPr txBox="1">
+            <a:spLocks noGrp="1"/>
+          </p:cNvSpPr>
           <p:nvPr>
             <p:ph type="body" sz="half" idx="4294967295"/>
           </p:nvPr>
@@ -4976,12 +5364,6 @@
               </a:rPr>
               <a:t>|V|=n </a:t>
             </a:r>
-            <a:endParaRPr>
-              <a:latin typeface="Times New Roman"/>
-              <a:ea typeface="Times New Roman"/>
-              <a:cs typeface="Times New Roman"/>
-              <a:sym typeface="Times New Roman"/>
-            </a:endParaRPr>
           </a:p>
           <a:p>
             <a:pPr marL="0" indent="0" defTabSz="649223">
@@ -5046,12 +5428,6 @@
               </a:rPr>
               <a:t>(MST)H=(V, T)</a:t>
             </a:r>
-            <a:endParaRPr>
-              <a:latin typeface="Times New Roman"/>
-              <a:ea typeface="Times New Roman"/>
-              <a:cs typeface="Times New Roman"/>
-              <a:sym typeface="Times New Roman"/>
-            </a:endParaRPr>
           </a:p>
           <a:p>
             <a:pPr marL="324611" indent="-324611" defTabSz="649223">
@@ -5065,7 +5441,7 @@
                 <a:srgbClr val="3333CC"/>
               </a:buClr>
               <a:buSzPct val="100000"/>
-              <a:buAutoNum type="arabicPeriod" startAt="1"/>
+              <a:buAutoNum type="arabicPeriod"/>
               <a:defRPr sz="2626">
                 <a:solidFill>
                   <a:srgbClr val="000000"/>
@@ -5121,12 +5497,6 @@
               </a:rPr>
               <a:t>的邊集合，一開始設為空集合</a:t>
             </a:r>
-            <a:endParaRPr>
-              <a:latin typeface="新細明體"/>
-              <a:ea typeface="新細明體"/>
-              <a:cs typeface="新細明體"/>
-              <a:sym typeface="新細明體"/>
-            </a:endParaRPr>
           </a:p>
           <a:p>
             <a:pPr marL="324611" indent="-324611" defTabSz="649223">
@@ -5140,7 +5510,7 @@
                 <a:srgbClr val="3333CC"/>
               </a:buClr>
               <a:buSzPct val="100000"/>
-              <a:buAutoNum type="arabicPeriod" startAt="1"/>
+              <a:buAutoNum type="arabicPeriod"/>
               <a:defRPr sz="2626">
                 <a:solidFill>
                   <a:srgbClr val="000000"/>
@@ -5187,12 +5557,6 @@
               </a:rPr>
               <a:t>中</a:t>
             </a:r>
-            <a:endParaRPr>
-              <a:latin typeface="新細明體"/>
-              <a:ea typeface="新細明體"/>
-              <a:cs typeface="新細明體"/>
-              <a:sym typeface="新細明體"/>
-            </a:endParaRPr>
           </a:p>
           <a:p>
             <a:pPr marL="324611" indent="-324611" defTabSz="649223">
@@ -5206,7 +5570,7 @@
                 <a:srgbClr val="3333CC"/>
               </a:buClr>
               <a:buSzPct val="100000"/>
-              <a:buAutoNum type="arabicPeriod" startAt="1"/>
+              <a:buAutoNum type="arabicPeriod"/>
               <a:defRPr sz="2626">
                 <a:solidFill>
                   <a:srgbClr val="000000"/>
@@ -5257,7 +5621,7 @@
                 <a:srgbClr val="3333CC"/>
               </a:buClr>
               <a:buSzPct val="100000"/>
-              <a:buAutoNum type="arabicPeriod" startAt="1"/>
+              <a:buAutoNum type="arabicPeriod"/>
               <a:defRPr sz="2626">
                 <a:solidFill>
                   <a:srgbClr val="000000"/>
@@ -5376,12 +5740,6 @@
               </a:rPr>
               <a:t>最小</a:t>
             </a:r>
-            <a:endParaRPr>
-              <a:latin typeface="新細明體"/>
-              <a:ea typeface="新細明體"/>
-              <a:cs typeface="新細明體"/>
-              <a:sym typeface="新細明體"/>
-            </a:endParaRPr>
           </a:p>
           <a:p>
             <a:pPr marL="324611" indent="-324611" defTabSz="649223">
@@ -5395,7 +5753,7 @@
                 <a:srgbClr val="3333CC"/>
               </a:buClr>
               <a:buSzPct val="100000"/>
-              <a:buAutoNum type="arabicPeriod" startAt="1"/>
+              <a:buAutoNum type="arabicPeriod"/>
               <a:defRPr sz="2626">
                 <a:solidFill>
                   <a:srgbClr val="000000"/>
@@ -5407,10 +5765,7 @@
               </a:defRPr>
             </a:pPr>
             <a:r>
-              <a:t>  </a:t>
-            </a:r>
-            <a:r>
-              <a:t>T←T</a:t>
+              <a:t>  T←T</a:t>
             </a:r>
             <a:r>
               <a:rPr>
@@ -5446,7 +5801,7 @@
                 <a:srgbClr val="3333CC"/>
               </a:buClr>
               <a:buSzPct val="100000"/>
-              <a:buAutoNum type="arabicPeriod" startAt="1"/>
+              <a:buAutoNum type="arabicPeriod"/>
               <a:defRPr sz="2626">
                 <a:solidFill>
                   <a:srgbClr val="000000"/>
@@ -5485,7 +5840,7 @@
                 <a:srgbClr val="3333CC"/>
               </a:buClr>
               <a:buSzPct val="100000"/>
-              <a:buAutoNum type="arabicPeriod" startAt="1"/>
+              <a:buAutoNum type="arabicPeriod"/>
               <a:defRPr sz="2626">
                 <a:solidFill>
                   <a:srgbClr val="000000"/>
@@ -5530,7 +5885,7 @@
           </a:ln>
           <a:extLst>
             <a:ext uri="{C572A759-6A51-4108-AA02-DFA0A04FC94B}">
-              <ma14:wrappingTextBoxFlag xmlns:ma14="http://schemas.microsoft.com/office/mac/drawingml/2011/main" val="1"/>
+              <ma14:wrappingTextBoxFlag xmlns:ma14="http://schemas.microsoft.com/office/mac/drawingml/2011/main" xmlns="" val="1"/>
             </a:ext>
           </a:extLst>
         </p:spPr>
@@ -5551,7 +5906,7 @@
                 <a:srgbClr val="3333CC"/>
               </a:buClr>
               <a:buFont typeface="Wingdings"/>
-              <a:defRPr b="1" sz="4500">
+              <a:defRPr sz="4500" b="1">
                 <a:solidFill>
                   <a:schemeClr val="accent1"/>
                 </a:solidFill>
@@ -5562,10 +5917,7 @@
               </a:defRPr>
             </a:pPr>
             <a:r>
-              <a:t>Algorithm  Prim</a:t>
-            </a:r>
-            <a:r>
-              <a:t>最小含括樹演算法</a:t>
+              <a:t>Algorithm  Prim最小含括樹演算法</a:t>
             </a:r>
           </a:p>
         </p:txBody>
@@ -5575,12 +5927,19 @@
   <p:clrMapOvr>
     <a:masterClrMapping/>
   </p:clrMapOvr>
-  <p:transition xmlns:p14="http://schemas.microsoft.com/office/powerpoint/2010/main" spd="med" advClick="1"/>
+  <p:transition spd="med"/>
+  <p:timing>
+    <p:tnLst>
+      <p:par>
+        <p:cTn id="1" dur="indefinite" restart="never" nodeType="tmRoot"/>
+      </p:par>
+    </p:tnLst>
+  </p:timing>
 </p:sld>
 </file>
 
 <file path=ppt/slides/slide14.xml><?xml version="1.0" encoding="utf-8"?>
-<p:sld xmlns:a="http://schemas.openxmlformats.org/drawingml/2006/main" xmlns:r="http://schemas.openxmlformats.org/officeDocument/2006/relationships" xmlns:p="http://schemas.openxmlformats.org/presentationml/2006/main" showMasterSp="1" showMasterPhAnim="1">
+<p:sld xmlns:a="http://schemas.openxmlformats.org/drawingml/2006/main" xmlns:r="http://schemas.openxmlformats.org/officeDocument/2006/relationships" xmlns:p="http://schemas.openxmlformats.org/presentationml/2006/main">
   <p:cSld>
     <p:spTree>
       <p:nvGrpSpPr>
@@ -5662,6 +6021,7 @@
                 </a:solidFill>
               </a:defRPr>
             </a:pPr>
+            <a:endParaRPr/>
           </a:p>
         </p:txBody>
       </p:sp>
@@ -5699,6 +6059,7 @@
                 </a:solidFill>
               </a:defRPr>
             </a:pPr>
+            <a:endParaRPr/>
           </a:p>
         </p:txBody>
       </p:sp>
@@ -5736,6 +6097,7 @@
                 </a:solidFill>
               </a:defRPr>
             </a:pPr>
+            <a:endParaRPr/>
           </a:p>
         </p:txBody>
       </p:sp>
@@ -5773,6 +6135,7 @@
                 </a:solidFill>
               </a:defRPr>
             </a:pPr>
+            <a:endParaRPr/>
           </a:p>
         </p:txBody>
       </p:sp>
@@ -5810,6 +6173,7 @@
                 </a:solidFill>
               </a:defRPr>
             </a:pPr>
+            <a:endParaRPr/>
           </a:p>
         </p:txBody>
       </p:sp>
@@ -5847,45 +6211,66 @@
                 </a:solidFill>
               </a:defRPr>
             </a:pPr>
+            <a:endParaRPr/>
           </a:p>
         </p:txBody>
       </p:sp>
       <p:cxnSp>
         <p:nvCxnSpPr>
-          <p:cNvPr id="233" name="連接線"/>
-          <p:cNvCxnSpPr>
-            <a:stCxn id="228" idx="0"/>
-            <a:endCxn id="227" idx="0"/>
-          </p:cNvCxnSpPr>
+          <p:cNvPr id="10" name="弧形接點 9"/>
+          <p:cNvCxnSpPr/>
           <p:nvPr/>
         </p:nvCxnSpPr>
         <p:spPr>
-          <a:xfrm flipV="1">
-            <a:off x="5740400" y="3327400"/>
-            <a:ext cx="4868334" cy="4597401"/>
-          </a:xfrm>
-          <a:prstGeom prst="straightConnector1">
-            <a:avLst/>
-          </a:prstGeom>
-          <a:ln w="215900">
+          <a:xfrm rot="5400000">
+            <a:off x="6504881" y="3803584"/>
+            <a:ext cx="3911601" cy="4148666"/>
+          </a:xfrm>
+          <a:prstGeom prst="curvedConnector2">
+            <a:avLst/>
+          </a:prstGeom>
+          <a:noFill/>
+          <a:ln w="203200" cap="flat">
             <a:solidFill>
-              <a:srgbClr val="B8778D"/>
+              <a:srgbClr val="AE7D8F"/>
             </a:solidFill>
+            <a:prstDash val="solid"/>
             <a:miter lim="400000"/>
           </a:ln>
-        </p:spPr>
+          <a:effectLst/>
+          <a:sp3d/>
+        </p:spPr>
+        <p:style>
+          <a:lnRef idx="0">
+            <a:scrgbClr r="0" g="0" b="0"/>
+          </a:lnRef>
+          <a:fillRef idx="0">
+            <a:scrgbClr r="0" g="0" b="0"/>
+          </a:fillRef>
+          <a:effectRef idx="0">
+            <a:scrgbClr r="0" g="0" b="0"/>
+          </a:effectRef>
+          <a:fontRef idx="none"/>
+        </p:style>
       </p:cxnSp>
     </p:spTree>
   </p:cSld>
   <p:clrMapOvr>
     <a:masterClrMapping/>
   </p:clrMapOvr>
-  <p:transition xmlns:p14="http://schemas.microsoft.com/office/powerpoint/2010/main" spd="med" advClick="1"/>
+  <p:transition spd="med"/>
+  <p:timing>
+    <p:tnLst>
+      <p:par>
+        <p:cTn id="1" dur="indefinite" restart="never" nodeType="tmRoot"/>
+      </p:par>
+    </p:tnLst>
+  </p:timing>
 </p:sld>
 </file>
 
 <file path=ppt/slides/slide15.xml><?xml version="1.0" encoding="utf-8"?>
-<p:sld xmlns:a="http://schemas.openxmlformats.org/drawingml/2006/main" xmlns:r="http://schemas.openxmlformats.org/officeDocument/2006/relationships" xmlns:p="http://schemas.openxmlformats.org/presentationml/2006/main" showMasterSp="1" showMasterPhAnim="1">
+<p:sld xmlns:a="http://schemas.openxmlformats.org/drawingml/2006/main" xmlns:r="http://schemas.openxmlformats.org/officeDocument/2006/relationships" xmlns:p="http://schemas.openxmlformats.org/presentationml/2006/main">
   <p:cSld>
     <p:spTree>
       <p:nvGrpSpPr>
@@ -5967,6 +6352,7 @@
                 </a:solidFill>
               </a:defRPr>
             </a:pPr>
+            <a:endParaRPr/>
           </a:p>
         </p:txBody>
       </p:sp>
@@ -6007,6 +6393,7 @@
                 </a:solidFill>
               </a:defRPr>
             </a:pPr>
+            <a:endParaRPr/>
           </a:p>
         </p:txBody>
       </p:sp>
@@ -6044,6 +6431,7 @@
                 </a:solidFill>
               </a:defRPr>
             </a:pPr>
+            <a:endParaRPr/>
           </a:p>
         </p:txBody>
       </p:sp>
@@ -6081,6 +6469,7 @@
                 </a:solidFill>
               </a:defRPr>
             </a:pPr>
+            <a:endParaRPr/>
           </a:p>
         </p:txBody>
       </p:sp>
@@ -6118,6 +6507,7 @@
                 </a:solidFill>
               </a:defRPr>
             </a:pPr>
+            <a:endParaRPr/>
           </a:p>
         </p:txBody>
       </p:sp>
@@ -6155,45 +6545,66 @@
                 </a:solidFill>
               </a:defRPr>
             </a:pPr>
+            <a:endParaRPr/>
           </a:p>
         </p:txBody>
       </p:sp>
       <p:cxnSp>
         <p:nvCxnSpPr>
-          <p:cNvPr id="242" name="連接線"/>
-          <p:cNvCxnSpPr>
-            <a:stCxn id="237" idx="0"/>
-            <a:endCxn id="236" idx="0"/>
-          </p:cNvCxnSpPr>
+          <p:cNvPr id="10" name="弧形接點 9"/>
+          <p:cNvCxnSpPr/>
           <p:nvPr/>
         </p:nvCxnSpPr>
         <p:spPr>
-          <a:xfrm flipV="1">
-            <a:off x="5740400" y="3327400"/>
-            <a:ext cx="4868334" cy="4597401"/>
-          </a:xfrm>
-          <a:prstGeom prst="straightConnector1">
-            <a:avLst/>
-          </a:prstGeom>
-          <a:ln w="215900">
+          <a:xfrm rot="5400000">
+            <a:off x="6504881" y="3803584"/>
+            <a:ext cx="3911601" cy="4148666"/>
+          </a:xfrm>
+          <a:prstGeom prst="curvedConnector2">
+            <a:avLst/>
+          </a:prstGeom>
+          <a:noFill/>
+          <a:ln w="203200" cap="flat">
             <a:solidFill>
-              <a:srgbClr val="B8778D"/>
+              <a:srgbClr val="AE7D8F"/>
             </a:solidFill>
+            <a:prstDash val="solid"/>
             <a:miter lim="400000"/>
           </a:ln>
-        </p:spPr>
+          <a:effectLst/>
+          <a:sp3d/>
+        </p:spPr>
+        <p:style>
+          <a:lnRef idx="0">
+            <a:scrgbClr r="0" g="0" b="0"/>
+          </a:lnRef>
+          <a:fillRef idx="0">
+            <a:scrgbClr r="0" g="0" b="0"/>
+          </a:fillRef>
+          <a:effectRef idx="0">
+            <a:scrgbClr r="0" g="0" b="0"/>
+          </a:effectRef>
+          <a:fontRef idx="none"/>
+        </p:style>
       </p:cxnSp>
     </p:spTree>
   </p:cSld>
   <p:clrMapOvr>
     <a:masterClrMapping/>
   </p:clrMapOvr>
-  <p:transition xmlns:p14="http://schemas.microsoft.com/office/powerpoint/2010/main" spd="med" advClick="1"/>
+  <p:transition spd="med"/>
+  <p:timing>
+    <p:tnLst>
+      <p:par>
+        <p:cTn id="1" dur="indefinite" restart="never" nodeType="tmRoot"/>
+      </p:par>
+    </p:tnLst>
+  </p:timing>
 </p:sld>
 </file>
 
 <file path=ppt/slides/slide16.xml><?xml version="1.0" encoding="utf-8"?>
-<p:sld xmlns:a="http://schemas.openxmlformats.org/drawingml/2006/main" xmlns:r="http://schemas.openxmlformats.org/officeDocument/2006/relationships" xmlns:p="http://schemas.openxmlformats.org/presentationml/2006/main" showMasterSp="1" showMasterPhAnim="1">
+<p:sld xmlns:a="http://schemas.openxmlformats.org/drawingml/2006/main" xmlns:r="http://schemas.openxmlformats.org/officeDocument/2006/relationships" xmlns:p="http://schemas.openxmlformats.org/presentationml/2006/main">
   <p:cSld>
     <p:spTree>
       <p:nvGrpSpPr>
@@ -6275,6 +6686,7 @@
                 </a:solidFill>
               </a:defRPr>
             </a:pPr>
+            <a:endParaRPr/>
           </a:p>
         </p:txBody>
       </p:sp>
@@ -6315,6 +6727,7 @@
                 </a:solidFill>
               </a:defRPr>
             </a:pPr>
+            <a:endParaRPr/>
           </a:p>
         </p:txBody>
       </p:sp>
@@ -6352,6 +6765,7 @@
                 </a:solidFill>
               </a:defRPr>
             </a:pPr>
+            <a:endParaRPr/>
           </a:p>
         </p:txBody>
       </p:sp>
@@ -6389,6 +6803,7 @@
                 </a:solidFill>
               </a:defRPr>
             </a:pPr>
+            <a:endParaRPr/>
           </a:p>
         </p:txBody>
       </p:sp>
@@ -6426,6 +6841,7 @@
                 </a:solidFill>
               </a:defRPr>
             </a:pPr>
+            <a:endParaRPr/>
           </a:p>
         </p:txBody>
       </p:sp>
@@ -6466,34 +6882,10 @@
                 </a:solidFill>
               </a:defRPr>
             </a:pPr>
-          </a:p>
-        </p:txBody>
-      </p:sp>
-      <p:cxnSp>
-        <p:nvCxnSpPr>
-          <p:cNvPr id="251" name="連接線"/>
-          <p:cNvCxnSpPr>
-            <a:stCxn id="246" idx="0"/>
-            <a:endCxn id="245" idx="0"/>
-          </p:cNvCxnSpPr>
-          <p:nvPr/>
-        </p:nvCxnSpPr>
-        <p:spPr>
-          <a:xfrm flipV="1">
-            <a:off x="5740400" y="3327400"/>
-            <a:ext cx="4868334" cy="4597401"/>
-          </a:xfrm>
-          <a:prstGeom prst="straightConnector1">
-            <a:avLst/>
-          </a:prstGeom>
-          <a:ln w="215900">
-            <a:solidFill>
-              <a:srgbClr val="B8778D"/>
-            </a:solidFill>
-            <a:miter lim="400000"/>
-          </a:ln>
-        </p:spPr>
-      </p:cxnSp>
+            <a:endParaRPr/>
+          </a:p>
+        </p:txBody>
+      </p:sp>
       <p:sp>
         <p:nvSpPr>
           <p:cNvPr id="252" name="線條"/>
@@ -6522,20 +6914,66 @@
             <a:pPr>
               <a:defRPr sz="3600"/>
             </a:pPr>
-          </a:p>
-        </p:txBody>
-      </p:sp>
+            <a:endParaRPr/>
+          </a:p>
+        </p:txBody>
+      </p:sp>
+      <p:cxnSp>
+        <p:nvCxnSpPr>
+          <p:cNvPr id="11" name="弧形接點 10"/>
+          <p:cNvCxnSpPr/>
+          <p:nvPr/>
+        </p:nvCxnSpPr>
+        <p:spPr>
+          <a:xfrm rot="5400000">
+            <a:off x="6504881" y="3803584"/>
+            <a:ext cx="3911601" cy="4148666"/>
+          </a:xfrm>
+          <a:prstGeom prst="curvedConnector2">
+            <a:avLst/>
+          </a:prstGeom>
+          <a:noFill/>
+          <a:ln w="203200" cap="flat">
+            <a:solidFill>
+              <a:srgbClr val="AE7D8F"/>
+            </a:solidFill>
+            <a:prstDash val="solid"/>
+            <a:miter lim="400000"/>
+          </a:ln>
+          <a:effectLst/>
+          <a:sp3d/>
+        </p:spPr>
+        <p:style>
+          <a:lnRef idx="0">
+            <a:scrgbClr r="0" g="0" b="0"/>
+          </a:lnRef>
+          <a:fillRef idx="0">
+            <a:scrgbClr r="0" g="0" b="0"/>
+          </a:fillRef>
+          <a:effectRef idx="0">
+            <a:scrgbClr r="0" g="0" b="0"/>
+          </a:effectRef>
+          <a:fontRef idx="none"/>
+        </p:style>
+      </p:cxnSp>
     </p:spTree>
   </p:cSld>
   <p:clrMapOvr>
     <a:masterClrMapping/>
   </p:clrMapOvr>
-  <p:transition xmlns:p14="http://schemas.microsoft.com/office/powerpoint/2010/main" spd="med" advClick="1"/>
+  <p:transition spd="med"/>
+  <p:timing>
+    <p:tnLst>
+      <p:par>
+        <p:cTn id="1" dur="indefinite" restart="never" nodeType="tmRoot"/>
+      </p:par>
+    </p:tnLst>
+  </p:timing>
 </p:sld>
 </file>
 
 <file path=ppt/slides/slide17.xml><?xml version="1.0" encoding="utf-8"?>
-<p:sld xmlns:a="http://schemas.openxmlformats.org/drawingml/2006/main" xmlns:r="http://schemas.openxmlformats.org/officeDocument/2006/relationships" xmlns:p="http://schemas.openxmlformats.org/presentationml/2006/main" showMasterSp="1" showMasterPhAnim="1">
+<p:sld xmlns:a="http://schemas.openxmlformats.org/drawingml/2006/main" xmlns:r="http://schemas.openxmlformats.org/officeDocument/2006/relationships" xmlns:p="http://schemas.openxmlformats.org/presentationml/2006/main">
   <p:cSld>
     <p:spTree>
       <p:nvGrpSpPr>
@@ -6617,6 +7055,7 @@
                 </a:solidFill>
               </a:defRPr>
             </a:pPr>
+            <a:endParaRPr/>
           </a:p>
         </p:txBody>
       </p:sp>
@@ -6657,6 +7096,7 @@
                 </a:solidFill>
               </a:defRPr>
             </a:pPr>
+            <a:endParaRPr/>
           </a:p>
         </p:txBody>
       </p:sp>
@@ -6694,6 +7134,7 @@
                 </a:solidFill>
               </a:defRPr>
             </a:pPr>
+            <a:endParaRPr/>
           </a:p>
         </p:txBody>
       </p:sp>
@@ -6731,6 +7172,7 @@
                 </a:solidFill>
               </a:defRPr>
             </a:pPr>
+            <a:endParaRPr/>
           </a:p>
         </p:txBody>
       </p:sp>
@@ -6771,6 +7213,7 @@
                 </a:solidFill>
               </a:defRPr>
             </a:pPr>
+            <a:endParaRPr/>
           </a:p>
         </p:txBody>
       </p:sp>
@@ -6811,34 +7254,10 @@
                 </a:solidFill>
               </a:defRPr>
             </a:pPr>
-          </a:p>
-        </p:txBody>
-      </p:sp>
-      <p:cxnSp>
-        <p:nvCxnSpPr>
-          <p:cNvPr id="261" name="連接線"/>
-          <p:cNvCxnSpPr>
-            <a:stCxn id="256" idx="0"/>
-            <a:endCxn id="255" idx="0"/>
-          </p:cNvCxnSpPr>
-          <p:nvPr/>
-        </p:nvCxnSpPr>
-        <p:spPr>
-          <a:xfrm flipV="1">
-            <a:off x="5740400" y="3327400"/>
-            <a:ext cx="4868334" cy="4597401"/>
-          </a:xfrm>
-          <a:prstGeom prst="straightConnector1">
-            <a:avLst/>
-          </a:prstGeom>
-          <a:ln w="215900">
-            <a:solidFill>
-              <a:srgbClr val="B8778D"/>
-            </a:solidFill>
-            <a:miter lim="400000"/>
-          </a:ln>
-        </p:spPr>
-      </p:cxnSp>
+            <a:endParaRPr/>
+          </a:p>
+        </p:txBody>
+      </p:sp>
       <p:sp>
         <p:nvSpPr>
           <p:cNvPr id="262" name="線條"/>
@@ -6867,6 +7286,7 @@
             <a:pPr>
               <a:defRPr sz="3600"/>
             </a:pPr>
+            <a:endParaRPr/>
           </a:p>
         </p:txBody>
       </p:sp>
@@ -6898,20 +7318,66 @@
             <a:pPr>
               <a:defRPr sz="3600"/>
             </a:pPr>
-          </a:p>
-        </p:txBody>
-      </p:sp>
+            <a:endParaRPr/>
+          </a:p>
+        </p:txBody>
+      </p:sp>
+      <p:cxnSp>
+        <p:nvCxnSpPr>
+          <p:cNvPr id="12" name="弧形接點 11"/>
+          <p:cNvCxnSpPr/>
+          <p:nvPr/>
+        </p:nvCxnSpPr>
+        <p:spPr>
+          <a:xfrm rot="5400000">
+            <a:off x="6504881" y="3803584"/>
+            <a:ext cx="3911601" cy="4148666"/>
+          </a:xfrm>
+          <a:prstGeom prst="curvedConnector2">
+            <a:avLst/>
+          </a:prstGeom>
+          <a:noFill/>
+          <a:ln w="203200" cap="flat">
+            <a:solidFill>
+              <a:srgbClr val="AE7D8F"/>
+            </a:solidFill>
+            <a:prstDash val="solid"/>
+            <a:miter lim="400000"/>
+          </a:ln>
+          <a:effectLst/>
+          <a:sp3d/>
+        </p:spPr>
+        <p:style>
+          <a:lnRef idx="0">
+            <a:scrgbClr r="0" g="0" b="0"/>
+          </a:lnRef>
+          <a:fillRef idx="0">
+            <a:scrgbClr r="0" g="0" b="0"/>
+          </a:fillRef>
+          <a:effectRef idx="0">
+            <a:scrgbClr r="0" g="0" b="0"/>
+          </a:effectRef>
+          <a:fontRef idx="none"/>
+        </p:style>
+      </p:cxnSp>
     </p:spTree>
   </p:cSld>
   <p:clrMapOvr>
     <a:masterClrMapping/>
   </p:clrMapOvr>
-  <p:transition xmlns:p14="http://schemas.microsoft.com/office/powerpoint/2010/main" spd="med" advClick="1"/>
+  <p:transition spd="med"/>
+  <p:timing>
+    <p:tnLst>
+      <p:par>
+        <p:cTn id="1" dur="indefinite" restart="never" nodeType="tmRoot"/>
+      </p:par>
+    </p:tnLst>
+  </p:timing>
 </p:sld>
 </file>
 
 <file path=ppt/slides/slide18.xml><?xml version="1.0" encoding="utf-8"?>
-<p:sld xmlns:a="http://schemas.openxmlformats.org/drawingml/2006/main" xmlns:r="http://schemas.openxmlformats.org/officeDocument/2006/relationships" xmlns:p="http://schemas.openxmlformats.org/presentationml/2006/main" showMasterSp="1" showMasterPhAnim="1">
+<p:sld xmlns:a="http://schemas.openxmlformats.org/drawingml/2006/main" xmlns:r="http://schemas.openxmlformats.org/officeDocument/2006/relationships" xmlns:p="http://schemas.openxmlformats.org/presentationml/2006/main">
   <p:cSld>
     <p:spTree>
       <p:nvGrpSpPr>
@@ -6993,6 +7459,7 @@
                 </a:solidFill>
               </a:defRPr>
             </a:pPr>
+            <a:endParaRPr/>
           </a:p>
         </p:txBody>
       </p:sp>
@@ -7033,6 +7500,7 @@
                 </a:solidFill>
               </a:defRPr>
             </a:pPr>
+            <a:endParaRPr/>
           </a:p>
         </p:txBody>
       </p:sp>
@@ -7070,6 +7538,7 @@
                 </a:solidFill>
               </a:defRPr>
             </a:pPr>
+            <a:endParaRPr/>
           </a:p>
         </p:txBody>
       </p:sp>
@@ -7110,6 +7579,7 @@
                 </a:solidFill>
               </a:defRPr>
             </a:pPr>
+            <a:endParaRPr/>
           </a:p>
         </p:txBody>
       </p:sp>
@@ -7150,34 +7620,10 @@
                 </a:solidFill>
               </a:defRPr>
             </a:pPr>
-          </a:p>
-        </p:txBody>
-      </p:sp>
-      <p:cxnSp>
-        <p:nvCxnSpPr>
-          <p:cNvPr id="271" name="連接線"/>
-          <p:cNvCxnSpPr>
-            <a:stCxn id="267" idx="0"/>
-            <a:endCxn id="266" idx="0"/>
-          </p:cNvCxnSpPr>
-          <p:nvPr/>
-        </p:nvCxnSpPr>
-        <p:spPr>
-          <a:xfrm flipV="1">
-            <a:off x="5740400" y="3327400"/>
-            <a:ext cx="4868334" cy="4597401"/>
-          </a:xfrm>
-          <a:prstGeom prst="straightConnector1">
-            <a:avLst/>
-          </a:prstGeom>
-          <a:ln w="215900">
-            <a:solidFill>
-              <a:srgbClr val="B8778D"/>
-            </a:solidFill>
-            <a:miter lim="400000"/>
-          </a:ln>
-        </p:spPr>
-      </p:cxnSp>
+            <a:endParaRPr/>
+          </a:p>
+        </p:txBody>
+      </p:sp>
       <p:sp>
         <p:nvSpPr>
           <p:cNvPr id="272" name="線條"/>
@@ -7206,6 +7652,7 @@
             <a:pPr>
               <a:defRPr sz="3600"/>
             </a:pPr>
+            <a:endParaRPr/>
           </a:p>
         </p:txBody>
       </p:sp>
@@ -7237,6 +7684,7 @@
             <a:pPr>
               <a:defRPr sz="3600"/>
             </a:pPr>
+            <a:endParaRPr/>
           </a:p>
         </p:txBody>
       </p:sp>
@@ -7268,6 +7716,7 @@
             <a:pPr>
               <a:defRPr sz="3600"/>
             </a:pPr>
+            <a:endParaRPr/>
           </a:p>
         </p:txBody>
       </p:sp>
@@ -7308,20 +7757,59 @@
                 </a:solidFill>
               </a:defRPr>
             </a:pPr>
-          </a:p>
-        </p:txBody>
-      </p:sp>
+            <a:endParaRPr/>
+          </a:p>
+        </p:txBody>
+      </p:sp>
+      <p:cxnSp>
+        <p:nvCxnSpPr>
+          <p:cNvPr id="13" name="弧形接點 12"/>
+          <p:cNvCxnSpPr/>
+          <p:nvPr/>
+        </p:nvCxnSpPr>
+        <p:spPr>
+          <a:xfrm rot="5400000">
+            <a:off x="6504881" y="3803584"/>
+            <a:ext cx="3911601" cy="4148666"/>
+          </a:xfrm>
+          <a:prstGeom prst="curvedConnector2">
+            <a:avLst/>
+          </a:prstGeom>
+          <a:noFill/>
+          <a:ln w="203200" cap="flat">
+            <a:solidFill>
+              <a:srgbClr val="AE7D8F"/>
+            </a:solidFill>
+            <a:prstDash val="solid"/>
+            <a:miter lim="400000"/>
+          </a:ln>
+          <a:effectLst/>
+          <a:sp3d/>
+        </p:spPr>
+        <p:style>
+          <a:lnRef idx="0">
+            <a:scrgbClr r="0" g="0" b="0"/>
+          </a:lnRef>
+          <a:fillRef idx="0">
+            <a:scrgbClr r="0" g="0" b="0"/>
+          </a:fillRef>
+          <a:effectRef idx="0">
+            <a:scrgbClr r="0" g="0" b="0"/>
+          </a:effectRef>
+          <a:fontRef idx="none"/>
+        </p:style>
+      </p:cxnSp>
     </p:spTree>
   </p:cSld>
   <p:clrMapOvr>
     <a:masterClrMapping/>
   </p:clrMapOvr>
-  <p:transition xmlns:p14="http://schemas.microsoft.com/office/powerpoint/2010/main" spd="med" advClick="1"/>
+  <p:transition spd="med"/>
 </p:sld>
 </file>
 
 <file path=ppt/slides/slide19.xml><?xml version="1.0" encoding="utf-8"?>
-<p:sld xmlns:a="http://schemas.openxmlformats.org/drawingml/2006/main" xmlns:r="http://schemas.openxmlformats.org/officeDocument/2006/relationships" xmlns:p="http://schemas.openxmlformats.org/presentationml/2006/main" showMasterSp="1" showMasterPhAnim="1">
+<p:sld xmlns:a="http://schemas.openxmlformats.org/drawingml/2006/main" xmlns:r="http://schemas.openxmlformats.org/officeDocument/2006/relationships" xmlns:p="http://schemas.openxmlformats.org/presentationml/2006/main">
   <p:cSld>
     <p:spTree>
       <p:nvGrpSpPr>
@@ -7394,6 +7882,7 @@
             <a:pPr>
               <a:defRPr sz="3600"/>
             </a:pPr>
+            <a:endParaRPr/>
           </a:p>
         </p:txBody>
       </p:sp>
@@ -7434,6 +7923,7 @@
                 </a:solidFill>
               </a:defRPr>
             </a:pPr>
+            <a:endParaRPr/>
           </a:p>
         </p:txBody>
       </p:sp>
@@ -7474,6 +7964,7 @@
                 </a:solidFill>
               </a:defRPr>
             </a:pPr>
+            <a:endParaRPr/>
           </a:p>
         </p:txBody>
       </p:sp>
@@ -7514,6 +8005,7 @@
                 </a:solidFill>
               </a:defRPr>
             </a:pPr>
+            <a:endParaRPr/>
           </a:p>
         </p:txBody>
       </p:sp>
@@ -7554,6 +8046,7 @@
                 </a:solidFill>
               </a:defRPr>
             </a:pPr>
+            <a:endParaRPr/>
           </a:p>
         </p:txBody>
       </p:sp>
@@ -7594,34 +8087,10 @@
                 </a:solidFill>
               </a:defRPr>
             </a:pPr>
-          </a:p>
-        </p:txBody>
-      </p:sp>
-      <p:cxnSp>
-        <p:nvCxnSpPr>
-          <p:cNvPr id="284" name="連接線"/>
-          <p:cNvCxnSpPr>
-            <a:stCxn id="280" idx="0"/>
-            <a:endCxn id="279" idx="0"/>
-          </p:cNvCxnSpPr>
-          <p:nvPr/>
-        </p:nvCxnSpPr>
-        <p:spPr>
-          <a:xfrm flipV="1">
-            <a:off x="5740400" y="3327400"/>
-            <a:ext cx="4868334" cy="4597401"/>
-          </a:xfrm>
-          <a:prstGeom prst="straightConnector1">
-            <a:avLst/>
-          </a:prstGeom>
-          <a:ln w="215900">
-            <a:solidFill>
-              <a:srgbClr val="B8778D"/>
-            </a:solidFill>
-            <a:miter lim="400000"/>
-          </a:ln>
-        </p:spPr>
-      </p:cxnSp>
+            <a:endParaRPr/>
+          </a:p>
+        </p:txBody>
+      </p:sp>
       <p:sp>
         <p:nvSpPr>
           <p:cNvPr id="285" name="線條"/>
@@ -7650,6 +8119,7 @@
             <a:pPr>
               <a:defRPr sz="3600"/>
             </a:pPr>
+            <a:endParaRPr/>
           </a:p>
         </p:txBody>
       </p:sp>
@@ -7681,6 +8151,7 @@
             <a:pPr>
               <a:defRPr sz="3600"/>
             </a:pPr>
+            <a:endParaRPr/>
           </a:p>
         </p:txBody>
       </p:sp>
@@ -7712,6 +8183,7 @@
             <a:pPr>
               <a:defRPr sz="3600"/>
             </a:pPr>
+            <a:endParaRPr/>
           </a:p>
         </p:txBody>
       </p:sp>
@@ -7752,20 +8224,59 @@
                 </a:solidFill>
               </a:defRPr>
             </a:pPr>
-          </a:p>
-        </p:txBody>
-      </p:sp>
+            <a:endParaRPr/>
+          </a:p>
+        </p:txBody>
+      </p:sp>
+      <p:cxnSp>
+        <p:nvCxnSpPr>
+          <p:cNvPr id="14" name="弧形接點 13"/>
+          <p:cNvCxnSpPr/>
+          <p:nvPr/>
+        </p:nvCxnSpPr>
+        <p:spPr>
+          <a:xfrm rot="5400000">
+            <a:off x="6504881" y="3803584"/>
+            <a:ext cx="3911601" cy="4148666"/>
+          </a:xfrm>
+          <a:prstGeom prst="curvedConnector2">
+            <a:avLst/>
+          </a:prstGeom>
+          <a:noFill/>
+          <a:ln w="203200" cap="flat">
+            <a:solidFill>
+              <a:srgbClr val="AE7D8F"/>
+            </a:solidFill>
+            <a:prstDash val="solid"/>
+            <a:miter lim="400000"/>
+          </a:ln>
+          <a:effectLst/>
+          <a:sp3d/>
+        </p:spPr>
+        <p:style>
+          <a:lnRef idx="0">
+            <a:scrgbClr r="0" g="0" b="0"/>
+          </a:lnRef>
+          <a:fillRef idx="0">
+            <a:scrgbClr r="0" g="0" b="0"/>
+          </a:fillRef>
+          <a:effectRef idx="0">
+            <a:scrgbClr r="0" g="0" b="0"/>
+          </a:effectRef>
+          <a:fontRef idx="none"/>
+        </p:style>
+      </p:cxnSp>
     </p:spTree>
   </p:cSld>
   <p:clrMapOvr>
     <a:masterClrMapping/>
   </p:clrMapOvr>
-  <p:transition xmlns:p14="http://schemas.microsoft.com/office/powerpoint/2010/main" spd="med" advClick="1"/>
+  <p:transition spd="med"/>
 </p:sld>
 </file>
 
 <file path=ppt/slides/slide2.xml><?xml version="1.0" encoding="utf-8"?>
-<p:sld xmlns:a="http://schemas.openxmlformats.org/drawingml/2006/main" xmlns:r="http://schemas.openxmlformats.org/officeDocument/2006/relationships" xmlns:p="http://schemas.openxmlformats.org/presentationml/2006/main" showMasterSp="1" showMasterPhAnim="1">
+<p:sld xmlns:a="http://schemas.openxmlformats.org/drawingml/2006/main" xmlns:r="http://schemas.openxmlformats.org/officeDocument/2006/relationships" xmlns:p="http://schemas.openxmlformats.org/presentationml/2006/main">
   <p:cSld>
     <p:spTree>
       <p:nvGrpSpPr>
@@ -7785,7 +8296,7 @@
         <p:nvPicPr>
           <p:cNvPr id="122" name="right-side-of-modern-laptop-with-room-for-text-picjumbo-com.jpg" descr="right-side-of-modern-laptop-with-room-for-text-picjumbo-com.jpg"/>
           <p:cNvPicPr>
-            <a:picLocks noChangeAspect="0"/>
+            <a:picLocks noGrp="1"/>
           </p:cNvPicPr>
           <p:nvPr>
             <p:ph type="pic" idx="13"/>
@@ -7817,8 +8328,8 @@
         </p:nvSpPr>
         <p:spPr>
           <a:xfrm>
-            <a:off x="2065350" y="2802466"/>
-            <a:ext cx="3311500" cy="762001"/>
+            <a:off x="1985849" y="2847477"/>
+            <a:ext cx="3470502" cy="671979"/>
           </a:xfrm>
           <a:prstGeom prst="rect">
             <a:avLst/>
@@ -7828,7 +8339,7 @@
           </a:ln>
           <a:extLst>
             <a:ext uri="{C572A759-6A51-4108-AA02-DFA0A04FC94B}">
-              <ma14:wrappingTextBoxFlag xmlns:ma14="http://schemas.microsoft.com/office/mac/drawingml/2011/main" val="1"/>
+              <ma14:wrappingTextBoxFlag xmlns:ma14="http://schemas.microsoft.com/office/mac/drawingml/2011/main" xmlns="" val="1"/>
             </a:ext>
           </a:extLst>
         </p:spPr>
@@ -7850,8 +8361,11 @@
             </a:lvl1pPr>
           </a:lstStyle>
           <a:p>
-            <a:pPr/>
-            <a:r>
+            <a:r>
+              <a:rPr>
+                <a:latin typeface="微軟正黑體" panose="020B0604030504040204" pitchFamily="34" charset="-120"/>
+                <a:ea typeface="微軟正黑體" panose="020B0604030504040204" pitchFamily="34" charset="-120"/>
+              </a:rPr>
               <a:t>Kruskal's演算法</a:t>
             </a:r>
           </a:p>
@@ -7865,8 +8379,8 @@
         </p:nvSpPr>
         <p:spPr>
           <a:xfrm>
-            <a:off x="1078937" y="4309533"/>
-            <a:ext cx="5284326" cy="2235201"/>
+            <a:off x="1078937" y="4452507"/>
+            <a:ext cx="5284326" cy="1949252"/>
           </a:xfrm>
           <a:prstGeom prst="rect">
             <a:avLst/>
@@ -7876,7 +8390,7 @@
           </a:ln>
           <a:extLst>
             <a:ext uri="{C572A759-6A51-4108-AA02-DFA0A04FC94B}">
-              <ma14:wrappingTextBoxFlag xmlns:ma14="http://schemas.microsoft.com/office/mac/drawingml/2011/main" val="1"/>
+              <ma14:wrappingTextBoxFlag xmlns:ma14="http://schemas.microsoft.com/office/mac/drawingml/2011/main" xmlns="" val="1"/>
             </a:ext>
           </a:extLst>
         </p:spPr>
@@ -7886,12 +8400,15 @@
           </a:bodyPr>
           <a:lstStyle>
             <a:lvl1pPr algn="l">
-              <a:defRPr b="1" sz="3000"/>
+              <a:defRPr sz="3000" b="1"/>
             </a:lvl1pPr>
           </a:lstStyle>
           <a:p>
-            <a:pPr/>
-            <a:r>
+            <a:r>
+              <a:rPr>
+                <a:latin typeface="微軟正黑體" panose="020B0604030504040204" pitchFamily="34" charset="-120"/>
+                <a:ea typeface="微軟正黑體" panose="020B0604030504040204" pitchFamily="34" charset="-120"/>
+              </a:rPr>
               <a:t>不斷地找出最小邊，加進最小生成樹的配置中，如果形成封閉迴路，則把該邊刪去，尋找剩餘的邊中的最小邊。</a:t>
             </a:r>
           </a:p>
@@ -7902,12 +8419,19 @@
   <p:clrMapOvr>
     <a:masterClrMapping/>
   </p:clrMapOvr>
-  <p:transition xmlns:p14="http://schemas.microsoft.com/office/powerpoint/2010/main" spd="med" advClick="1"/>
+  <p:transition spd="med"/>
+  <p:timing>
+    <p:tnLst>
+      <p:par>
+        <p:cTn id="1" dur="indefinite" restart="never" nodeType="tmRoot"/>
+      </p:par>
+    </p:tnLst>
+  </p:timing>
 </p:sld>
 </file>
 
 <file path=ppt/slides/slide3.xml><?xml version="1.0" encoding="utf-8"?>
-<p:sld xmlns:a="http://schemas.openxmlformats.org/drawingml/2006/main" xmlns:r="http://schemas.openxmlformats.org/officeDocument/2006/relationships" xmlns:p="http://schemas.openxmlformats.org/presentationml/2006/main" showMasterSp="1" showMasterPhAnim="1">
+<p:sld xmlns:a="http://schemas.openxmlformats.org/drawingml/2006/main" xmlns:r="http://schemas.openxmlformats.org/officeDocument/2006/relationships" xmlns:p="http://schemas.openxmlformats.org/presentationml/2006/main">
   <p:cSld>
     <p:spTree>
       <p:nvGrpSpPr>
@@ -7942,13 +8466,13 @@
           </a:ln>
           <a:extLst>
             <a:ext uri="{C572A759-6A51-4108-AA02-DFA0A04FC94B}">
-              <ma14:wrappingTextBoxFlag xmlns:ma14="http://schemas.microsoft.com/office/mac/drawingml/2011/main" val="1"/>
+              <ma14:wrappingTextBoxFlag xmlns:ma14="http://schemas.microsoft.com/office/mac/drawingml/2011/main" xmlns="" val="1"/>
             </a:ext>
           </a:extLst>
         </p:spPr>
         <p:txBody>
           <a:bodyPr lIns="45719" rIns="45719">
-            <a:normAutofit fontScale="100000" lnSpcReduction="0"/>
+            <a:normAutofit/>
           </a:bodyPr>
           <a:lstStyle/>
           <a:p>
@@ -8051,7 +8575,7 @@
                 <a:srgbClr val="3333CC"/>
               </a:buClr>
               <a:buSzPct val="100000"/>
-              <a:buAutoNum type="arabicPeriod" startAt="1"/>
+              <a:buAutoNum type="arabicPeriod"/>
               <a:defRPr sz="2738">
                 <a:solidFill>
                   <a:srgbClr val="000000"/>
@@ -8098,12 +8622,6 @@
               </a:rPr>
               <a:t>的邊集合，一開始設為空集合</a:t>
             </a:r>
-            <a:endParaRPr>
-              <a:latin typeface="新細明體"/>
-              <a:ea typeface="新細明體"/>
-              <a:cs typeface="新細明體"/>
-              <a:sym typeface="新細明體"/>
-            </a:endParaRPr>
           </a:p>
           <a:p>
             <a:pPr marL="380619" indent="-380619" algn="l" defTabSz="676655">
@@ -8117,7 +8635,7 @@
                 <a:srgbClr val="3333CC"/>
               </a:buClr>
               <a:buSzPct val="100000"/>
-              <a:buAutoNum type="arabicPeriod" startAt="1"/>
+              <a:buAutoNum type="arabicPeriod"/>
               <a:defRPr sz="2738">
                 <a:solidFill>
                   <a:srgbClr val="000000"/>
@@ -8168,7 +8686,7 @@
                 <a:srgbClr val="3333CC"/>
               </a:buClr>
               <a:buSzPct val="100000"/>
-              <a:buAutoNum type="arabicPeriod" startAt="1"/>
+              <a:buAutoNum type="arabicPeriod"/>
               <a:defRPr sz="2738">
                 <a:solidFill>
                   <a:srgbClr val="000000"/>
@@ -8251,12 +8769,6 @@
               </a:rPr>
               <a:t>最小</a:t>
             </a:r>
-            <a:endParaRPr>
-              <a:latin typeface="新細明體"/>
-              <a:ea typeface="新細明體"/>
-              <a:cs typeface="新細明體"/>
-              <a:sym typeface="新細明體"/>
-            </a:endParaRPr>
           </a:p>
           <a:p>
             <a:pPr marL="380619" indent="-380619" algn="l" defTabSz="676655">
@@ -8270,7 +8782,7 @@
                 <a:srgbClr val="3333CC"/>
               </a:buClr>
               <a:buSzPct val="100000"/>
-              <a:buAutoNum type="arabicPeriod" startAt="1"/>
+              <a:buAutoNum type="arabicPeriod"/>
               <a:defRPr sz="2738">
                 <a:solidFill>
                   <a:srgbClr val="000000"/>
@@ -8282,10 +8794,7 @@
               </a:defRPr>
             </a:pPr>
             <a:r>
-              <a:t>    </a:t>
-            </a:r>
-            <a:r>
-              <a:t>E←E-(u, v)</a:t>
+              <a:t>    E←E-(u, v)</a:t>
             </a:r>
           </a:p>
           <a:p>
@@ -8300,7 +8809,7 @@
                 <a:srgbClr val="3333CC"/>
               </a:buClr>
               <a:buSzPct val="100000"/>
-              <a:buAutoNum type="arabicPeriod" startAt="1"/>
+              <a:buAutoNum type="arabicPeriod"/>
               <a:defRPr sz="2738">
                 <a:solidFill>
                   <a:srgbClr val="000000"/>
@@ -8359,12 +8868,6 @@
               </a:rPr>
               <a:t>丟棄</a:t>
             </a:r>
-            <a:endParaRPr>
-              <a:latin typeface="新細明體"/>
-              <a:ea typeface="新細明體"/>
-              <a:cs typeface="新細明體"/>
-              <a:sym typeface="新細明體"/>
-            </a:endParaRPr>
           </a:p>
           <a:p>
             <a:pPr marL="380619" indent="-380619" algn="l" defTabSz="676655">
@@ -8378,7 +8881,7 @@
                 <a:srgbClr val="3333CC"/>
               </a:buClr>
               <a:buSzPct val="100000"/>
-              <a:buAutoNum type="arabicPeriod" startAt="1"/>
+              <a:buAutoNum type="arabicPeriod"/>
               <a:defRPr sz="2738">
                 <a:solidFill>
                   <a:srgbClr val="000000"/>
@@ -8390,10 +8893,7 @@
               </a:defRPr>
             </a:pPr>
             <a:r>
-              <a:t>    </a:t>
-            </a:r>
-            <a:r>
-              <a:t>else  T←T</a:t>
+              <a:t>    else  T←T</a:t>
             </a:r>
             <a:r>
               <a:rPr>
@@ -8420,7 +8920,7 @@
                 <a:srgbClr val="3333CC"/>
               </a:buClr>
               <a:buSzPct val="100000"/>
-              <a:buAutoNum type="arabicPeriod" startAt="1"/>
+              <a:buAutoNum type="arabicPeriod"/>
               <a:defRPr sz="2738">
                 <a:solidFill>
                   <a:srgbClr val="000000"/>
@@ -8456,7 +8956,7 @@
           </a:ln>
           <a:extLst>
             <a:ext uri="{C572A759-6A51-4108-AA02-DFA0A04FC94B}">
-              <ma14:wrappingTextBoxFlag xmlns:ma14="http://schemas.microsoft.com/office/mac/drawingml/2011/main" val="1"/>
+              <ma14:wrappingTextBoxFlag xmlns:ma14="http://schemas.microsoft.com/office/mac/drawingml/2011/main" xmlns="" val="1"/>
             </a:ext>
           </a:extLst>
         </p:spPr>
@@ -8477,7 +8977,7 @@
                 <a:srgbClr val="3333CC"/>
               </a:buClr>
               <a:buFont typeface="Wingdings"/>
-              <a:defRPr b="1" sz="4500">
+              <a:defRPr sz="4500" b="1">
                 <a:solidFill>
                   <a:schemeClr val="accent1"/>
                 </a:solidFill>
@@ -8507,14 +9007,14 @@
   <p:clrMapOvr>
     <a:masterClrMapping/>
   </p:clrMapOvr>
-  <p:transition xmlns:p14="http://schemas.microsoft.com/office/powerpoint/2010/main" spd="med" advClick="1"/>
+  <p:transition spd="med"/>
   <p:timing>
     <p:tnLst>
       <p:par>
-        <p:cTn id="1" nodeType="tmRoot" restart="never" dur="indefinite" fill="hold">
+        <p:cTn id="1" dur="indefinite" restart="never" fill="hold" nodeType="tmRoot">
           <p:childTnLst>
             <p:seq concurrent="1" prevAc="none" nextAc="seek">
-              <p:cTn id="2" nodeType="mainSeq" dur="indefinite" fill="hold">
+              <p:cTn id="2" dur="indefinite" fill="hold" nodeType="mainSeq">
                 <p:childTnLst>
                   <p:par>
                     <p:cTn id="3" fill="hold">
@@ -8529,11 +9029,11 @@
                             </p:stCondLst>
                             <p:childTnLst>
                               <p:par>
-                                <p:cTn id="5" presetClass="entr" nodeType="clickEffect" presetSubtype="4" presetID="2" grpId="1" fill="hold">
+                                <p:cTn id="5" presetID="2" presetClass="entr" presetSubtype="4" fill="hold" grpId="1" nodeType="clickEffect">
                                   <p:stCondLst>
                                     <p:cond delay="0"/>
                                   </p:stCondLst>
-                                  <p:iterate type="el" backwards="0">
+                                  <p:iterate>
                                     <p:tmAbs val="0"/>
                                   </p:iterate>
                                   <p:childTnLst>
@@ -8607,11 +9107,11 @@
                                 </p:cTn>
                               </p:par>
                               <p:par>
-                                <p:cTn id="9" presetClass="entr" nodeType="withEffect" presetSubtype="4" presetID="2" grpId="1" fill="hold">
+                                <p:cTn id="9" presetID="2" presetClass="entr" presetSubtype="4" fill="hold" grpId="1" nodeType="withEffect">
                                   <p:stCondLst>
                                     <p:cond delay="0"/>
                                   </p:stCondLst>
-                                  <p:iterate type="el" backwards="0">
+                                  <p:iterate>
                                     <p:tmAbs val="0"/>
                                   </p:iterate>
                                   <p:childTnLst>
@@ -8709,11 +9209,11 @@
                             </p:stCondLst>
                             <p:childTnLst>
                               <p:par>
-                                <p:cTn id="15" presetClass="entr" nodeType="clickEffect" presetSubtype="4" presetID="2" grpId="1" fill="hold">
+                                <p:cTn id="15" presetID="2" presetClass="entr" presetSubtype="4" fill="hold" grpId="1" nodeType="clickEffect">
                                   <p:stCondLst>
                                     <p:cond delay="0"/>
                                   </p:stCondLst>
-                                  <p:iterate type="el" backwards="0">
+                                  <p:iterate>
                                     <p:tmAbs val="0"/>
                                   </p:iterate>
                                   <p:childTnLst>
@@ -8811,11 +9311,11 @@
                             </p:stCondLst>
                             <p:childTnLst>
                               <p:par>
-                                <p:cTn id="21" presetClass="entr" nodeType="clickEffect" presetSubtype="4" presetID="2" grpId="1" fill="hold">
+                                <p:cTn id="21" presetID="2" presetClass="entr" presetSubtype="4" fill="hold" grpId="1" nodeType="clickEffect">
                                   <p:stCondLst>
                                     <p:cond delay="0"/>
                                   </p:stCondLst>
-                                  <p:iterate type="el" backwards="0">
+                                  <p:iterate>
                                     <p:tmAbs val="0"/>
                                   </p:iterate>
                                   <p:childTnLst>
@@ -8913,11 +9413,11 @@
                             </p:stCondLst>
                             <p:childTnLst>
                               <p:par>
-                                <p:cTn id="27" presetClass="entr" nodeType="clickEffect" presetSubtype="4" presetID="2" grpId="1" fill="hold">
+                                <p:cTn id="27" presetID="2" presetClass="entr" presetSubtype="4" fill="hold" grpId="1" nodeType="clickEffect">
                                   <p:stCondLst>
                                     <p:cond delay="0"/>
                                   </p:stCondLst>
-                                  <p:iterate type="el" backwards="0">
+                                  <p:iterate>
                                     <p:tmAbs val="0"/>
                                   </p:iterate>
                                   <p:childTnLst>
@@ -9015,11 +9515,11 @@
                             </p:stCondLst>
                             <p:childTnLst>
                               <p:par>
-                                <p:cTn id="33" presetClass="entr" nodeType="clickEffect" presetSubtype="4" presetID="2" grpId="1" fill="hold">
+                                <p:cTn id="33" presetID="2" presetClass="entr" presetSubtype="4" fill="hold" grpId="1" nodeType="clickEffect">
                                   <p:stCondLst>
                                     <p:cond delay="0"/>
                                   </p:stCondLst>
-                                  <p:iterate type="el" backwards="0">
+                                  <p:iterate>
                                     <p:tmAbs val="0"/>
                                   </p:iterate>
                                   <p:childTnLst>
@@ -9117,11 +9617,11 @@
                             </p:stCondLst>
                             <p:childTnLst>
                               <p:par>
-                                <p:cTn id="39" presetClass="entr" nodeType="clickEffect" presetSubtype="4" presetID="2" grpId="1" fill="hold">
+                                <p:cTn id="39" presetID="2" presetClass="entr" presetSubtype="4" fill="hold" grpId="1" nodeType="clickEffect">
                                   <p:stCondLst>
                                     <p:cond delay="0"/>
                                   </p:stCondLst>
-                                  <p:iterate type="el" backwards="0">
+                                  <p:iterate>
                                     <p:tmAbs val="0"/>
                                   </p:iterate>
                                   <p:childTnLst>
@@ -9219,11 +9719,11 @@
                             </p:stCondLst>
                             <p:childTnLst>
                               <p:par>
-                                <p:cTn id="45" presetClass="entr" nodeType="clickEffect" presetSubtype="4" presetID="2" grpId="1" fill="hold">
+                                <p:cTn id="45" presetID="2" presetClass="entr" presetSubtype="4" fill="hold" grpId="1" nodeType="clickEffect">
                                   <p:stCondLst>
                                     <p:cond delay="0"/>
                                   </p:stCondLst>
-                                  <p:iterate type="el" backwards="0">
+                                  <p:iterate>
                                     <p:tmAbs val="0"/>
                                   </p:iterate>
                                   <p:childTnLst>
@@ -9321,11 +9821,11 @@
                             </p:stCondLst>
                             <p:childTnLst>
                               <p:par>
-                                <p:cTn id="51" presetClass="entr" nodeType="clickEffect" presetSubtype="4" presetID="2" grpId="1" fill="hold">
+                                <p:cTn id="51" presetID="2" presetClass="entr" presetSubtype="4" fill="hold" grpId="1" nodeType="clickEffect">
                                   <p:stCondLst>
                                     <p:cond delay="0"/>
                                   </p:stCondLst>
-                                  <p:iterate type="el" backwards="0">
+                                  <p:iterate>
                                     <p:tmAbs val="0"/>
                                   </p:iterate>
                                   <p:childTnLst>
@@ -9423,11 +9923,11 @@
                             </p:stCondLst>
                             <p:childTnLst>
                               <p:par>
-                                <p:cTn id="57" presetClass="entr" nodeType="clickEffect" presetSubtype="4" presetID="2" grpId="1" fill="hold">
+                                <p:cTn id="57" presetID="2" presetClass="entr" presetSubtype="4" fill="hold" grpId="1" nodeType="clickEffect">
                                   <p:stCondLst>
                                     <p:cond delay="0"/>
                                   </p:stCondLst>
-                                  <p:iterate type="el" backwards="0">
+                                  <p:iterate>
                                     <p:tmAbs val="0"/>
                                   </p:iterate>
                                   <p:childTnLst>
@@ -9515,14 +10015,14 @@
                 </p:childTnLst>
               </p:cTn>
               <p:prevCondLst>
-                <p:cond evt="onPrev">
+                <p:cond evt="onPrev" delay="0">
                   <p:tgtEl>
                     <p:sldTgt/>
                   </p:tgtEl>
                 </p:cond>
               </p:prevCondLst>
               <p:nextCondLst>
-                <p:cond evt="onNext">
+                <p:cond evt="onNext" delay="0">
                   <p:tgtEl>
                     <p:sldTgt/>
                   </p:tgtEl>
@@ -9534,14 +10034,14 @@
       </p:par>
     </p:tnLst>
     <p:bldLst>
-      <p:bldP build="p" bldLvl="1" animBg="1" rev="0" advAuto="0" spid="126" grpId="1"/>
+      <p:bldP spid="126" grpId="1" build="p" animBg="1" advAuto="0"/>
     </p:bldLst>
   </p:timing>
 </p:sld>
 </file>
 
 <file path=ppt/slides/slide4.xml><?xml version="1.0" encoding="utf-8"?>
-<p:sld xmlns:a="http://schemas.openxmlformats.org/drawingml/2006/main" xmlns:r="http://schemas.openxmlformats.org/officeDocument/2006/relationships" xmlns:p="http://schemas.openxmlformats.org/presentationml/2006/main" showMasterSp="1" showMasterPhAnim="1">
+<p:sld xmlns:a="http://schemas.openxmlformats.org/drawingml/2006/main" xmlns:r="http://schemas.openxmlformats.org/officeDocument/2006/relationships" xmlns:p="http://schemas.openxmlformats.org/presentationml/2006/main">
   <p:cSld>
     <p:spTree>
       <p:nvGrpSpPr>
@@ -9623,6 +10123,7 @@
                 </a:solidFill>
               </a:defRPr>
             </a:pPr>
+            <a:endParaRPr/>
           </a:p>
         </p:txBody>
       </p:sp>
@@ -9654,6 +10155,7 @@
             <a:pPr>
               <a:defRPr sz="3600"/>
             </a:pPr>
+            <a:endParaRPr/>
           </a:p>
         </p:txBody>
       </p:sp>
@@ -9694,6 +10196,7 @@
                 </a:solidFill>
               </a:defRPr>
             </a:pPr>
+            <a:endParaRPr/>
           </a:p>
         </p:txBody>
       </p:sp>
@@ -9702,12 +10205,19 @@
   <p:clrMapOvr>
     <a:masterClrMapping/>
   </p:clrMapOvr>
-  <p:transition xmlns:p14="http://schemas.microsoft.com/office/powerpoint/2010/main" spd="med" advClick="1"/>
+  <p:transition spd="med"/>
+  <p:timing>
+    <p:tnLst>
+      <p:par>
+        <p:cTn id="1" dur="indefinite" restart="never" nodeType="tmRoot"/>
+      </p:par>
+    </p:tnLst>
+  </p:timing>
 </p:sld>
 </file>
 
 <file path=ppt/slides/slide5.xml><?xml version="1.0" encoding="utf-8"?>
-<p:sld xmlns:a="http://schemas.openxmlformats.org/drawingml/2006/main" xmlns:r="http://schemas.openxmlformats.org/officeDocument/2006/relationships" xmlns:p="http://schemas.openxmlformats.org/presentationml/2006/main" showMasterSp="1" showMasterPhAnim="1">
+<p:sld xmlns:a="http://schemas.openxmlformats.org/drawingml/2006/main" xmlns:r="http://schemas.openxmlformats.org/officeDocument/2006/relationships" xmlns:p="http://schemas.openxmlformats.org/presentationml/2006/main">
   <p:cSld>
     <p:spTree>
       <p:nvGrpSpPr>
@@ -9786,6 +10296,7 @@
                 </a:solidFill>
               </a:defRPr>
             </a:pPr>
+            <a:endParaRPr/>
           </a:p>
         </p:txBody>
       </p:sp>
@@ -9817,6 +10328,7 @@
             <a:pPr>
               <a:defRPr sz="3600"/>
             </a:pPr>
+            <a:endParaRPr/>
           </a:p>
         </p:txBody>
       </p:sp>
@@ -9854,6 +10366,7 @@
                 </a:solidFill>
               </a:defRPr>
             </a:pPr>
+            <a:endParaRPr/>
           </a:p>
         </p:txBody>
       </p:sp>
@@ -9894,6 +10407,7 @@
                 </a:solidFill>
               </a:defRPr>
             </a:pPr>
+            <a:endParaRPr/>
           </a:p>
         </p:txBody>
       </p:sp>
@@ -9925,6 +10439,7 @@
             <a:pPr>
               <a:defRPr sz="3600"/>
             </a:pPr>
+            <a:endParaRPr/>
           </a:p>
         </p:txBody>
       </p:sp>
@@ -9933,12 +10448,19 @@
   <p:clrMapOvr>
     <a:masterClrMapping/>
   </p:clrMapOvr>
-  <p:transition xmlns:p14="http://schemas.microsoft.com/office/powerpoint/2010/main" spd="med" advClick="1"/>
+  <p:transition spd="med"/>
+  <p:timing>
+    <p:tnLst>
+      <p:par>
+        <p:cTn id="1" dur="indefinite" restart="never" nodeType="tmRoot"/>
+      </p:par>
+    </p:tnLst>
+  </p:timing>
 </p:sld>
 </file>
 
 <file path=ppt/slides/slide6.xml><?xml version="1.0" encoding="utf-8"?>
-<p:sld xmlns:a="http://schemas.openxmlformats.org/drawingml/2006/main" xmlns:r="http://schemas.openxmlformats.org/officeDocument/2006/relationships" xmlns:p="http://schemas.openxmlformats.org/presentationml/2006/main" showMasterSp="1" showMasterPhAnim="1">
+<p:sld xmlns:a="http://schemas.openxmlformats.org/drawingml/2006/main" xmlns:r="http://schemas.openxmlformats.org/officeDocument/2006/relationships" xmlns:p="http://schemas.openxmlformats.org/presentationml/2006/main">
   <p:cSld>
     <p:spTree>
       <p:nvGrpSpPr>
@@ -10017,6 +10539,7 @@
                 </a:solidFill>
               </a:defRPr>
             </a:pPr>
+            <a:endParaRPr/>
           </a:p>
         </p:txBody>
       </p:sp>
@@ -10048,6 +10571,7 @@
             <a:pPr>
               <a:defRPr sz="3600"/>
             </a:pPr>
+            <a:endParaRPr/>
           </a:p>
         </p:txBody>
       </p:sp>
@@ -10085,6 +10609,7 @@
                 </a:solidFill>
               </a:defRPr>
             </a:pPr>
+            <a:endParaRPr/>
           </a:p>
         </p:txBody>
       </p:sp>
@@ -10122,6 +10647,7 @@
                 </a:solidFill>
               </a:defRPr>
             </a:pPr>
+            <a:endParaRPr/>
           </a:p>
         </p:txBody>
       </p:sp>
@@ -10153,6 +10679,7 @@
             <a:pPr>
               <a:defRPr sz="3600"/>
             </a:pPr>
+            <a:endParaRPr/>
           </a:p>
         </p:txBody>
       </p:sp>
@@ -10193,6 +10720,7 @@
                 </a:solidFill>
               </a:defRPr>
             </a:pPr>
+            <a:endParaRPr/>
           </a:p>
         </p:txBody>
       </p:sp>
@@ -10224,6 +10752,7 @@
             <a:pPr>
               <a:defRPr sz="3600"/>
             </a:pPr>
+            <a:endParaRPr/>
           </a:p>
         </p:txBody>
       </p:sp>
@@ -10232,12 +10761,19 @@
   <p:clrMapOvr>
     <a:masterClrMapping/>
   </p:clrMapOvr>
-  <p:transition xmlns:p14="http://schemas.microsoft.com/office/powerpoint/2010/main" spd="med" advClick="1"/>
+  <p:transition spd="med"/>
+  <p:timing>
+    <p:tnLst>
+      <p:par>
+        <p:cTn id="1" dur="indefinite" restart="never" nodeType="tmRoot"/>
+      </p:par>
+    </p:tnLst>
+  </p:timing>
 </p:sld>
 </file>
 
 <file path=ppt/slides/slide7.xml><?xml version="1.0" encoding="utf-8"?>
-<p:sld xmlns:a="http://schemas.openxmlformats.org/drawingml/2006/main" xmlns:r="http://schemas.openxmlformats.org/officeDocument/2006/relationships" xmlns:p="http://schemas.openxmlformats.org/presentationml/2006/main" showMasterSp="1" showMasterPhAnim="1">
+<p:sld xmlns:a="http://schemas.openxmlformats.org/drawingml/2006/main" xmlns:r="http://schemas.openxmlformats.org/officeDocument/2006/relationships" xmlns:p="http://schemas.openxmlformats.org/presentationml/2006/main">
   <p:cSld>
     <p:spTree>
       <p:nvGrpSpPr>
@@ -10316,6 +10852,7 @@
                 </a:solidFill>
               </a:defRPr>
             </a:pPr>
+            <a:endParaRPr/>
           </a:p>
         </p:txBody>
       </p:sp>
@@ -10347,6 +10884,7 @@
             <a:pPr>
               <a:defRPr sz="3600"/>
             </a:pPr>
+            <a:endParaRPr/>
           </a:p>
         </p:txBody>
       </p:sp>
@@ -10384,6 +10922,7 @@
                 </a:solidFill>
               </a:defRPr>
             </a:pPr>
+            <a:endParaRPr/>
           </a:p>
         </p:txBody>
       </p:sp>
@@ -10421,6 +10960,7 @@
                 </a:solidFill>
               </a:defRPr>
             </a:pPr>
+            <a:endParaRPr/>
           </a:p>
         </p:txBody>
       </p:sp>
@@ -10452,6 +10992,7 @@
             <a:pPr>
               <a:defRPr sz="3600"/>
             </a:pPr>
+            <a:endParaRPr/>
           </a:p>
         </p:txBody>
       </p:sp>
@@ -10489,6 +11030,7 @@
                 </a:solidFill>
               </a:defRPr>
             </a:pPr>
+            <a:endParaRPr/>
           </a:p>
         </p:txBody>
       </p:sp>
@@ -10520,6 +11062,7 @@
             <a:pPr>
               <a:defRPr sz="3600"/>
             </a:pPr>
+            <a:endParaRPr/>
           </a:p>
         </p:txBody>
       </p:sp>
@@ -10551,6 +11094,7 @@
             <a:pPr>
               <a:defRPr sz="3600"/>
             </a:pPr>
+            <a:endParaRPr/>
           </a:p>
         </p:txBody>
       </p:sp>
@@ -10585,7 +11129,7 @@
             </a:cxnLst>
             <a:rect l="0" t="0" r="r" b="b"/>
             <a:pathLst>
-              <a:path w="21484" h="21548" fill="norm" stroke="1" extrusionOk="0">
+              <a:path w="21484" h="21548" extrusionOk="0">
                 <a:moveTo>
                   <a:pt x="18655" y="0"/>
                 </a:moveTo>
@@ -10846,6 +11390,7 @@
                 </a:solidFill>
               </a:defRPr>
             </a:pPr>
+            <a:endParaRPr/>
           </a:p>
         </p:txBody>
       </p:sp>
@@ -10854,12 +11399,19 @@
   <p:clrMapOvr>
     <a:masterClrMapping/>
   </p:clrMapOvr>
-  <p:transition xmlns:p14="http://schemas.microsoft.com/office/powerpoint/2010/main" spd="med" advClick="1"/>
+  <p:transition spd="med"/>
+  <p:timing>
+    <p:tnLst>
+      <p:par>
+        <p:cTn id="1" dur="indefinite" restart="never" nodeType="tmRoot"/>
+      </p:par>
+    </p:tnLst>
+  </p:timing>
 </p:sld>
 </file>
 
 <file path=ppt/slides/slide8.xml><?xml version="1.0" encoding="utf-8"?>
-<p:sld xmlns:a="http://schemas.openxmlformats.org/drawingml/2006/main" xmlns:r="http://schemas.openxmlformats.org/officeDocument/2006/relationships" xmlns:p="http://schemas.openxmlformats.org/presentationml/2006/main" showMasterSp="1" showMasterPhAnim="1">
+<p:sld xmlns:a="http://schemas.openxmlformats.org/drawingml/2006/main" xmlns:r="http://schemas.openxmlformats.org/officeDocument/2006/relationships" xmlns:p="http://schemas.openxmlformats.org/presentationml/2006/main">
   <p:cSld>
     <p:spTree>
       <p:nvGrpSpPr>
@@ -10938,6 +11490,7 @@
                 </a:solidFill>
               </a:defRPr>
             </a:pPr>
+            <a:endParaRPr/>
           </a:p>
         </p:txBody>
       </p:sp>
@@ -10969,6 +11522,7 @@
             <a:pPr>
               <a:defRPr sz="3600"/>
             </a:pPr>
+            <a:endParaRPr/>
           </a:p>
         </p:txBody>
       </p:sp>
@@ -11006,6 +11560,7 @@
                 </a:solidFill>
               </a:defRPr>
             </a:pPr>
+            <a:endParaRPr/>
           </a:p>
         </p:txBody>
       </p:sp>
@@ -11043,6 +11598,7 @@
                 </a:solidFill>
               </a:defRPr>
             </a:pPr>
+            <a:endParaRPr/>
           </a:p>
         </p:txBody>
       </p:sp>
@@ -11074,6 +11630,7 @@
             <a:pPr>
               <a:defRPr sz="3600"/>
             </a:pPr>
+            <a:endParaRPr/>
           </a:p>
         </p:txBody>
       </p:sp>
@@ -11111,6 +11668,7 @@
                 </a:solidFill>
               </a:defRPr>
             </a:pPr>
+            <a:endParaRPr/>
           </a:p>
         </p:txBody>
       </p:sp>
@@ -11142,6 +11700,7 @@
             <a:pPr>
               <a:defRPr sz="3600"/>
             </a:pPr>
+            <a:endParaRPr/>
           </a:p>
         </p:txBody>
       </p:sp>
@@ -11173,6 +11732,7 @@
             <a:pPr>
               <a:defRPr sz="3600"/>
             </a:pPr>
+            <a:endParaRPr/>
           </a:p>
         </p:txBody>
       </p:sp>
@@ -11207,7 +11767,7 @@
             </a:cxnLst>
             <a:rect l="0" t="0" r="r" b="b"/>
             <a:pathLst>
-              <a:path w="21484" h="21548" fill="norm" stroke="1" extrusionOk="0">
+              <a:path w="21484" h="21548" extrusionOk="0">
                 <a:moveTo>
                   <a:pt x="18655" y="0"/>
                 </a:moveTo>
@@ -11468,6 +12028,7 @@
                 </a:solidFill>
               </a:defRPr>
             </a:pPr>
+            <a:endParaRPr/>
           </a:p>
         </p:txBody>
       </p:sp>
@@ -11499,6 +12060,7 @@
             <a:pPr>
               <a:defRPr sz="3600"/>
             </a:pPr>
+            <a:endParaRPr/>
           </a:p>
         </p:txBody>
       </p:sp>
@@ -11533,7 +12095,7 @@
             </a:cxnLst>
             <a:rect l="0" t="0" r="r" b="b"/>
             <a:pathLst>
-              <a:path w="21484" h="21548" fill="norm" stroke="1" extrusionOk="0">
+              <a:path w="21484" h="21548" extrusionOk="0">
                 <a:moveTo>
                   <a:pt x="18655" y="0"/>
                 </a:moveTo>
@@ -11794,6 +12356,7 @@
                 </a:solidFill>
               </a:defRPr>
             </a:pPr>
+            <a:endParaRPr/>
           </a:p>
         </p:txBody>
       </p:sp>
@@ -11802,12 +12365,19 @@
   <p:clrMapOvr>
     <a:masterClrMapping/>
   </p:clrMapOvr>
-  <p:transition xmlns:p14="http://schemas.microsoft.com/office/powerpoint/2010/main" spd="med" advClick="1"/>
+  <p:transition spd="med"/>
+  <p:timing>
+    <p:tnLst>
+      <p:par>
+        <p:cTn id="1" dur="indefinite" restart="never" nodeType="tmRoot"/>
+      </p:par>
+    </p:tnLst>
+  </p:timing>
 </p:sld>
 </file>
 
 <file path=ppt/slides/slide9.xml><?xml version="1.0" encoding="utf-8"?>
-<p:sld xmlns:a="http://schemas.openxmlformats.org/drawingml/2006/main" xmlns:r="http://schemas.openxmlformats.org/officeDocument/2006/relationships" xmlns:p="http://schemas.openxmlformats.org/presentationml/2006/main" showMasterSp="1" showMasterPhAnim="1">
+<p:sld xmlns:a="http://schemas.openxmlformats.org/drawingml/2006/main" xmlns:r="http://schemas.openxmlformats.org/officeDocument/2006/relationships" xmlns:p="http://schemas.openxmlformats.org/presentationml/2006/main">
   <p:cSld>
     <p:spTree>
       <p:nvGrpSpPr>
@@ -11886,6 +12456,7 @@
                 </a:solidFill>
               </a:defRPr>
             </a:pPr>
+            <a:endParaRPr/>
           </a:p>
         </p:txBody>
       </p:sp>
@@ -11917,6 +12488,7 @@
             <a:pPr>
               <a:defRPr sz="3600"/>
             </a:pPr>
+            <a:endParaRPr/>
           </a:p>
         </p:txBody>
       </p:sp>
@@ -11954,6 +12526,7 @@
                 </a:solidFill>
               </a:defRPr>
             </a:pPr>
+            <a:endParaRPr/>
           </a:p>
         </p:txBody>
       </p:sp>
@@ -11991,6 +12564,7 @@
                 </a:solidFill>
               </a:defRPr>
             </a:pPr>
+            <a:endParaRPr/>
           </a:p>
         </p:txBody>
       </p:sp>
@@ -12022,6 +12596,7 @@
             <a:pPr>
               <a:defRPr sz="3600"/>
             </a:pPr>
+            <a:endParaRPr/>
           </a:p>
         </p:txBody>
       </p:sp>
@@ -12059,6 +12634,7 @@
                 </a:solidFill>
               </a:defRPr>
             </a:pPr>
+            <a:endParaRPr/>
           </a:p>
         </p:txBody>
       </p:sp>
@@ -12090,6 +12666,7 @@
             <a:pPr>
               <a:defRPr sz="3600"/>
             </a:pPr>
+            <a:endParaRPr/>
           </a:p>
         </p:txBody>
       </p:sp>
@@ -12121,6 +12698,7 @@
             <a:pPr>
               <a:defRPr sz="3600"/>
             </a:pPr>
+            <a:endParaRPr/>
           </a:p>
         </p:txBody>
       </p:sp>
@@ -12155,7 +12733,7 @@
             </a:cxnLst>
             <a:rect l="0" t="0" r="r" b="b"/>
             <a:pathLst>
-              <a:path w="21484" h="21548" fill="norm" stroke="1" extrusionOk="0">
+              <a:path w="21484" h="21548" extrusionOk="0">
                 <a:moveTo>
                   <a:pt x="18655" y="0"/>
                 </a:moveTo>
@@ -12416,6 +12994,7 @@
                 </a:solidFill>
               </a:defRPr>
             </a:pPr>
+            <a:endParaRPr/>
           </a:p>
         </p:txBody>
       </p:sp>
@@ -12447,6 +13026,7 @@
             <a:pPr>
               <a:defRPr sz="3600"/>
             </a:pPr>
+            <a:endParaRPr/>
           </a:p>
         </p:txBody>
       </p:sp>
@@ -12481,7 +13061,7 @@
             </a:cxnLst>
             <a:rect l="0" t="0" r="r" b="b"/>
             <a:pathLst>
-              <a:path w="21484" h="21548" fill="norm" stroke="1" extrusionOk="0">
+              <a:path w="21484" h="21548" extrusionOk="0">
                 <a:moveTo>
                   <a:pt x="18655" y="0"/>
                 </a:moveTo>
@@ -12742,34 +13322,10 @@
                 </a:solidFill>
               </a:defRPr>
             </a:pPr>
-          </a:p>
-        </p:txBody>
-      </p:sp>
-      <p:cxnSp>
-        <p:nvCxnSpPr>
-          <p:cNvPr id="186" name="連接線"/>
-          <p:cNvCxnSpPr>
-            <a:stCxn id="177" idx="0"/>
-            <a:endCxn id="187" idx="0"/>
-          </p:cNvCxnSpPr>
-          <p:nvPr/>
-        </p:nvCxnSpPr>
-        <p:spPr>
-          <a:xfrm flipV="1">
-            <a:off x="5808133" y="3378199"/>
-            <a:ext cx="4783667" cy="4546602"/>
-          </a:xfrm>
-          <a:prstGeom prst="straightConnector1">
-            <a:avLst/>
-          </a:prstGeom>
-          <a:ln w="215900">
-            <a:solidFill>
-              <a:srgbClr val="B8778D"/>
-            </a:solidFill>
-            <a:miter lim="400000"/>
-          </a:ln>
-        </p:spPr>
-      </p:cxnSp>
+            <a:endParaRPr/>
+          </a:p>
+        </p:txBody>
+      </p:sp>
       <p:sp>
         <p:nvSpPr>
           <p:cNvPr id="187" name="圓形"/>
@@ -12807,20 +13363,66 @@
                 </a:solidFill>
               </a:defRPr>
             </a:pPr>
-          </a:p>
-        </p:txBody>
-      </p:sp>
+            <a:endParaRPr/>
+          </a:p>
+        </p:txBody>
+      </p:sp>
+      <p:cxnSp>
+        <p:nvCxnSpPr>
+          <p:cNvPr id="3" name="弧形接點 2"/>
+          <p:cNvCxnSpPr/>
+          <p:nvPr/>
+        </p:nvCxnSpPr>
+        <p:spPr>
+          <a:xfrm rot="5400000">
+            <a:off x="6504881" y="3803584"/>
+            <a:ext cx="3911601" cy="4148666"/>
+          </a:xfrm>
+          <a:prstGeom prst="curvedConnector2">
+            <a:avLst/>
+          </a:prstGeom>
+          <a:noFill/>
+          <a:ln w="203200" cap="flat">
+            <a:solidFill>
+              <a:srgbClr val="AE7D8F"/>
+            </a:solidFill>
+            <a:prstDash val="solid"/>
+            <a:miter lim="400000"/>
+          </a:ln>
+          <a:effectLst/>
+          <a:sp3d/>
+        </p:spPr>
+        <p:style>
+          <a:lnRef idx="0">
+            <a:scrgbClr r="0" g="0" b="0"/>
+          </a:lnRef>
+          <a:fillRef idx="0">
+            <a:scrgbClr r="0" g="0" b="0"/>
+          </a:fillRef>
+          <a:effectRef idx="0">
+            <a:scrgbClr r="0" g="0" b="0"/>
+          </a:effectRef>
+          <a:fontRef idx="none"/>
+        </p:style>
+      </p:cxnSp>
     </p:spTree>
   </p:cSld>
   <p:clrMapOvr>
     <a:masterClrMapping/>
   </p:clrMapOvr>
-  <p:transition xmlns:p14="http://schemas.microsoft.com/office/powerpoint/2010/main" spd="med" advClick="1"/>
+  <p:transition spd="med"/>
+  <p:timing>
+    <p:tnLst>
+      <p:par>
+        <p:cTn id="1" dur="indefinite" restart="never" nodeType="tmRoot"/>
+      </p:par>
+    </p:tnLst>
+  </p:timing>
 </p:sld>
 </file>
 
 <file path=ppt/theme/theme1.xml><?xml version="1.0" encoding="utf-8"?>
-<a:theme xmlns:a="http://schemas.openxmlformats.org/drawingml/2006/main" xmlns:r="http://schemas.openxmlformats.org/officeDocument/2006/relationships" name="GraphPaper">
+<a:theme xmlns:a="http://schemas.openxmlformats.org/drawingml/2006/main" name="GraphPaper">
   <a:themeElements>
     <a:clrScheme name="GraphPaper">
       <a:dk1>
@@ -13024,7 +13626,7 @@
         <a:effectLst/>
         <a:sp3d/>
       </a:spPr>
-      <a:bodyPr rot="0" spcFirstLastPara="1" vertOverflow="overflow" horzOverflow="overflow" vert="horz" wrap="square" lIns="50800" tIns="50800" rIns="50800" bIns="50800" numCol="1" spcCol="38100" rtlCol="0" anchor="ctr" upright="0">
+      <a:bodyPr rot="0" spcFirstLastPara="1" vertOverflow="overflow" horzOverflow="overflow" vert="horz" wrap="square" lIns="50800" tIns="50800" rIns="50800" bIns="50800" numCol="1" spcCol="38100" rtlCol="0" anchor="ctr">
         <a:spAutoFit/>
       </a:bodyPr>
       <a:lstStyle>
@@ -13043,7 +13645,7 @@
           <a:buFontTx/>
           <a:buNone/>
           <a:tabLst/>
-          <a:defRPr b="0" baseline="0" cap="none" i="0" spc="0" strike="noStrike" sz="3600" u="none" kumimoji="0" normalizeH="0">
+          <a:defRPr kumimoji="0" sz="3600" b="0" i="0" u="none" strike="noStrike" cap="none" spc="0" normalizeH="0" baseline="0">
             <a:ln>
               <a:noFill/>
             </a:ln>
@@ -13073,7 +13675,7 @@
           <a:buFontTx/>
           <a:buNone/>
           <a:tabLst/>
-          <a:defRPr b="0" baseline="0" cap="none" i="0" spc="0" strike="noStrike" sz="1800" u="none" kumimoji="0" normalizeH="0">
+          <a:defRPr kumimoji="0" sz="1800" b="0" i="0" u="none" strike="noStrike" cap="none" spc="0" normalizeH="0" baseline="0">
             <a:ln>
               <a:noFill/>
             </a:ln>
@@ -13099,7 +13701,7 @@
           <a:buFontTx/>
           <a:buNone/>
           <a:tabLst/>
-          <a:defRPr b="0" baseline="0" cap="none" i="0" spc="0" strike="noStrike" sz="1800" u="none" kumimoji="0" normalizeH="0">
+          <a:defRPr kumimoji="0" sz="1800" b="0" i="0" u="none" strike="noStrike" cap="none" spc="0" normalizeH="0" baseline="0">
             <a:ln>
               <a:noFill/>
             </a:ln>
@@ -13125,7 +13727,7 @@
           <a:buFontTx/>
           <a:buNone/>
           <a:tabLst/>
-          <a:defRPr b="0" baseline="0" cap="none" i="0" spc="0" strike="noStrike" sz="1800" u="none" kumimoji="0" normalizeH="0">
+          <a:defRPr kumimoji="0" sz="1800" b="0" i="0" u="none" strike="noStrike" cap="none" spc="0" normalizeH="0" baseline="0">
             <a:ln>
               <a:noFill/>
             </a:ln>
@@ -13151,7 +13753,7 @@
           <a:buFontTx/>
           <a:buNone/>
           <a:tabLst/>
-          <a:defRPr b="0" baseline="0" cap="none" i="0" spc="0" strike="noStrike" sz="1800" u="none" kumimoji="0" normalizeH="0">
+          <a:defRPr kumimoji="0" sz="1800" b="0" i="0" u="none" strike="noStrike" cap="none" spc="0" normalizeH="0" baseline="0">
             <a:ln>
               <a:noFill/>
             </a:ln>
@@ -13177,7 +13779,7 @@
           <a:buFontTx/>
           <a:buNone/>
           <a:tabLst/>
-          <a:defRPr b="0" baseline="0" cap="none" i="0" spc="0" strike="noStrike" sz="1800" u="none" kumimoji="0" normalizeH="0">
+          <a:defRPr kumimoji="0" sz="1800" b="0" i="0" u="none" strike="noStrike" cap="none" spc="0" normalizeH="0" baseline="0">
             <a:ln>
               <a:noFill/>
             </a:ln>
@@ -13203,7 +13805,7 @@
           <a:buFontTx/>
           <a:buNone/>
           <a:tabLst/>
-          <a:defRPr b="0" baseline="0" cap="none" i="0" spc="0" strike="noStrike" sz="1800" u="none" kumimoji="0" normalizeH="0">
+          <a:defRPr kumimoji="0" sz="1800" b="0" i="0" u="none" strike="noStrike" cap="none" spc="0" normalizeH="0" baseline="0">
             <a:ln>
               <a:noFill/>
             </a:ln>
@@ -13229,7 +13831,7 @@
           <a:buFontTx/>
           <a:buNone/>
           <a:tabLst/>
-          <a:defRPr b="0" baseline="0" cap="none" i="0" spc="0" strike="noStrike" sz="1800" u="none" kumimoji="0" normalizeH="0">
+          <a:defRPr kumimoji="0" sz="1800" b="0" i="0" u="none" strike="noStrike" cap="none" spc="0" normalizeH="0" baseline="0">
             <a:ln>
               <a:noFill/>
             </a:ln>
@@ -13255,7 +13857,7 @@
           <a:buFontTx/>
           <a:buNone/>
           <a:tabLst/>
-          <a:defRPr b="0" baseline="0" cap="none" i="0" spc="0" strike="noStrike" sz="1800" u="none" kumimoji="0" normalizeH="0">
+          <a:defRPr kumimoji="0" sz="1800" b="0" i="0" u="none" strike="noStrike" cap="none" spc="0" normalizeH="0" baseline="0">
             <a:ln>
               <a:noFill/>
             </a:ln>
@@ -13281,7 +13883,7 @@
           <a:buFontTx/>
           <a:buNone/>
           <a:tabLst/>
-          <a:defRPr b="0" baseline="0" cap="none" i="0" spc="0" strike="noStrike" sz="1800" u="none" kumimoji="0" normalizeH="0">
+          <a:defRPr kumimoji="0" sz="1800" b="0" i="0" u="none" strike="noStrike" cap="none" spc="0" normalizeH="0" baseline="0">
             <a:ln>
               <a:noFill/>
             </a:ln>
@@ -13294,9 +13896,15 @@
         </a:lvl9pPr>
       </a:lstStyle>
       <a:style>
-        <a:lnRef idx="0"/>
-        <a:fillRef idx="0"/>
-        <a:effectRef idx="0"/>
+        <a:lnRef idx="0">
+          <a:scrgbClr r="0" g="0" b="0"/>
+        </a:lnRef>
+        <a:fillRef idx="0">
+          <a:scrgbClr r="0" g="0" b="0"/>
+        </a:fillRef>
+        <a:effectRef idx="0">
+          <a:scrgbClr r="0" g="0" b="0"/>
+        </a:effectRef>
         <a:fontRef idx="none"/>
       </a:style>
     </a:spDef>
@@ -13313,7 +13921,7 @@
         <a:effectLst/>
         <a:sp3d/>
       </a:spPr>
-      <a:bodyPr rot="0" spcFirstLastPara="1" vertOverflow="overflow" horzOverflow="overflow" vert="horz" wrap="square" lIns="91439" tIns="45719" rIns="91439" bIns="45719" numCol="1" spcCol="38100" rtlCol="0" anchor="t" upright="0">
+      <a:bodyPr rot="0" spcFirstLastPara="1" vertOverflow="overflow" horzOverflow="overflow" vert="horz" wrap="square" lIns="91439" tIns="45719" rIns="91439" bIns="45719" numCol="1" spcCol="38100" rtlCol="0" anchor="t">
         <a:noAutofit/>
       </a:bodyPr>
       <a:lstStyle>
@@ -13332,7 +13940,7 @@
           <a:buFontTx/>
           <a:buNone/>
           <a:tabLst/>
-          <a:defRPr b="0" baseline="0" cap="none" i="0" spc="0" strike="noStrike" sz="1800" u="none" kumimoji="0" normalizeH="0">
+          <a:defRPr kumimoji="0" sz="1800" b="0" i="0" u="none" strike="noStrike" cap="none" spc="0" normalizeH="0" baseline="0">
             <a:ln>
               <a:noFill/>
             </a:ln>
@@ -13358,7 +13966,7 @@
           <a:buFontTx/>
           <a:buNone/>
           <a:tabLst/>
-          <a:defRPr b="0" baseline="0" cap="none" i="0" spc="0" strike="noStrike" sz="1800" u="none" kumimoji="0" normalizeH="0">
+          <a:defRPr kumimoji="0" sz="1800" b="0" i="0" u="none" strike="noStrike" cap="none" spc="0" normalizeH="0" baseline="0">
             <a:ln>
               <a:noFill/>
             </a:ln>
@@ -13384,7 +13992,7 @@
           <a:buFontTx/>
           <a:buNone/>
           <a:tabLst/>
-          <a:defRPr b="0" baseline="0" cap="none" i="0" spc="0" strike="noStrike" sz="1800" u="none" kumimoji="0" normalizeH="0">
+          <a:defRPr kumimoji="0" sz="1800" b="0" i="0" u="none" strike="noStrike" cap="none" spc="0" normalizeH="0" baseline="0">
             <a:ln>
               <a:noFill/>
             </a:ln>
@@ -13410,7 +14018,7 @@
           <a:buFontTx/>
           <a:buNone/>
           <a:tabLst/>
-          <a:defRPr b="0" baseline="0" cap="none" i="0" spc="0" strike="noStrike" sz="1800" u="none" kumimoji="0" normalizeH="0">
+          <a:defRPr kumimoji="0" sz="1800" b="0" i="0" u="none" strike="noStrike" cap="none" spc="0" normalizeH="0" baseline="0">
             <a:ln>
               <a:noFill/>
             </a:ln>
@@ -13436,7 +14044,7 @@
           <a:buFontTx/>
           <a:buNone/>
           <a:tabLst/>
-          <a:defRPr b="0" baseline="0" cap="none" i="0" spc="0" strike="noStrike" sz="1800" u="none" kumimoji="0" normalizeH="0">
+          <a:defRPr kumimoji="0" sz="1800" b="0" i="0" u="none" strike="noStrike" cap="none" spc="0" normalizeH="0" baseline="0">
             <a:ln>
               <a:noFill/>
             </a:ln>
@@ -13462,7 +14070,7 @@
           <a:buFontTx/>
           <a:buNone/>
           <a:tabLst/>
-          <a:defRPr b="0" baseline="0" cap="none" i="0" spc="0" strike="noStrike" sz="1800" u="none" kumimoji="0" normalizeH="0">
+          <a:defRPr kumimoji="0" sz="1800" b="0" i="0" u="none" strike="noStrike" cap="none" spc="0" normalizeH="0" baseline="0">
             <a:ln>
               <a:noFill/>
             </a:ln>
@@ -13488,7 +14096,7 @@
           <a:buFontTx/>
           <a:buNone/>
           <a:tabLst/>
-          <a:defRPr b="0" baseline="0" cap="none" i="0" spc="0" strike="noStrike" sz="1800" u="none" kumimoji="0" normalizeH="0">
+          <a:defRPr kumimoji="0" sz="1800" b="0" i="0" u="none" strike="noStrike" cap="none" spc="0" normalizeH="0" baseline="0">
             <a:ln>
               <a:noFill/>
             </a:ln>
@@ -13514,7 +14122,7 @@
           <a:buFontTx/>
           <a:buNone/>
           <a:tabLst/>
-          <a:defRPr b="0" baseline="0" cap="none" i="0" spc="0" strike="noStrike" sz="1800" u="none" kumimoji="0" normalizeH="0">
+          <a:defRPr kumimoji="0" sz="1800" b="0" i="0" u="none" strike="noStrike" cap="none" spc="0" normalizeH="0" baseline="0">
             <a:ln>
               <a:noFill/>
             </a:ln>
@@ -13540,7 +14148,7 @@
           <a:buFontTx/>
           <a:buNone/>
           <a:tabLst/>
-          <a:defRPr b="0" baseline="0" cap="none" i="0" spc="0" strike="noStrike" sz="1800" u="none" kumimoji="0" normalizeH="0">
+          <a:defRPr kumimoji="0" sz="1800" b="0" i="0" u="none" strike="noStrike" cap="none" spc="0" normalizeH="0" baseline="0">
             <a:ln>
               <a:noFill/>
             </a:ln>
@@ -13566,7 +14174,7 @@
           <a:buFontTx/>
           <a:buNone/>
           <a:tabLst/>
-          <a:defRPr b="0" baseline="0" cap="none" i="0" spc="0" strike="noStrike" sz="1800" u="none" kumimoji="0" normalizeH="0">
+          <a:defRPr kumimoji="0" sz="1800" b="0" i="0" u="none" strike="noStrike" cap="none" spc="0" normalizeH="0" baseline="0">
             <a:ln>
               <a:noFill/>
             </a:ln>
@@ -13579,9 +14187,15 @@
         </a:lvl9pPr>
       </a:lstStyle>
       <a:style>
-        <a:lnRef idx="0"/>
-        <a:fillRef idx="0"/>
-        <a:effectRef idx="0"/>
+        <a:lnRef idx="0">
+          <a:scrgbClr r="0" g="0" b="0"/>
+        </a:lnRef>
+        <a:fillRef idx="0">
+          <a:scrgbClr r="0" g="0" b="0"/>
+        </a:fillRef>
+        <a:effectRef idx="0">
+          <a:scrgbClr r="0" g="0" b="0"/>
+        </a:effectRef>
         <a:fontRef idx="none"/>
       </a:style>
     </a:lnDef>
@@ -13595,7 +14209,7 @@
         <a:effectLst/>
         <a:sp3d/>
       </a:spPr>
-      <a:bodyPr rot="0" spcFirstLastPara="1" vertOverflow="overflow" horzOverflow="overflow" vert="horz" wrap="square" lIns="50800" tIns="50800" rIns="50800" bIns="50800" numCol="1" spcCol="38100" rtlCol="0" anchor="ctr" upright="0">
+      <a:bodyPr rot="0" spcFirstLastPara="1" vertOverflow="overflow" horzOverflow="overflow" vert="horz" wrap="square" lIns="50800" tIns="50800" rIns="50800" bIns="50800" numCol="1" spcCol="38100" rtlCol="0" anchor="ctr">
         <a:spAutoFit/>
       </a:bodyPr>
       <a:lstStyle>
@@ -13614,7 +14228,7 @@
           <a:buFontTx/>
           <a:buNone/>
           <a:tabLst/>
-          <a:defRPr b="0" baseline="0" cap="none" i="0" spc="0" strike="noStrike" sz="4000" u="none" kumimoji="0" normalizeH="0">
+          <a:defRPr kumimoji="0" sz="4000" b="0" i="0" u="none" strike="noStrike" cap="none" spc="0" normalizeH="0" baseline="0">
             <a:ln>
               <a:noFill/>
             </a:ln>
@@ -13644,7 +14258,7 @@
           <a:buFontTx/>
           <a:buNone/>
           <a:tabLst/>
-          <a:defRPr b="0" baseline="0" cap="none" i="0" spc="0" strike="noStrike" sz="1800" u="none" kumimoji="0" normalizeH="0">
+          <a:defRPr kumimoji="0" sz="1800" b="0" i="0" u="none" strike="noStrike" cap="none" spc="0" normalizeH="0" baseline="0">
             <a:ln>
               <a:noFill/>
             </a:ln>
@@ -13670,7 +14284,7 @@
           <a:buFontTx/>
           <a:buNone/>
           <a:tabLst/>
-          <a:defRPr b="0" baseline="0" cap="none" i="0" spc="0" strike="noStrike" sz="1800" u="none" kumimoji="0" normalizeH="0">
+          <a:defRPr kumimoji="0" sz="1800" b="0" i="0" u="none" strike="noStrike" cap="none" spc="0" normalizeH="0" baseline="0">
             <a:ln>
               <a:noFill/>
             </a:ln>
@@ -13696,7 +14310,7 @@
           <a:buFontTx/>
           <a:buNone/>
           <a:tabLst/>
-          <a:defRPr b="0" baseline="0" cap="none" i="0" spc="0" strike="noStrike" sz="1800" u="none" kumimoji="0" normalizeH="0">
+          <a:defRPr kumimoji="0" sz="1800" b="0" i="0" u="none" strike="noStrike" cap="none" spc="0" normalizeH="0" baseline="0">
             <a:ln>
               <a:noFill/>
             </a:ln>
@@ -13722,7 +14336,7 @@
           <a:buFontTx/>
           <a:buNone/>
           <a:tabLst/>
-          <a:defRPr b="0" baseline="0" cap="none" i="0" spc="0" strike="noStrike" sz="1800" u="none" kumimoji="0" normalizeH="0">
+          <a:defRPr kumimoji="0" sz="1800" b="0" i="0" u="none" strike="noStrike" cap="none" spc="0" normalizeH="0" baseline="0">
             <a:ln>
               <a:noFill/>
             </a:ln>
@@ -13748,7 +14362,7 @@
           <a:buFontTx/>
           <a:buNone/>
           <a:tabLst/>
-          <a:defRPr b="0" baseline="0" cap="none" i="0" spc="0" strike="noStrike" sz="1800" u="none" kumimoji="0" normalizeH="0">
+          <a:defRPr kumimoji="0" sz="1800" b="0" i="0" u="none" strike="noStrike" cap="none" spc="0" normalizeH="0" baseline="0">
             <a:ln>
               <a:noFill/>
             </a:ln>
@@ -13774,7 +14388,7 @@
           <a:buFontTx/>
           <a:buNone/>
           <a:tabLst/>
-          <a:defRPr b="0" baseline="0" cap="none" i="0" spc="0" strike="noStrike" sz="1800" u="none" kumimoji="0" normalizeH="0">
+          <a:defRPr kumimoji="0" sz="1800" b="0" i="0" u="none" strike="noStrike" cap="none" spc="0" normalizeH="0" baseline="0">
             <a:ln>
               <a:noFill/>
             </a:ln>
@@ -13800,7 +14414,7 @@
           <a:buFontTx/>
           <a:buNone/>
           <a:tabLst/>
-          <a:defRPr b="0" baseline="0" cap="none" i="0" spc="0" strike="noStrike" sz="1800" u="none" kumimoji="0" normalizeH="0">
+          <a:defRPr kumimoji="0" sz="1800" b="0" i="0" u="none" strike="noStrike" cap="none" spc="0" normalizeH="0" baseline="0">
             <a:ln>
               <a:noFill/>
             </a:ln>
@@ -13826,7 +14440,7 @@
           <a:buFontTx/>
           <a:buNone/>
           <a:tabLst/>
-          <a:defRPr b="0" baseline="0" cap="none" i="0" spc="0" strike="noStrike" sz="1800" u="none" kumimoji="0" normalizeH="0">
+          <a:defRPr kumimoji="0" sz="1800" b="0" i="0" u="none" strike="noStrike" cap="none" spc="0" normalizeH="0" baseline="0">
             <a:ln>
               <a:noFill/>
             </a:ln>
@@ -13852,7 +14466,7 @@
           <a:buFontTx/>
           <a:buNone/>
           <a:tabLst/>
-          <a:defRPr b="0" baseline="0" cap="none" i="0" spc="0" strike="noStrike" sz="1800" u="none" kumimoji="0" normalizeH="0">
+          <a:defRPr kumimoji="0" sz="1800" b="0" i="0" u="none" strike="noStrike" cap="none" spc="0" normalizeH="0" baseline="0">
             <a:ln>
               <a:noFill/>
             </a:ln>
@@ -13865,18 +14479,25 @@
         </a:lvl9pPr>
       </a:lstStyle>
       <a:style>
-        <a:lnRef idx="0"/>
-        <a:fillRef idx="0"/>
-        <a:effectRef idx="0"/>
+        <a:lnRef idx="0">
+          <a:scrgbClr r="0" g="0" b="0"/>
+        </a:lnRef>
+        <a:fillRef idx="0">
+          <a:scrgbClr r="0" g="0" b="0"/>
+        </a:fillRef>
+        <a:effectRef idx="0">
+          <a:scrgbClr r="0" g="0" b="0"/>
+        </a:effectRef>
         <a:fontRef idx="none"/>
       </a:style>
     </a:txDef>
   </a:objectDefaults>
+  <a:extraClrSchemeLst/>
 </a:theme>
 </file>
 
 <file path=ppt/theme/theme2.xml><?xml version="1.0" encoding="utf-8"?>
-<a:theme xmlns:a="http://schemas.openxmlformats.org/drawingml/2006/main" xmlns:r="http://schemas.openxmlformats.org/officeDocument/2006/relationships" name="GraphPaper">
+<a:theme xmlns:a="http://schemas.openxmlformats.org/drawingml/2006/main" name="GraphPaper">
   <a:themeElements>
     <a:clrScheme name="GraphPaper">
       <a:dk1>
@@ -14080,7 +14701,7 @@
         <a:effectLst/>
         <a:sp3d/>
       </a:spPr>
-      <a:bodyPr rot="0" spcFirstLastPara="1" vertOverflow="overflow" horzOverflow="overflow" vert="horz" wrap="square" lIns="50800" tIns="50800" rIns="50800" bIns="50800" numCol="1" spcCol="38100" rtlCol="0" anchor="ctr" upright="0">
+      <a:bodyPr rot="0" spcFirstLastPara="1" vertOverflow="overflow" horzOverflow="overflow" vert="horz" wrap="square" lIns="50800" tIns="50800" rIns="50800" bIns="50800" numCol="1" spcCol="38100" rtlCol="0" anchor="ctr">
         <a:spAutoFit/>
       </a:bodyPr>
       <a:lstStyle>
@@ -14099,7 +14720,7 @@
           <a:buFontTx/>
           <a:buNone/>
           <a:tabLst/>
-          <a:defRPr b="0" baseline="0" cap="none" i="0" spc="0" strike="noStrike" sz="3600" u="none" kumimoji="0" normalizeH="0">
+          <a:defRPr kumimoji="0" sz="3600" b="0" i="0" u="none" strike="noStrike" cap="none" spc="0" normalizeH="0" baseline="0">
             <a:ln>
               <a:noFill/>
             </a:ln>
@@ -14129,7 +14750,7 @@
           <a:buFontTx/>
           <a:buNone/>
           <a:tabLst/>
-          <a:defRPr b="0" baseline="0" cap="none" i="0" spc="0" strike="noStrike" sz="1800" u="none" kumimoji="0" normalizeH="0">
+          <a:defRPr kumimoji="0" sz="1800" b="0" i="0" u="none" strike="noStrike" cap="none" spc="0" normalizeH="0" baseline="0">
             <a:ln>
               <a:noFill/>
             </a:ln>
@@ -14155,7 +14776,7 @@
           <a:buFontTx/>
           <a:buNone/>
           <a:tabLst/>
-          <a:defRPr b="0" baseline="0" cap="none" i="0" spc="0" strike="noStrike" sz="1800" u="none" kumimoji="0" normalizeH="0">
+          <a:defRPr kumimoji="0" sz="1800" b="0" i="0" u="none" strike="noStrike" cap="none" spc="0" normalizeH="0" baseline="0">
             <a:ln>
               <a:noFill/>
             </a:ln>
@@ -14181,7 +14802,7 @@
           <a:buFontTx/>
           <a:buNone/>
           <a:tabLst/>
-          <a:defRPr b="0" baseline="0" cap="none" i="0" spc="0" strike="noStrike" sz="1800" u="none" kumimoji="0" normalizeH="0">
+          <a:defRPr kumimoji="0" sz="1800" b="0" i="0" u="none" strike="noStrike" cap="none" spc="0" normalizeH="0" baseline="0">
             <a:ln>
               <a:noFill/>
             </a:ln>
@@ -14207,7 +14828,7 @@
           <a:buFontTx/>
           <a:buNone/>
           <a:tabLst/>
-          <a:defRPr b="0" baseline="0" cap="none" i="0" spc="0" strike="noStrike" sz="1800" u="none" kumimoji="0" normalizeH="0">
+          <a:defRPr kumimoji="0" sz="1800" b="0" i="0" u="none" strike="noStrike" cap="none" spc="0" normalizeH="0" baseline="0">
             <a:ln>
               <a:noFill/>
             </a:ln>
@@ -14233,7 +14854,7 @@
           <a:buFontTx/>
           <a:buNone/>
           <a:tabLst/>
-          <a:defRPr b="0" baseline="0" cap="none" i="0" spc="0" strike="noStrike" sz="1800" u="none" kumimoji="0" normalizeH="0">
+          <a:defRPr kumimoji="0" sz="1800" b="0" i="0" u="none" strike="noStrike" cap="none" spc="0" normalizeH="0" baseline="0">
             <a:ln>
               <a:noFill/>
             </a:ln>
@@ -14259,7 +14880,7 @@
           <a:buFontTx/>
           <a:buNone/>
           <a:tabLst/>
-          <a:defRPr b="0" baseline="0" cap="none" i="0" spc="0" strike="noStrike" sz="1800" u="none" kumimoji="0" normalizeH="0">
+          <a:defRPr kumimoji="0" sz="1800" b="0" i="0" u="none" strike="noStrike" cap="none" spc="0" normalizeH="0" baseline="0">
             <a:ln>
               <a:noFill/>
             </a:ln>
@@ -14285,7 +14906,7 @@
           <a:buFontTx/>
           <a:buNone/>
           <a:tabLst/>
-          <a:defRPr b="0" baseline="0" cap="none" i="0" spc="0" strike="noStrike" sz="1800" u="none" kumimoji="0" normalizeH="0">
+          <a:defRPr kumimoji="0" sz="1800" b="0" i="0" u="none" strike="noStrike" cap="none" spc="0" normalizeH="0" baseline="0">
             <a:ln>
               <a:noFill/>
             </a:ln>
@@ -14311,7 +14932,7 @@
           <a:buFontTx/>
           <a:buNone/>
           <a:tabLst/>
-          <a:defRPr b="0" baseline="0" cap="none" i="0" spc="0" strike="noStrike" sz="1800" u="none" kumimoji="0" normalizeH="0">
+          <a:defRPr kumimoji="0" sz="1800" b="0" i="0" u="none" strike="noStrike" cap="none" spc="0" normalizeH="0" baseline="0">
             <a:ln>
               <a:noFill/>
             </a:ln>
@@ -14337,7 +14958,7 @@
           <a:buFontTx/>
           <a:buNone/>
           <a:tabLst/>
-          <a:defRPr b="0" baseline="0" cap="none" i="0" spc="0" strike="noStrike" sz="1800" u="none" kumimoji="0" normalizeH="0">
+          <a:defRPr kumimoji="0" sz="1800" b="0" i="0" u="none" strike="noStrike" cap="none" spc="0" normalizeH="0" baseline="0">
             <a:ln>
               <a:noFill/>
             </a:ln>
@@ -14350,9 +14971,15 @@
         </a:lvl9pPr>
       </a:lstStyle>
       <a:style>
-        <a:lnRef idx="0"/>
-        <a:fillRef idx="0"/>
-        <a:effectRef idx="0"/>
+        <a:lnRef idx="0">
+          <a:scrgbClr r="0" g="0" b="0"/>
+        </a:lnRef>
+        <a:fillRef idx="0">
+          <a:scrgbClr r="0" g="0" b="0"/>
+        </a:fillRef>
+        <a:effectRef idx="0">
+          <a:scrgbClr r="0" g="0" b="0"/>
+        </a:effectRef>
         <a:fontRef idx="none"/>
       </a:style>
     </a:spDef>
@@ -14369,7 +14996,7 @@
         <a:effectLst/>
         <a:sp3d/>
       </a:spPr>
-      <a:bodyPr rot="0" spcFirstLastPara="1" vertOverflow="overflow" horzOverflow="overflow" vert="horz" wrap="square" lIns="91439" tIns="45719" rIns="91439" bIns="45719" numCol="1" spcCol="38100" rtlCol="0" anchor="t" upright="0">
+      <a:bodyPr rot="0" spcFirstLastPara="1" vertOverflow="overflow" horzOverflow="overflow" vert="horz" wrap="square" lIns="91439" tIns="45719" rIns="91439" bIns="45719" numCol="1" spcCol="38100" rtlCol="0" anchor="t">
         <a:noAutofit/>
       </a:bodyPr>
       <a:lstStyle>
@@ -14388,7 +15015,7 @@
           <a:buFontTx/>
           <a:buNone/>
           <a:tabLst/>
-          <a:defRPr b="0" baseline="0" cap="none" i="0" spc="0" strike="noStrike" sz="1800" u="none" kumimoji="0" normalizeH="0">
+          <a:defRPr kumimoji="0" sz="1800" b="0" i="0" u="none" strike="noStrike" cap="none" spc="0" normalizeH="0" baseline="0">
             <a:ln>
               <a:noFill/>
             </a:ln>
@@ -14414,7 +15041,7 @@
           <a:buFontTx/>
           <a:buNone/>
           <a:tabLst/>
-          <a:defRPr b="0" baseline="0" cap="none" i="0" spc="0" strike="noStrike" sz="1800" u="none" kumimoji="0" normalizeH="0">
+          <a:defRPr kumimoji="0" sz="1800" b="0" i="0" u="none" strike="noStrike" cap="none" spc="0" normalizeH="0" baseline="0">
             <a:ln>
               <a:noFill/>
             </a:ln>
@@ -14440,7 +15067,7 @@
           <a:buFontTx/>
           <a:buNone/>
           <a:tabLst/>
-          <a:defRPr b="0" baseline="0" cap="none" i="0" spc="0" strike="noStrike" sz="1800" u="none" kumimoji="0" normalizeH="0">
+          <a:defRPr kumimoji="0" sz="1800" b="0" i="0" u="none" strike="noStrike" cap="none" spc="0" normalizeH="0" baseline="0">
             <a:ln>
               <a:noFill/>
             </a:ln>
@@ -14466,7 +15093,7 @@
           <a:buFontTx/>
           <a:buNone/>
           <a:tabLst/>
-          <a:defRPr b="0" baseline="0" cap="none" i="0" spc="0" strike="noStrike" sz="1800" u="none" kumimoji="0" normalizeH="0">
+          <a:defRPr kumimoji="0" sz="1800" b="0" i="0" u="none" strike="noStrike" cap="none" spc="0" normalizeH="0" baseline="0">
             <a:ln>
               <a:noFill/>
             </a:ln>
@@ -14492,7 +15119,7 @@
           <a:buFontTx/>
           <a:buNone/>
           <a:tabLst/>
-          <a:defRPr b="0" baseline="0" cap="none" i="0" spc="0" strike="noStrike" sz="1800" u="none" kumimoji="0" normalizeH="0">
+          <a:defRPr kumimoji="0" sz="1800" b="0" i="0" u="none" strike="noStrike" cap="none" spc="0" normalizeH="0" baseline="0">
             <a:ln>
               <a:noFill/>
             </a:ln>
@@ -14518,7 +15145,7 @@
           <a:buFontTx/>
           <a:buNone/>
           <a:tabLst/>
-          <a:defRPr b="0" baseline="0" cap="none" i="0" spc="0" strike="noStrike" sz="1800" u="none" kumimoji="0" normalizeH="0">
+          <a:defRPr kumimoji="0" sz="1800" b="0" i="0" u="none" strike="noStrike" cap="none" spc="0" normalizeH="0" baseline="0">
             <a:ln>
               <a:noFill/>
             </a:ln>
@@ -14544,7 +15171,7 @@
           <a:buFontTx/>
           <a:buNone/>
           <a:tabLst/>
-          <a:defRPr b="0" baseline="0" cap="none" i="0" spc="0" strike="noStrike" sz="1800" u="none" kumimoji="0" normalizeH="0">
+          <a:defRPr kumimoji="0" sz="1800" b="0" i="0" u="none" strike="noStrike" cap="none" spc="0" normalizeH="0" baseline="0">
             <a:ln>
               <a:noFill/>
             </a:ln>
@@ -14570,7 +15197,7 @@
           <a:buFontTx/>
           <a:buNone/>
           <a:tabLst/>
-          <a:defRPr b="0" baseline="0" cap="none" i="0" spc="0" strike="noStrike" sz="1800" u="none" kumimoji="0" normalizeH="0">
+          <a:defRPr kumimoji="0" sz="1800" b="0" i="0" u="none" strike="noStrike" cap="none" spc="0" normalizeH="0" baseline="0">
             <a:ln>
               <a:noFill/>
             </a:ln>
@@ -14596,7 +15223,7 @@
           <a:buFontTx/>
           <a:buNone/>
           <a:tabLst/>
-          <a:defRPr b="0" baseline="0" cap="none" i="0" spc="0" strike="noStrike" sz="1800" u="none" kumimoji="0" normalizeH="0">
+          <a:defRPr kumimoji="0" sz="1800" b="0" i="0" u="none" strike="noStrike" cap="none" spc="0" normalizeH="0" baseline="0">
             <a:ln>
               <a:noFill/>
             </a:ln>
@@ -14622,7 +15249,7 @@
           <a:buFontTx/>
           <a:buNone/>
           <a:tabLst/>
-          <a:defRPr b="0" baseline="0" cap="none" i="0" spc="0" strike="noStrike" sz="1800" u="none" kumimoji="0" normalizeH="0">
+          <a:defRPr kumimoji="0" sz="1800" b="0" i="0" u="none" strike="noStrike" cap="none" spc="0" normalizeH="0" baseline="0">
             <a:ln>
               <a:noFill/>
             </a:ln>
@@ -14635,9 +15262,15 @@
         </a:lvl9pPr>
       </a:lstStyle>
       <a:style>
-        <a:lnRef idx="0"/>
-        <a:fillRef idx="0"/>
-        <a:effectRef idx="0"/>
+        <a:lnRef idx="0">
+          <a:scrgbClr r="0" g="0" b="0"/>
+        </a:lnRef>
+        <a:fillRef idx="0">
+          <a:scrgbClr r="0" g="0" b="0"/>
+        </a:fillRef>
+        <a:effectRef idx="0">
+          <a:scrgbClr r="0" g="0" b="0"/>
+        </a:effectRef>
         <a:fontRef idx="none"/>
       </a:style>
     </a:lnDef>
@@ -14651,7 +15284,7 @@
         <a:effectLst/>
         <a:sp3d/>
       </a:spPr>
-      <a:bodyPr rot="0" spcFirstLastPara="1" vertOverflow="overflow" horzOverflow="overflow" vert="horz" wrap="square" lIns="50800" tIns="50800" rIns="50800" bIns="50800" numCol="1" spcCol="38100" rtlCol="0" anchor="ctr" upright="0">
+      <a:bodyPr rot="0" spcFirstLastPara="1" vertOverflow="overflow" horzOverflow="overflow" vert="horz" wrap="square" lIns="50800" tIns="50800" rIns="50800" bIns="50800" numCol="1" spcCol="38100" rtlCol="0" anchor="ctr">
         <a:spAutoFit/>
       </a:bodyPr>
       <a:lstStyle>
@@ -14670,7 +15303,7 @@
           <a:buFontTx/>
           <a:buNone/>
           <a:tabLst/>
-          <a:defRPr b="0" baseline="0" cap="none" i="0" spc="0" strike="noStrike" sz="4000" u="none" kumimoji="0" normalizeH="0">
+          <a:defRPr kumimoji="0" sz="4000" b="0" i="0" u="none" strike="noStrike" cap="none" spc="0" normalizeH="0" baseline="0">
             <a:ln>
               <a:noFill/>
             </a:ln>
@@ -14700,7 +15333,7 @@
           <a:buFontTx/>
           <a:buNone/>
           <a:tabLst/>
-          <a:defRPr b="0" baseline="0" cap="none" i="0" spc="0" strike="noStrike" sz="1800" u="none" kumimoji="0" normalizeH="0">
+          <a:defRPr kumimoji="0" sz="1800" b="0" i="0" u="none" strike="noStrike" cap="none" spc="0" normalizeH="0" baseline="0">
             <a:ln>
               <a:noFill/>
             </a:ln>
@@ -14726,7 +15359,7 @@
           <a:buFontTx/>
           <a:buNone/>
           <a:tabLst/>
-          <a:defRPr b="0" baseline="0" cap="none" i="0" spc="0" strike="noStrike" sz="1800" u="none" kumimoji="0" normalizeH="0">
+          <a:defRPr kumimoji="0" sz="1800" b="0" i="0" u="none" strike="noStrike" cap="none" spc="0" normalizeH="0" baseline="0">
             <a:ln>
               <a:noFill/>
             </a:ln>
@@ -14752,7 +15385,7 @@
           <a:buFontTx/>
           <a:buNone/>
           <a:tabLst/>
-          <a:defRPr b="0" baseline="0" cap="none" i="0" spc="0" strike="noStrike" sz="1800" u="none" kumimoji="0" normalizeH="0">
+          <a:defRPr kumimoji="0" sz="1800" b="0" i="0" u="none" strike="noStrike" cap="none" spc="0" normalizeH="0" baseline="0">
             <a:ln>
               <a:noFill/>
             </a:ln>
@@ -14778,7 +15411,7 @@
           <a:buFontTx/>
           <a:buNone/>
           <a:tabLst/>
-          <a:defRPr b="0" baseline="0" cap="none" i="0" spc="0" strike="noStrike" sz="1800" u="none" kumimoji="0" normalizeH="0">
+          <a:defRPr kumimoji="0" sz="1800" b="0" i="0" u="none" strike="noStrike" cap="none" spc="0" normalizeH="0" baseline="0">
             <a:ln>
               <a:noFill/>
             </a:ln>
@@ -14804,7 +15437,7 @@
           <a:buFontTx/>
           <a:buNone/>
           <a:tabLst/>
-          <a:defRPr b="0" baseline="0" cap="none" i="0" spc="0" strike="noStrike" sz="1800" u="none" kumimoji="0" normalizeH="0">
+          <a:defRPr kumimoji="0" sz="1800" b="0" i="0" u="none" strike="noStrike" cap="none" spc="0" normalizeH="0" baseline="0">
             <a:ln>
               <a:noFill/>
             </a:ln>
@@ -14830,7 +15463,7 @@
           <a:buFontTx/>
           <a:buNone/>
           <a:tabLst/>
-          <a:defRPr b="0" baseline="0" cap="none" i="0" spc="0" strike="noStrike" sz="1800" u="none" kumimoji="0" normalizeH="0">
+          <a:defRPr kumimoji="0" sz="1800" b="0" i="0" u="none" strike="noStrike" cap="none" spc="0" normalizeH="0" baseline="0">
             <a:ln>
               <a:noFill/>
             </a:ln>
@@ -14856,7 +15489,7 @@
           <a:buFontTx/>
           <a:buNone/>
           <a:tabLst/>
-          <a:defRPr b="0" baseline="0" cap="none" i="0" spc="0" strike="noStrike" sz="1800" u="none" kumimoji="0" normalizeH="0">
+          <a:defRPr kumimoji="0" sz="1800" b="0" i="0" u="none" strike="noStrike" cap="none" spc="0" normalizeH="0" baseline="0">
             <a:ln>
               <a:noFill/>
             </a:ln>
@@ -14882,7 +15515,7 @@
           <a:buFontTx/>
           <a:buNone/>
           <a:tabLst/>
-          <a:defRPr b="0" baseline="0" cap="none" i="0" spc="0" strike="noStrike" sz="1800" u="none" kumimoji="0" normalizeH="0">
+          <a:defRPr kumimoji="0" sz="1800" b="0" i="0" u="none" strike="noStrike" cap="none" spc="0" normalizeH="0" baseline="0">
             <a:ln>
               <a:noFill/>
             </a:ln>
@@ -14908,7 +15541,7 @@
           <a:buFontTx/>
           <a:buNone/>
           <a:tabLst/>
-          <a:defRPr b="0" baseline="0" cap="none" i="0" spc="0" strike="noStrike" sz="1800" u="none" kumimoji="0" normalizeH="0">
+          <a:defRPr kumimoji="0" sz="1800" b="0" i="0" u="none" strike="noStrike" cap="none" spc="0" normalizeH="0" baseline="0">
             <a:ln>
               <a:noFill/>
             </a:ln>
@@ -14921,12 +15554,19 @@
         </a:lvl9pPr>
       </a:lstStyle>
       <a:style>
-        <a:lnRef idx="0"/>
-        <a:fillRef idx="0"/>
-        <a:effectRef idx="0"/>
+        <a:lnRef idx="0">
+          <a:scrgbClr r="0" g="0" b="0"/>
+        </a:lnRef>
+        <a:fillRef idx="0">
+          <a:scrgbClr r="0" g="0" b="0"/>
+        </a:fillRef>
+        <a:effectRef idx="0">
+          <a:scrgbClr r="0" g="0" b="0"/>
+        </a:effectRef>
         <a:fontRef idx="none"/>
       </a:style>
     </a:txDef>
   </a:objectDefaults>
+  <a:extraClrSchemeLst/>
 </a:theme>
 </file>